--- a/Design and Development of a RAM-based PUF.pptx
+++ b/Design and Development of a RAM-based PUF.pptx
@@ -4,12 +4,18 @@
   <p:sldMasterIdLst>
     <p:sldMasterId id="2147483648" r:id="rId1"/>
   </p:sldMasterIdLst>
+  <p:notesMasterIdLst>
+    <p:notesMasterId r:id="rId10"/>
+  </p:notesMasterIdLst>
   <p:sldIdLst>
     <p:sldId id="256" r:id="rId2"/>
     <p:sldId id="257" r:id="rId3"/>
     <p:sldId id="258" r:id="rId4"/>
     <p:sldId id="259" r:id="rId5"/>
     <p:sldId id="260" r:id="rId6"/>
+    <p:sldId id="261" r:id="rId7"/>
+    <p:sldId id="262" r:id="rId8"/>
+    <p:sldId id="263" r:id="rId9"/>
   </p:sldIdLst>
   <p:sldSz cx="12192000" cy="6858000"/>
   <p:notesSz cx="6858000" cy="9144000"/>
@@ -116,6 +122,355 @@
 </p:presentation>
 </file>
 
+<file path=ppt/notesMasters/notesMaster1.xml><?xml version="1.0" encoding="utf-8"?>
+<p:notesMaster xmlns:a="http://schemas.openxmlformats.org/drawingml/2006/main" xmlns:r="http://schemas.openxmlformats.org/officeDocument/2006/relationships" xmlns:p="http://schemas.openxmlformats.org/presentationml/2006/main">
+  <p:cSld>
+    <p:bg>
+      <p:bgRef idx="1001">
+        <a:schemeClr val="bg1"/>
+      </p:bgRef>
+    </p:bg>
+    <p:spTree>
+      <p:nvGrpSpPr>
+        <p:cNvPr id="1" name=""/>
+        <p:cNvGrpSpPr/>
+        <p:nvPr/>
+      </p:nvGrpSpPr>
+      <p:grpSpPr>
+        <a:xfrm>
+          <a:off x="0" y="0"/>
+          <a:ext cx="0" cy="0"/>
+          <a:chOff x="0" y="0"/>
+          <a:chExt cx="0" cy="0"/>
+        </a:xfrm>
+      </p:grpSpPr>
+      <p:sp>
+        <p:nvSpPr>
+          <p:cNvPr id="2" name="Segnaposto intestazione 1"/>
+          <p:cNvSpPr>
+            <a:spLocks noGrp="1"/>
+          </p:cNvSpPr>
+          <p:nvPr>
+            <p:ph type="hdr" sz="quarter"/>
+          </p:nvPr>
+        </p:nvSpPr>
+        <p:spPr>
+          <a:xfrm>
+            <a:off x="0" y="0"/>
+            <a:ext cx="2971800" cy="458788"/>
+          </a:xfrm>
+          <a:prstGeom prst="rect">
+            <a:avLst/>
+          </a:prstGeom>
+        </p:spPr>
+        <p:txBody>
+          <a:bodyPr vert="horz" lIns="91440" tIns="45720" rIns="91440" bIns="45720" rtlCol="0"/>
+          <a:lstStyle>
+            <a:lvl1pPr algn="l">
+              <a:defRPr sz="1200"/>
+            </a:lvl1pPr>
+          </a:lstStyle>
+          <a:p>
+            <a:endParaRPr lang="it-IT"/>
+          </a:p>
+        </p:txBody>
+      </p:sp>
+      <p:sp>
+        <p:nvSpPr>
+          <p:cNvPr id="3" name="Segnaposto data 2"/>
+          <p:cNvSpPr>
+            <a:spLocks noGrp="1"/>
+          </p:cNvSpPr>
+          <p:nvPr>
+            <p:ph type="dt" idx="1"/>
+          </p:nvPr>
+        </p:nvSpPr>
+        <p:spPr>
+          <a:xfrm>
+            <a:off x="3884613" y="0"/>
+            <a:ext cx="2971800" cy="458788"/>
+          </a:xfrm>
+          <a:prstGeom prst="rect">
+            <a:avLst/>
+          </a:prstGeom>
+        </p:spPr>
+        <p:txBody>
+          <a:bodyPr vert="horz" lIns="91440" tIns="45720" rIns="91440" bIns="45720" rtlCol="0"/>
+          <a:lstStyle>
+            <a:lvl1pPr algn="r">
+              <a:defRPr sz="1200"/>
+            </a:lvl1pPr>
+          </a:lstStyle>
+          <a:p>
+            <a:fld id="{DA0109C4-8D99-4961-8B68-840B8F2F08FE}" type="datetimeFigureOut">
+              <a:rPr lang="it-IT" smtClean="0"/>
+              <a:t>28/08/2022</a:t>
+            </a:fld>
+            <a:endParaRPr lang="it-IT"/>
+          </a:p>
+        </p:txBody>
+      </p:sp>
+      <p:sp>
+        <p:nvSpPr>
+          <p:cNvPr id="4" name="Segnaposto immagine diapositiva 3"/>
+          <p:cNvSpPr>
+            <a:spLocks noGrp="1" noRot="1" noChangeAspect="1"/>
+          </p:cNvSpPr>
+          <p:nvPr>
+            <p:ph type="sldImg" idx="2"/>
+          </p:nvPr>
+        </p:nvSpPr>
+        <p:spPr>
+          <a:xfrm>
+            <a:off x="685800" y="1143000"/>
+            <a:ext cx="5486400" cy="3086100"/>
+          </a:xfrm>
+          <a:prstGeom prst="rect">
+            <a:avLst/>
+          </a:prstGeom>
+          <a:noFill/>
+          <a:ln w="12700">
+            <a:solidFill>
+              <a:prstClr val="black"/>
+            </a:solidFill>
+          </a:ln>
+        </p:spPr>
+        <p:txBody>
+          <a:bodyPr vert="horz" lIns="91440" tIns="45720" rIns="91440" bIns="45720" rtlCol="0" anchor="ctr"/>
+          <a:lstStyle/>
+          <a:p>
+            <a:endParaRPr lang="it-IT"/>
+          </a:p>
+        </p:txBody>
+      </p:sp>
+      <p:sp>
+        <p:nvSpPr>
+          <p:cNvPr id="5" name="Segnaposto note 4"/>
+          <p:cNvSpPr>
+            <a:spLocks noGrp="1"/>
+          </p:cNvSpPr>
+          <p:nvPr>
+            <p:ph type="body" sz="quarter" idx="3"/>
+          </p:nvPr>
+        </p:nvSpPr>
+        <p:spPr>
+          <a:xfrm>
+            <a:off x="685800" y="4400550"/>
+            <a:ext cx="5486400" cy="3600450"/>
+          </a:xfrm>
+          <a:prstGeom prst="rect">
+            <a:avLst/>
+          </a:prstGeom>
+        </p:spPr>
+        <p:txBody>
+          <a:bodyPr vert="horz" lIns="91440" tIns="45720" rIns="91440" bIns="45720" rtlCol="0"/>
+          <a:lstStyle/>
+          <a:p>
+            <a:pPr lvl="0"/>
+            <a:r>
+              <a:rPr lang="it-IT"/>
+              <a:t>Fare clic per modificare gli stili del testo dello schema</a:t>
+            </a:r>
+          </a:p>
+          <a:p>
+            <a:pPr lvl="1"/>
+            <a:r>
+              <a:rPr lang="it-IT"/>
+              <a:t>Secondo livello</a:t>
+            </a:r>
+          </a:p>
+          <a:p>
+            <a:pPr lvl="2"/>
+            <a:r>
+              <a:rPr lang="it-IT"/>
+              <a:t>Terzo livello</a:t>
+            </a:r>
+          </a:p>
+          <a:p>
+            <a:pPr lvl="3"/>
+            <a:r>
+              <a:rPr lang="it-IT"/>
+              <a:t>Quarto livello</a:t>
+            </a:r>
+          </a:p>
+          <a:p>
+            <a:pPr lvl="4"/>
+            <a:r>
+              <a:rPr lang="it-IT"/>
+              <a:t>Quinto livello</a:t>
+            </a:r>
+          </a:p>
+        </p:txBody>
+      </p:sp>
+      <p:sp>
+        <p:nvSpPr>
+          <p:cNvPr id="6" name="Segnaposto piè di pagina 5"/>
+          <p:cNvSpPr>
+            <a:spLocks noGrp="1"/>
+          </p:cNvSpPr>
+          <p:nvPr>
+            <p:ph type="ftr" sz="quarter" idx="4"/>
+          </p:nvPr>
+        </p:nvSpPr>
+        <p:spPr>
+          <a:xfrm>
+            <a:off x="0" y="8685213"/>
+            <a:ext cx="2971800" cy="458787"/>
+          </a:xfrm>
+          <a:prstGeom prst="rect">
+            <a:avLst/>
+          </a:prstGeom>
+        </p:spPr>
+        <p:txBody>
+          <a:bodyPr vert="horz" lIns="91440" tIns="45720" rIns="91440" bIns="45720" rtlCol="0" anchor="b"/>
+          <a:lstStyle>
+            <a:lvl1pPr algn="l">
+              <a:defRPr sz="1200"/>
+            </a:lvl1pPr>
+          </a:lstStyle>
+          <a:p>
+            <a:endParaRPr lang="it-IT"/>
+          </a:p>
+        </p:txBody>
+      </p:sp>
+      <p:sp>
+        <p:nvSpPr>
+          <p:cNvPr id="7" name="Segnaposto numero diapositiva 6"/>
+          <p:cNvSpPr>
+            <a:spLocks noGrp="1"/>
+          </p:cNvSpPr>
+          <p:nvPr>
+            <p:ph type="sldNum" sz="quarter" idx="5"/>
+          </p:nvPr>
+        </p:nvSpPr>
+        <p:spPr>
+          <a:xfrm>
+            <a:off x="3884613" y="8685213"/>
+            <a:ext cx="2971800" cy="458787"/>
+          </a:xfrm>
+          <a:prstGeom prst="rect">
+            <a:avLst/>
+          </a:prstGeom>
+        </p:spPr>
+        <p:txBody>
+          <a:bodyPr vert="horz" lIns="91440" tIns="45720" rIns="91440" bIns="45720" rtlCol="0" anchor="b"/>
+          <a:lstStyle>
+            <a:lvl1pPr algn="r">
+              <a:defRPr sz="1200"/>
+            </a:lvl1pPr>
+          </a:lstStyle>
+          <a:p>
+            <a:fld id="{3354C5DF-A374-4865-B73E-7F17C4FB4B2E}" type="slidenum">
+              <a:rPr lang="it-IT" smtClean="0"/>
+              <a:t>‹N›</a:t>
+            </a:fld>
+            <a:endParaRPr lang="it-IT"/>
+          </a:p>
+        </p:txBody>
+      </p:sp>
+    </p:spTree>
+    <p:extLst>
+      <p:ext uri="{BB962C8B-B14F-4D97-AF65-F5344CB8AC3E}">
+        <p14:creationId xmlns:p14="http://schemas.microsoft.com/office/powerpoint/2010/main" val="3976798506"/>
+      </p:ext>
+    </p:extLst>
+  </p:cSld>
+  <p:clrMap bg1="lt1" tx1="dk1" bg2="lt2" tx2="dk2" accent1="accent1" accent2="accent2" accent3="accent3" accent4="accent4" accent5="accent5" accent6="accent6" hlink="hlink" folHlink="folHlink"/>
+  <p:notesStyle>
+    <a:lvl1pPr marL="0" algn="l" defTabSz="914400" rtl="0" eaLnBrk="1" latinLnBrk="0" hangingPunct="1">
+      <a:defRPr sz="1200" kern="1200">
+        <a:solidFill>
+          <a:schemeClr val="tx1"/>
+        </a:solidFill>
+        <a:latin typeface="+mn-lt"/>
+        <a:ea typeface="+mn-ea"/>
+        <a:cs typeface="+mn-cs"/>
+      </a:defRPr>
+    </a:lvl1pPr>
+    <a:lvl2pPr marL="457200" algn="l" defTabSz="914400" rtl="0" eaLnBrk="1" latinLnBrk="0" hangingPunct="1">
+      <a:defRPr sz="1200" kern="1200">
+        <a:solidFill>
+          <a:schemeClr val="tx1"/>
+        </a:solidFill>
+        <a:latin typeface="+mn-lt"/>
+        <a:ea typeface="+mn-ea"/>
+        <a:cs typeface="+mn-cs"/>
+      </a:defRPr>
+    </a:lvl2pPr>
+    <a:lvl3pPr marL="914400" algn="l" defTabSz="914400" rtl="0" eaLnBrk="1" latinLnBrk="0" hangingPunct="1">
+      <a:defRPr sz="1200" kern="1200">
+        <a:solidFill>
+          <a:schemeClr val="tx1"/>
+        </a:solidFill>
+        <a:latin typeface="+mn-lt"/>
+        <a:ea typeface="+mn-ea"/>
+        <a:cs typeface="+mn-cs"/>
+      </a:defRPr>
+    </a:lvl3pPr>
+    <a:lvl4pPr marL="1371600" algn="l" defTabSz="914400" rtl="0" eaLnBrk="1" latinLnBrk="0" hangingPunct="1">
+      <a:defRPr sz="1200" kern="1200">
+        <a:solidFill>
+          <a:schemeClr val="tx1"/>
+        </a:solidFill>
+        <a:latin typeface="+mn-lt"/>
+        <a:ea typeface="+mn-ea"/>
+        <a:cs typeface="+mn-cs"/>
+      </a:defRPr>
+    </a:lvl4pPr>
+    <a:lvl5pPr marL="1828800" algn="l" defTabSz="914400" rtl="0" eaLnBrk="1" latinLnBrk="0" hangingPunct="1">
+      <a:defRPr sz="1200" kern="1200">
+        <a:solidFill>
+          <a:schemeClr val="tx1"/>
+        </a:solidFill>
+        <a:latin typeface="+mn-lt"/>
+        <a:ea typeface="+mn-ea"/>
+        <a:cs typeface="+mn-cs"/>
+      </a:defRPr>
+    </a:lvl5pPr>
+    <a:lvl6pPr marL="2286000" algn="l" defTabSz="914400" rtl="0" eaLnBrk="1" latinLnBrk="0" hangingPunct="1">
+      <a:defRPr sz="1200" kern="1200">
+        <a:solidFill>
+          <a:schemeClr val="tx1"/>
+        </a:solidFill>
+        <a:latin typeface="+mn-lt"/>
+        <a:ea typeface="+mn-ea"/>
+        <a:cs typeface="+mn-cs"/>
+      </a:defRPr>
+    </a:lvl6pPr>
+    <a:lvl7pPr marL="2743200" algn="l" defTabSz="914400" rtl="0" eaLnBrk="1" latinLnBrk="0" hangingPunct="1">
+      <a:defRPr sz="1200" kern="1200">
+        <a:solidFill>
+          <a:schemeClr val="tx1"/>
+        </a:solidFill>
+        <a:latin typeface="+mn-lt"/>
+        <a:ea typeface="+mn-ea"/>
+        <a:cs typeface="+mn-cs"/>
+      </a:defRPr>
+    </a:lvl7pPr>
+    <a:lvl8pPr marL="3200400" algn="l" defTabSz="914400" rtl="0" eaLnBrk="1" latinLnBrk="0" hangingPunct="1">
+      <a:defRPr sz="1200" kern="1200">
+        <a:solidFill>
+          <a:schemeClr val="tx1"/>
+        </a:solidFill>
+        <a:latin typeface="+mn-lt"/>
+        <a:ea typeface="+mn-ea"/>
+        <a:cs typeface="+mn-cs"/>
+      </a:defRPr>
+    </a:lvl8pPr>
+    <a:lvl9pPr marL="3657600" algn="l" defTabSz="914400" rtl="0" eaLnBrk="1" latinLnBrk="0" hangingPunct="1">
+      <a:defRPr sz="1200" kern="1200">
+        <a:solidFill>
+          <a:schemeClr val="tx1"/>
+        </a:solidFill>
+        <a:latin typeface="+mn-lt"/>
+        <a:ea typeface="+mn-ea"/>
+        <a:cs typeface="+mn-cs"/>
+      </a:defRPr>
+    </a:lvl9pPr>
+  </p:notesStyle>
+</p:notesMaster>
+</file>
+
 <file path=ppt/slideLayouts/slideLayout1.xml><?xml version="1.0" encoding="utf-8"?>
 <p:sldLayout xmlns:a="http://schemas.openxmlformats.org/drawingml/2006/main" xmlns:r="http://schemas.openxmlformats.org/officeDocument/2006/relationships" xmlns:p="http://schemas.openxmlformats.org/presentationml/2006/main" type="title" preserve="1">
   <p:cSld name="Diapositiva titolo">
@@ -261,9 +616,9 @@
           <a:bodyPr/>
           <a:lstStyle/>
           <a:p>
-            <a:fld id="{C26C018E-03AF-45D7-BF56-AAC71C2A1A31}" type="datetimeFigureOut">
+            <a:fld id="{D05720A7-A953-411A-81A9-3B18B08F30A0}" type="datetime1">
               <a:rPr lang="it-IT" smtClean="0"/>
-              <a:t>27/08/2022</a:t>
+              <a:t>28/08/2022</a:t>
             </a:fld>
             <a:endParaRPr lang="it-IT"/>
           </a:p>
@@ -459,9 +814,9 @@
           <a:bodyPr/>
           <a:lstStyle/>
           <a:p>
-            <a:fld id="{C26C018E-03AF-45D7-BF56-AAC71C2A1A31}" type="datetimeFigureOut">
+            <a:fld id="{0706548A-0296-444F-BF4E-72BB016FDD38}" type="datetime1">
               <a:rPr lang="it-IT" smtClean="0"/>
-              <a:t>27/08/2022</a:t>
+              <a:t>28/08/2022</a:t>
             </a:fld>
             <a:endParaRPr lang="it-IT"/>
           </a:p>
@@ -667,9 +1022,9 @@
           <a:bodyPr/>
           <a:lstStyle/>
           <a:p>
-            <a:fld id="{C26C018E-03AF-45D7-BF56-AAC71C2A1A31}" type="datetimeFigureOut">
+            <a:fld id="{6A2958E4-5177-4A76-9242-714DBE233A87}" type="datetime1">
               <a:rPr lang="it-IT" smtClean="0"/>
-              <a:t>27/08/2022</a:t>
+              <a:t>28/08/2022</a:t>
             </a:fld>
             <a:endParaRPr lang="it-IT"/>
           </a:p>
@@ -865,9 +1220,9 @@
           <a:bodyPr/>
           <a:lstStyle/>
           <a:p>
-            <a:fld id="{C26C018E-03AF-45D7-BF56-AAC71C2A1A31}" type="datetimeFigureOut">
+            <a:fld id="{397C6833-9FFE-4571-82EE-9B191B6F5058}" type="datetime1">
               <a:rPr lang="it-IT" smtClean="0"/>
-              <a:t>27/08/2022</a:t>
+              <a:t>28/08/2022</a:t>
             </a:fld>
             <a:endParaRPr lang="it-IT"/>
           </a:p>
@@ -1140,9 +1495,9 @@
           <a:bodyPr/>
           <a:lstStyle/>
           <a:p>
-            <a:fld id="{C26C018E-03AF-45D7-BF56-AAC71C2A1A31}" type="datetimeFigureOut">
+            <a:fld id="{4920125D-C4E0-40E4-B45F-7AC39B855427}" type="datetime1">
               <a:rPr lang="it-IT" smtClean="0"/>
-              <a:t>27/08/2022</a:t>
+              <a:t>28/08/2022</a:t>
             </a:fld>
             <a:endParaRPr lang="it-IT"/>
           </a:p>
@@ -1405,9 +1760,9 @@
           <a:bodyPr/>
           <a:lstStyle/>
           <a:p>
-            <a:fld id="{C26C018E-03AF-45D7-BF56-AAC71C2A1A31}" type="datetimeFigureOut">
+            <a:fld id="{8162F90A-852D-4A01-9148-2B3B19A7DEF5}" type="datetime1">
               <a:rPr lang="it-IT" smtClean="0"/>
-              <a:t>27/08/2022</a:t>
+              <a:t>28/08/2022</a:t>
             </a:fld>
             <a:endParaRPr lang="it-IT"/>
           </a:p>
@@ -1817,9 +2172,9 @@
           <a:bodyPr/>
           <a:lstStyle/>
           <a:p>
-            <a:fld id="{C26C018E-03AF-45D7-BF56-AAC71C2A1A31}" type="datetimeFigureOut">
+            <a:fld id="{ACB01FE2-3FED-47A9-8797-4B83D67025DD}" type="datetime1">
               <a:rPr lang="it-IT" smtClean="0"/>
-              <a:t>27/08/2022</a:t>
+              <a:t>28/08/2022</a:t>
             </a:fld>
             <a:endParaRPr lang="it-IT"/>
           </a:p>
@@ -1958,9 +2313,9 @@
           <a:bodyPr/>
           <a:lstStyle/>
           <a:p>
-            <a:fld id="{C26C018E-03AF-45D7-BF56-AAC71C2A1A31}" type="datetimeFigureOut">
+            <a:fld id="{91FAEB97-FF3E-4633-B243-D3C27ED4FDBD}" type="datetime1">
               <a:rPr lang="it-IT" smtClean="0"/>
-              <a:t>27/08/2022</a:t>
+              <a:t>28/08/2022</a:t>
             </a:fld>
             <a:endParaRPr lang="it-IT"/>
           </a:p>
@@ -2071,9 +2426,9 @@
           <a:bodyPr/>
           <a:lstStyle/>
           <a:p>
-            <a:fld id="{C26C018E-03AF-45D7-BF56-AAC71C2A1A31}" type="datetimeFigureOut">
+            <a:fld id="{D4B8AA84-D53D-42ED-A252-CD018E458E18}" type="datetime1">
               <a:rPr lang="it-IT" smtClean="0"/>
-              <a:t>27/08/2022</a:t>
+              <a:t>28/08/2022</a:t>
             </a:fld>
             <a:endParaRPr lang="it-IT"/>
           </a:p>
@@ -2382,9 +2737,9 @@
           <a:bodyPr/>
           <a:lstStyle/>
           <a:p>
-            <a:fld id="{C26C018E-03AF-45D7-BF56-AAC71C2A1A31}" type="datetimeFigureOut">
+            <a:fld id="{66795BB9-104D-4731-8F28-3479B720A43F}" type="datetime1">
               <a:rPr lang="it-IT" smtClean="0"/>
-              <a:t>27/08/2022</a:t>
+              <a:t>28/08/2022</a:t>
             </a:fld>
             <a:endParaRPr lang="it-IT"/>
           </a:p>
@@ -2670,9 +3025,9 @@
           <a:bodyPr/>
           <a:lstStyle/>
           <a:p>
-            <a:fld id="{C26C018E-03AF-45D7-BF56-AAC71C2A1A31}" type="datetimeFigureOut">
+            <a:fld id="{26764855-C136-414A-994F-04E8194BC493}" type="datetime1">
               <a:rPr lang="it-IT" smtClean="0"/>
-              <a:t>27/08/2022</a:t>
+              <a:t>28/08/2022</a:t>
             </a:fld>
             <a:endParaRPr lang="it-IT"/>
           </a:p>
@@ -2911,9 +3266,9 @@
             </a:lvl1pPr>
           </a:lstStyle>
           <a:p>
-            <a:fld id="{C26C018E-03AF-45D7-BF56-AAC71C2A1A31}" type="datetimeFigureOut">
+            <a:fld id="{EDA2617C-2028-4D97-83E6-6EE3B4CA7740}" type="datetime1">
               <a:rPr lang="it-IT" smtClean="0"/>
-              <a:t>27/08/2022</a:t>
+              <a:t>28/08/2022</a:t>
             </a:fld>
             <a:endParaRPr lang="it-IT"/>
           </a:p>
@@ -3030,6 +3385,7 @@
     <p:sldLayoutId id="2147483658" r:id="rId10"/>
     <p:sldLayoutId id="2147483659" r:id="rId11"/>
   </p:sldLayoutIdLst>
+  <p:hf hdr="0" ftr="0" dt="0"/>
   <p:txStyles>
     <p:titleStyle>
       <a:lvl1pPr algn="l" defTabSz="914400" rtl="0" eaLnBrk="1" latinLnBrk="0" hangingPunct="1">
@@ -3771,6 +4127,35 @@
           </a:p>
         </p:txBody>
       </p:sp>
+      <p:sp>
+        <p:nvSpPr>
+          <p:cNvPr id="4" name="Segnaposto numero diapositiva 3">
+            <a:extLst>
+              <a:ext uri="{FF2B5EF4-FFF2-40B4-BE49-F238E27FC236}">
+                <a16:creationId xmlns:a16="http://schemas.microsoft.com/office/drawing/2014/main" id="{1DF8CCB9-825D-8737-94EE-A139C9E33B1D}"/>
+              </a:ext>
+            </a:extLst>
+          </p:cNvPr>
+          <p:cNvSpPr>
+            <a:spLocks noGrp="1"/>
+          </p:cNvSpPr>
+          <p:nvPr>
+            <p:ph type="sldNum" sz="quarter" idx="12"/>
+          </p:nvPr>
+        </p:nvSpPr>
+        <p:spPr/>
+        <p:txBody>
+          <a:bodyPr/>
+          <a:lstStyle/>
+          <a:p>
+            <a:fld id="{7A5CF73B-7013-4295-95A2-19EBB0879913}" type="slidenum">
+              <a:rPr lang="it-IT" smtClean="0"/>
+              <a:t>1</a:t>
+            </a:fld>
+            <a:endParaRPr lang="it-IT"/>
+          </a:p>
+        </p:txBody>
+      </p:sp>
     </p:spTree>
     <p:extLst>
       <p:ext uri="{BB962C8B-B14F-4D97-AF65-F5344CB8AC3E}">
@@ -4091,11 +4476,19 @@
           <a:p>
             <a:r>
               <a:rPr lang="it-IT" dirty="0" err="1"/>
-              <a:t>introduction</a:t>
+              <a:t>What</a:t>
             </a:r>
             <a:r>
               <a:rPr lang="it-IT" dirty="0"/>
-              <a:t>	</a:t>
+              <a:t> </a:t>
+            </a:r>
+            <a:r>
+              <a:rPr lang="it-IT" dirty="0" err="1"/>
+              <a:t>is</a:t>
+            </a:r>
+            <a:r>
+              <a:rPr lang="it-IT" dirty="0"/>
+              <a:t> a PUF?	</a:t>
             </a:r>
           </a:p>
         </p:txBody>
@@ -4122,6 +4515,35 @@
           <a:lstStyle/>
           <a:p>
             <a:endParaRPr lang="it-IT" dirty="0"/>
+          </a:p>
+        </p:txBody>
+      </p:sp>
+      <p:sp>
+        <p:nvSpPr>
+          <p:cNvPr id="4" name="Segnaposto numero diapositiva 3">
+            <a:extLst>
+              <a:ext uri="{FF2B5EF4-FFF2-40B4-BE49-F238E27FC236}">
+                <a16:creationId xmlns:a16="http://schemas.microsoft.com/office/drawing/2014/main" id="{D32D8878-AFE9-2CD8-A6DB-B7A9478CF274}"/>
+              </a:ext>
+            </a:extLst>
+          </p:cNvPr>
+          <p:cNvSpPr>
+            <a:spLocks noGrp="1"/>
+          </p:cNvSpPr>
+          <p:nvPr>
+            <p:ph type="sldNum" sz="quarter" idx="12"/>
+          </p:nvPr>
+        </p:nvSpPr>
+        <p:spPr/>
+        <p:txBody>
+          <a:bodyPr/>
+          <a:lstStyle/>
+          <a:p>
+            <a:fld id="{7A5CF73B-7013-4295-95A2-19EBB0879913}" type="slidenum">
+              <a:rPr lang="it-IT" smtClean="0"/>
+              <a:t>2</a:t>
+            </a:fld>
+            <a:endParaRPr lang="it-IT"/>
           </a:p>
         </p:txBody>
       </p:sp>
@@ -4176,7 +4598,30 @@
           <a:bodyPr/>
           <a:lstStyle/>
           <a:p>
-            <a:endParaRPr lang="it-IT" dirty="0"/>
+            <a:r>
+              <a:rPr lang="it-IT" dirty="0" err="1"/>
+              <a:t>Why</a:t>
+            </a:r>
+            <a:r>
+              <a:rPr lang="it-IT" dirty="0"/>
+              <a:t> PUF </a:t>
+            </a:r>
+            <a:r>
+              <a:rPr lang="it-IT" dirty="0" err="1"/>
+              <a:t>is</a:t>
+            </a:r>
+            <a:r>
+              <a:rPr lang="it-IT" dirty="0"/>
+              <a:t> </a:t>
+            </a:r>
+            <a:r>
+              <a:rPr lang="it-IT" dirty="0" err="1"/>
+              <a:t>important</a:t>
+            </a:r>
+            <a:r>
+              <a:rPr lang="it-IT" dirty="0"/>
+              <a:t>?</a:t>
+            </a:r>
           </a:p>
         </p:txBody>
       </p:sp>
@@ -4201,6 +4646,35 @@
           <a:bodyPr/>
           <a:lstStyle/>
           <a:p>
+            <a:endParaRPr lang="it-IT"/>
+          </a:p>
+        </p:txBody>
+      </p:sp>
+      <p:sp>
+        <p:nvSpPr>
+          <p:cNvPr id="4" name="Segnaposto numero diapositiva 3">
+            <a:extLst>
+              <a:ext uri="{FF2B5EF4-FFF2-40B4-BE49-F238E27FC236}">
+                <a16:creationId xmlns:a16="http://schemas.microsoft.com/office/drawing/2014/main" id="{1F9FC89C-C928-4055-DA20-7FA67FF702A6}"/>
+              </a:ext>
+            </a:extLst>
+          </p:cNvPr>
+          <p:cNvSpPr>
+            <a:spLocks noGrp="1"/>
+          </p:cNvSpPr>
+          <p:nvPr>
+            <p:ph type="sldNum" sz="quarter" idx="12"/>
+          </p:nvPr>
+        </p:nvSpPr>
+        <p:spPr/>
+        <p:txBody>
+          <a:bodyPr/>
+          <a:lstStyle/>
+          <a:p>
+            <a:fld id="{7A5CF73B-7013-4295-95A2-19EBB0879913}" type="slidenum">
+              <a:rPr lang="it-IT" smtClean="0"/>
+              <a:t>3</a:t>
+            </a:fld>
             <a:endParaRPr lang="it-IT"/>
           </a:p>
         </p:txBody>
@@ -4256,6 +4730,13 @@
           <a:bodyPr/>
           <a:lstStyle/>
           <a:p>
+            <a:r>
+              <a:rPr lang="it-IT" dirty="0"/>
+              <a:t>How PUF works?	</a:t>
+            </a:r>
+            <a:br>
+              <a:rPr lang="it-IT" dirty="0"/>
+            </a:br>
             <a:endParaRPr lang="it-IT" dirty="0"/>
           </a:p>
         </p:txBody>
@@ -4276,11 +4757,45 @@
             <p:ph idx="1"/>
           </p:nvPr>
         </p:nvSpPr>
-        <p:spPr/>
-        <p:txBody>
-          <a:bodyPr/>
-          <a:lstStyle/>
-          <a:p>
+        <p:spPr>
+          <a:xfrm>
+            <a:off x="838200" y="1904002"/>
+            <a:ext cx="10515600" cy="4351338"/>
+          </a:xfrm>
+        </p:spPr>
+        <p:txBody>
+          <a:bodyPr/>
+          <a:lstStyle/>
+          <a:p>
+            <a:endParaRPr lang="it-IT"/>
+          </a:p>
+        </p:txBody>
+      </p:sp>
+      <p:sp>
+        <p:nvSpPr>
+          <p:cNvPr id="4" name="Segnaposto numero diapositiva 3">
+            <a:extLst>
+              <a:ext uri="{FF2B5EF4-FFF2-40B4-BE49-F238E27FC236}">
+                <a16:creationId xmlns:a16="http://schemas.microsoft.com/office/drawing/2014/main" id="{F4944DE5-17E3-F5DB-56D3-C2BA613AC4FD}"/>
+              </a:ext>
+            </a:extLst>
+          </p:cNvPr>
+          <p:cNvSpPr>
+            <a:spLocks noGrp="1"/>
+          </p:cNvSpPr>
+          <p:nvPr>
+            <p:ph type="sldNum" sz="quarter" idx="12"/>
+          </p:nvPr>
+        </p:nvSpPr>
+        <p:spPr/>
+        <p:txBody>
+          <a:bodyPr/>
+          <a:lstStyle/>
+          <a:p>
+            <a:fld id="{7A5CF73B-7013-4295-95A2-19EBB0879913}" type="slidenum">
+              <a:rPr lang="it-IT" smtClean="0"/>
+              <a:t>4</a:t>
+            </a:fld>
             <a:endParaRPr lang="it-IT"/>
           </a:p>
         </p:txBody>
@@ -4336,31 +4851,75 @@
           <a:bodyPr/>
           <a:lstStyle/>
           <a:p>
+            <a:r>
+              <a:rPr lang="it-IT" dirty="0" err="1"/>
+              <a:t>Which</a:t>
+            </a:r>
+            <a:r>
+              <a:rPr lang="it-IT" dirty="0"/>
+              <a:t> PUF </a:t>
+            </a:r>
+            <a:r>
+              <a:rPr lang="it-IT" dirty="0" err="1"/>
+              <a:t>implemented</a:t>
+            </a:r>
+            <a:r>
+              <a:rPr lang="it-IT" dirty="0"/>
+              <a:t>?</a:t>
+            </a:r>
+          </a:p>
+        </p:txBody>
+      </p:sp>
+      <p:sp>
+        <p:nvSpPr>
+          <p:cNvPr id="3" name="Segnaposto contenuto 2">
+            <a:extLst>
+              <a:ext uri="{FF2B5EF4-FFF2-40B4-BE49-F238E27FC236}">
+                <a16:creationId xmlns:a16="http://schemas.microsoft.com/office/drawing/2014/main" id="{E09FC782-BA9E-476B-BFA8-7EEBEC04ECBA}"/>
+              </a:ext>
+            </a:extLst>
+          </p:cNvPr>
+          <p:cNvSpPr>
+            <a:spLocks noGrp="1"/>
+          </p:cNvSpPr>
+          <p:nvPr>
+            <p:ph idx="1"/>
+          </p:nvPr>
+        </p:nvSpPr>
+        <p:spPr/>
+        <p:txBody>
+          <a:bodyPr/>
+          <a:lstStyle/>
+          <a:p>
             <a:endParaRPr lang="it-IT"/>
           </a:p>
         </p:txBody>
       </p:sp>
       <p:sp>
         <p:nvSpPr>
-          <p:cNvPr id="3" name="Segnaposto contenuto 2">
-            <a:extLst>
-              <a:ext uri="{FF2B5EF4-FFF2-40B4-BE49-F238E27FC236}">
-                <a16:creationId xmlns:a16="http://schemas.microsoft.com/office/drawing/2014/main" id="{E09FC782-BA9E-476B-BFA8-7EEBEC04ECBA}"/>
-              </a:ext>
-            </a:extLst>
-          </p:cNvPr>
-          <p:cNvSpPr>
-            <a:spLocks noGrp="1"/>
-          </p:cNvSpPr>
-          <p:nvPr>
-            <p:ph idx="1"/>
-          </p:nvPr>
-        </p:nvSpPr>
-        <p:spPr/>
-        <p:txBody>
-          <a:bodyPr/>
-          <a:lstStyle/>
-          <a:p>
+          <p:cNvPr id="4" name="Segnaposto numero diapositiva 3">
+            <a:extLst>
+              <a:ext uri="{FF2B5EF4-FFF2-40B4-BE49-F238E27FC236}">
+                <a16:creationId xmlns:a16="http://schemas.microsoft.com/office/drawing/2014/main" id="{1D48AB9E-7090-C348-0E90-57EC1BDE34BF}"/>
+              </a:ext>
+            </a:extLst>
+          </p:cNvPr>
+          <p:cNvSpPr>
+            <a:spLocks noGrp="1"/>
+          </p:cNvSpPr>
+          <p:nvPr>
+            <p:ph type="sldNum" sz="quarter" idx="12"/>
+          </p:nvPr>
+        </p:nvSpPr>
+        <p:spPr/>
+        <p:txBody>
+          <a:bodyPr/>
+          <a:lstStyle/>
+          <a:p>
+            <a:fld id="{7A5CF73B-7013-4295-95A2-19EBB0879913}" type="slidenum">
+              <a:rPr lang="it-IT" smtClean="0"/>
+              <a:t>5</a:t>
+            </a:fld>
             <a:endParaRPr lang="it-IT"/>
           </a:p>
         </p:txBody>
@@ -4369,6 +4928,348 @@
     <p:extLst>
       <p:ext uri="{BB962C8B-B14F-4D97-AF65-F5344CB8AC3E}">
         <p14:creationId xmlns:p14="http://schemas.microsoft.com/office/powerpoint/2010/main" val="2369732627"/>
+      </p:ext>
+    </p:extLst>
+  </p:cSld>
+  <p:clrMapOvr>
+    <a:masterClrMapping/>
+  </p:clrMapOvr>
+</p:sld>
+</file>
+
+<file path=ppt/slides/slide6.xml><?xml version="1.0" encoding="utf-8"?>
+<p:sld xmlns:a="http://schemas.openxmlformats.org/drawingml/2006/main" xmlns:r="http://schemas.openxmlformats.org/officeDocument/2006/relationships" xmlns:p="http://schemas.openxmlformats.org/presentationml/2006/main">
+  <p:cSld>
+    <p:spTree>
+      <p:nvGrpSpPr>
+        <p:cNvPr id="1" name=""/>
+        <p:cNvGrpSpPr/>
+        <p:nvPr/>
+      </p:nvGrpSpPr>
+      <p:grpSpPr>
+        <a:xfrm>
+          <a:off x="0" y="0"/>
+          <a:ext cx="0" cy="0"/>
+          <a:chOff x="0" y="0"/>
+          <a:chExt cx="0" cy="0"/>
+        </a:xfrm>
+      </p:grpSpPr>
+      <p:sp>
+        <p:nvSpPr>
+          <p:cNvPr id="2" name="Titolo 1">
+            <a:extLst>
+              <a:ext uri="{FF2B5EF4-FFF2-40B4-BE49-F238E27FC236}">
+                <a16:creationId xmlns:a16="http://schemas.microsoft.com/office/drawing/2014/main" id="{729B64CC-A491-568F-3D9A-114C1B1C6C67}"/>
+              </a:ext>
+            </a:extLst>
+          </p:cNvPr>
+          <p:cNvSpPr>
+            <a:spLocks noGrp="1"/>
+          </p:cNvSpPr>
+          <p:nvPr>
+            <p:ph type="title"/>
+          </p:nvPr>
+        </p:nvSpPr>
+        <p:spPr/>
+        <p:txBody>
+          <a:bodyPr/>
+          <a:lstStyle/>
+          <a:p>
+            <a:r>
+              <a:rPr lang="it-IT" dirty="0" err="1"/>
+              <a:t>Implementation</a:t>
+            </a:r>
+            <a:endParaRPr lang="it-IT" dirty="0"/>
+          </a:p>
+        </p:txBody>
+      </p:sp>
+      <p:sp>
+        <p:nvSpPr>
+          <p:cNvPr id="3" name="Segnaposto contenuto 2">
+            <a:extLst>
+              <a:ext uri="{FF2B5EF4-FFF2-40B4-BE49-F238E27FC236}">
+                <a16:creationId xmlns:a16="http://schemas.microsoft.com/office/drawing/2014/main" id="{E09FC782-BA9E-476B-BFA8-7EEBEC04ECBA}"/>
+              </a:ext>
+            </a:extLst>
+          </p:cNvPr>
+          <p:cNvSpPr>
+            <a:spLocks noGrp="1"/>
+          </p:cNvSpPr>
+          <p:nvPr>
+            <p:ph idx="1"/>
+          </p:nvPr>
+        </p:nvSpPr>
+        <p:spPr/>
+        <p:txBody>
+          <a:bodyPr/>
+          <a:lstStyle/>
+          <a:p>
+            <a:endParaRPr lang="it-IT"/>
+          </a:p>
+        </p:txBody>
+      </p:sp>
+      <p:sp>
+        <p:nvSpPr>
+          <p:cNvPr id="4" name="Segnaposto numero diapositiva 3">
+            <a:extLst>
+              <a:ext uri="{FF2B5EF4-FFF2-40B4-BE49-F238E27FC236}">
+                <a16:creationId xmlns:a16="http://schemas.microsoft.com/office/drawing/2014/main" id="{1D48AB9E-7090-C348-0E90-57EC1BDE34BF}"/>
+              </a:ext>
+            </a:extLst>
+          </p:cNvPr>
+          <p:cNvSpPr>
+            <a:spLocks noGrp="1"/>
+          </p:cNvSpPr>
+          <p:nvPr>
+            <p:ph type="sldNum" sz="quarter" idx="12"/>
+          </p:nvPr>
+        </p:nvSpPr>
+        <p:spPr/>
+        <p:txBody>
+          <a:bodyPr/>
+          <a:lstStyle/>
+          <a:p>
+            <a:fld id="{7A5CF73B-7013-4295-95A2-19EBB0879913}" type="slidenum">
+              <a:rPr lang="it-IT" smtClean="0"/>
+              <a:t>6</a:t>
+            </a:fld>
+            <a:endParaRPr lang="it-IT"/>
+          </a:p>
+        </p:txBody>
+      </p:sp>
+    </p:spTree>
+    <p:extLst>
+      <p:ext uri="{BB962C8B-B14F-4D97-AF65-F5344CB8AC3E}">
+        <p14:creationId xmlns:p14="http://schemas.microsoft.com/office/powerpoint/2010/main" val="3519995055"/>
+      </p:ext>
+    </p:extLst>
+  </p:cSld>
+  <p:clrMapOvr>
+    <a:masterClrMapping/>
+  </p:clrMapOvr>
+</p:sld>
+</file>
+
+<file path=ppt/slides/slide7.xml><?xml version="1.0" encoding="utf-8"?>
+<p:sld xmlns:a="http://schemas.openxmlformats.org/drawingml/2006/main" xmlns:r="http://schemas.openxmlformats.org/officeDocument/2006/relationships" xmlns:p="http://schemas.openxmlformats.org/presentationml/2006/main">
+  <p:cSld>
+    <p:spTree>
+      <p:nvGrpSpPr>
+        <p:cNvPr id="1" name=""/>
+        <p:cNvGrpSpPr/>
+        <p:nvPr/>
+      </p:nvGrpSpPr>
+      <p:grpSpPr>
+        <a:xfrm>
+          <a:off x="0" y="0"/>
+          <a:ext cx="0" cy="0"/>
+          <a:chOff x="0" y="0"/>
+          <a:chExt cx="0" cy="0"/>
+        </a:xfrm>
+      </p:grpSpPr>
+      <p:sp>
+        <p:nvSpPr>
+          <p:cNvPr id="2" name="Titolo 1">
+            <a:extLst>
+              <a:ext uri="{FF2B5EF4-FFF2-40B4-BE49-F238E27FC236}">
+                <a16:creationId xmlns:a16="http://schemas.microsoft.com/office/drawing/2014/main" id="{729B64CC-A491-568F-3D9A-114C1B1C6C67}"/>
+              </a:ext>
+            </a:extLst>
+          </p:cNvPr>
+          <p:cNvSpPr>
+            <a:spLocks noGrp="1"/>
+          </p:cNvSpPr>
+          <p:nvPr>
+            <p:ph type="title"/>
+          </p:nvPr>
+        </p:nvSpPr>
+        <p:spPr/>
+        <p:txBody>
+          <a:bodyPr/>
+          <a:lstStyle/>
+          <a:p>
+            <a:r>
+              <a:rPr lang="it-IT" dirty="0" err="1"/>
+              <a:t>Implementation</a:t>
+            </a:r>
+            <a:endParaRPr lang="it-IT" dirty="0"/>
+          </a:p>
+        </p:txBody>
+      </p:sp>
+      <p:sp>
+        <p:nvSpPr>
+          <p:cNvPr id="3" name="Segnaposto contenuto 2">
+            <a:extLst>
+              <a:ext uri="{FF2B5EF4-FFF2-40B4-BE49-F238E27FC236}">
+                <a16:creationId xmlns:a16="http://schemas.microsoft.com/office/drawing/2014/main" id="{E09FC782-BA9E-476B-BFA8-7EEBEC04ECBA}"/>
+              </a:ext>
+            </a:extLst>
+          </p:cNvPr>
+          <p:cNvSpPr>
+            <a:spLocks noGrp="1"/>
+          </p:cNvSpPr>
+          <p:nvPr>
+            <p:ph idx="1"/>
+          </p:nvPr>
+        </p:nvSpPr>
+        <p:spPr/>
+        <p:txBody>
+          <a:bodyPr/>
+          <a:lstStyle/>
+          <a:p>
+            <a:endParaRPr lang="it-IT"/>
+          </a:p>
+        </p:txBody>
+      </p:sp>
+      <p:sp>
+        <p:nvSpPr>
+          <p:cNvPr id="4" name="Segnaposto numero diapositiva 3">
+            <a:extLst>
+              <a:ext uri="{FF2B5EF4-FFF2-40B4-BE49-F238E27FC236}">
+                <a16:creationId xmlns:a16="http://schemas.microsoft.com/office/drawing/2014/main" id="{1D48AB9E-7090-C348-0E90-57EC1BDE34BF}"/>
+              </a:ext>
+            </a:extLst>
+          </p:cNvPr>
+          <p:cNvSpPr>
+            <a:spLocks noGrp="1"/>
+          </p:cNvSpPr>
+          <p:nvPr>
+            <p:ph type="sldNum" sz="quarter" idx="12"/>
+          </p:nvPr>
+        </p:nvSpPr>
+        <p:spPr/>
+        <p:txBody>
+          <a:bodyPr/>
+          <a:lstStyle/>
+          <a:p>
+            <a:fld id="{7A5CF73B-7013-4295-95A2-19EBB0879913}" type="slidenum">
+              <a:rPr lang="it-IT" smtClean="0"/>
+              <a:t>7</a:t>
+            </a:fld>
+            <a:endParaRPr lang="it-IT"/>
+          </a:p>
+        </p:txBody>
+      </p:sp>
+    </p:spTree>
+    <p:extLst>
+      <p:ext uri="{BB962C8B-B14F-4D97-AF65-F5344CB8AC3E}">
+        <p14:creationId xmlns:p14="http://schemas.microsoft.com/office/powerpoint/2010/main" val="1764470684"/>
+      </p:ext>
+    </p:extLst>
+  </p:cSld>
+  <p:clrMapOvr>
+    <a:masterClrMapping/>
+  </p:clrMapOvr>
+</p:sld>
+</file>
+
+<file path=ppt/slides/slide8.xml><?xml version="1.0" encoding="utf-8"?>
+<p:sld xmlns:a="http://schemas.openxmlformats.org/drawingml/2006/main" xmlns:r="http://schemas.openxmlformats.org/officeDocument/2006/relationships" xmlns:p="http://schemas.openxmlformats.org/presentationml/2006/main">
+  <p:cSld>
+    <p:spTree>
+      <p:nvGrpSpPr>
+        <p:cNvPr id="1" name=""/>
+        <p:cNvGrpSpPr/>
+        <p:nvPr/>
+      </p:nvGrpSpPr>
+      <p:grpSpPr>
+        <a:xfrm>
+          <a:off x="0" y="0"/>
+          <a:ext cx="0" cy="0"/>
+          <a:chOff x="0" y="0"/>
+          <a:chExt cx="0" cy="0"/>
+        </a:xfrm>
+      </p:grpSpPr>
+      <p:sp>
+        <p:nvSpPr>
+          <p:cNvPr id="2" name="Titolo 1">
+            <a:extLst>
+              <a:ext uri="{FF2B5EF4-FFF2-40B4-BE49-F238E27FC236}">
+                <a16:creationId xmlns:a16="http://schemas.microsoft.com/office/drawing/2014/main" id="{729B64CC-A491-568F-3D9A-114C1B1C6C67}"/>
+              </a:ext>
+            </a:extLst>
+          </p:cNvPr>
+          <p:cNvSpPr>
+            <a:spLocks noGrp="1"/>
+          </p:cNvSpPr>
+          <p:nvPr>
+            <p:ph type="title"/>
+          </p:nvPr>
+        </p:nvSpPr>
+        <p:spPr/>
+        <p:txBody>
+          <a:bodyPr/>
+          <a:lstStyle/>
+          <a:p>
+            <a:r>
+              <a:rPr lang="it-IT" dirty="0" err="1"/>
+              <a:t>Conclusion</a:t>
+            </a:r>
+            <a:r>
+              <a:rPr lang="it-IT" dirty="0"/>
+              <a:t> and future works</a:t>
+            </a:r>
+          </a:p>
+        </p:txBody>
+      </p:sp>
+      <p:sp>
+        <p:nvSpPr>
+          <p:cNvPr id="3" name="Segnaposto contenuto 2">
+            <a:extLst>
+              <a:ext uri="{FF2B5EF4-FFF2-40B4-BE49-F238E27FC236}">
+                <a16:creationId xmlns:a16="http://schemas.microsoft.com/office/drawing/2014/main" id="{E09FC782-BA9E-476B-BFA8-7EEBEC04ECBA}"/>
+              </a:ext>
+            </a:extLst>
+          </p:cNvPr>
+          <p:cNvSpPr>
+            <a:spLocks noGrp="1"/>
+          </p:cNvSpPr>
+          <p:nvPr>
+            <p:ph idx="1"/>
+          </p:nvPr>
+        </p:nvSpPr>
+        <p:spPr/>
+        <p:txBody>
+          <a:bodyPr/>
+          <a:lstStyle/>
+          <a:p>
+            <a:endParaRPr lang="it-IT"/>
+          </a:p>
+        </p:txBody>
+      </p:sp>
+      <p:sp>
+        <p:nvSpPr>
+          <p:cNvPr id="4" name="Segnaposto numero diapositiva 3">
+            <a:extLst>
+              <a:ext uri="{FF2B5EF4-FFF2-40B4-BE49-F238E27FC236}">
+                <a16:creationId xmlns:a16="http://schemas.microsoft.com/office/drawing/2014/main" id="{1D48AB9E-7090-C348-0E90-57EC1BDE34BF}"/>
+              </a:ext>
+            </a:extLst>
+          </p:cNvPr>
+          <p:cNvSpPr>
+            <a:spLocks noGrp="1"/>
+          </p:cNvSpPr>
+          <p:nvPr>
+            <p:ph type="sldNum" sz="quarter" idx="12"/>
+          </p:nvPr>
+        </p:nvSpPr>
+        <p:spPr/>
+        <p:txBody>
+          <a:bodyPr/>
+          <a:lstStyle/>
+          <a:p>
+            <a:fld id="{7A5CF73B-7013-4295-95A2-19EBB0879913}" type="slidenum">
+              <a:rPr lang="it-IT" smtClean="0"/>
+              <a:t>8</a:t>
+            </a:fld>
+            <a:endParaRPr lang="it-IT"/>
+          </a:p>
+        </p:txBody>
+      </p:sp>
+    </p:spTree>
+    <p:extLst>
+      <p:ext uri="{BB962C8B-B14F-4D97-AF65-F5344CB8AC3E}">
+        <p14:creationId xmlns:p14="http://schemas.microsoft.com/office/powerpoint/2010/main" val="89715497"/>
       </p:ext>
     </p:extLst>
   </p:cSld>
@@ -4671,4 +5572,299 @@
     </a:ext>
   </a:extLst>
 </a:theme>
+</file>
+
+<file path=ppt/theme/theme2.xml><?xml version="1.0" encoding="utf-8"?>
+<a:theme xmlns:a="http://schemas.openxmlformats.org/drawingml/2006/main" name="Tema di Office">
+  <a:themeElements>
+    <a:clrScheme name="Office">
+      <a:dk1>
+        <a:sysClr val="windowText" lastClr="000000"/>
+      </a:dk1>
+      <a:lt1>
+        <a:sysClr val="window" lastClr="FFFFFF"/>
+      </a:lt1>
+      <a:dk2>
+        <a:srgbClr val="44546A"/>
+      </a:dk2>
+      <a:lt2>
+        <a:srgbClr val="E7E6E6"/>
+      </a:lt2>
+      <a:accent1>
+        <a:srgbClr val="4472C4"/>
+      </a:accent1>
+      <a:accent2>
+        <a:srgbClr val="ED7D31"/>
+      </a:accent2>
+      <a:accent3>
+        <a:srgbClr val="A5A5A5"/>
+      </a:accent3>
+      <a:accent4>
+        <a:srgbClr val="FFC000"/>
+      </a:accent4>
+      <a:accent5>
+        <a:srgbClr val="5B9BD5"/>
+      </a:accent5>
+      <a:accent6>
+        <a:srgbClr val="70AD47"/>
+      </a:accent6>
+      <a:hlink>
+        <a:srgbClr val="0563C1"/>
+      </a:hlink>
+      <a:folHlink>
+        <a:srgbClr val="954F72"/>
+      </a:folHlink>
+    </a:clrScheme>
+    <a:fontScheme name="Office">
+      <a:majorFont>
+        <a:latin typeface="Calibri Light" panose="020F0302020204030204"/>
+        <a:ea typeface=""/>
+        <a:cs typeface=""/>
+        <a:font script="Jpan" typeface="游ゴシック Light"/>
+        <a:font script="Hang" typeface="맑은 고딕"/>
+        <a:font script="Hans" typeface="等线 Light"/>
+        <a:font script="Hant" typeface="新細明體"/>
+        <a:font script="Arab" typeface="Times New Roman"/>
+        <a:font script="Hebr" typeface="Times New Roman"/>
+        <a:font script="Thai" typeface="Angsana New"/>
+        <a:font script="Ethi" typeface="Nyala"/>
+        <a:font script="Beng" typeface="Vrinda"/>
+        <a:font script="Gujr" typeface="Shruti"/>
+        <a:font script="Khmr" typeface="MoolBoran"/>
+        <a:font script="Knda" typeface="Tunga"/>
+        <a:font script="Guru" typeface="Raavi"/>
+        <a:font script="Cans" typeface="Euphemia"/>
+        <a:font script="Cher" typeface="Plantagenet Cherokee"/>
+        <a:font script="Yiii" typeface="Microsoft Yi Baiti"/>
+        <a:font script="Tibt" typeface="Microsoft Himalaya"/>
+        <a:font script="Thaa" typeface="MV Boli"/>
+        <a:font script="Deva" typeface="Mangal"/>
+        <a:font script="Telu" typeface="Gautami"/>
+        <a:font script="Taml" typeface="Latha"/>
+        <a:font script="Syrc" typeface="Estrangelo Edessa"/>
+        <a:font script="Orya" typeface="Kalinga"/>
+        <a:font script="Mlym" typeface="Kartika"/>
+        <a:font script="Laoo" typeface="DokChampa"/>
+        <a:font script="Sinh" typeface="Iskoola Pota"/>
+        <a:font script="Mong" typeface="Mongolian Baiti"/>
+        <a:font script="Viet" typeface="Times New Roman"/>
+        <a:font script="Uigh" typeface="Microsoft Uighur"/>
+        <a:font script="Geor" typeface="Sylfaen"/>
+        <a:font script="Armn" typeface="Arial"/>
+        <a:font script="Bugi" typeface="Leelawadee UI"/>
+        <a:font script="Bopo" typeface="Microsoft JhengHei"/>
+        <a:font script="Java" typeface="Javanese Text"/>
+        <a:font script="Lisu" typeface="Segoe UI"/>
+        <a:font script="Mymr" typeface="Myanmar Text"/>
+        <a:font script="Nkoo" typeface="Ebrima"/>
+        <a:font script="Olck" typeface="Nirmala UI"/>
+        <a:font script="Osma" typeface="Ebrima"/>
+        <a:font script="Phag" typeface="Phagspa"/>
+        <a:font script="Syrn" typeface="Estrangelo Edessa"/>
+        <a:font script="Syrj" typeface="Estrangelo Edessa"/>
+        <a:font script="Syre" typeface="Estrangelo Edessa"/>
+        <a:font script="Sora" typeface="Nirmala UI"/>
+        <a:font script="Tale" typeface="Microsoft Tai Le"/>
+        <a:font script="Talu" typeface="Microsoft New Tai Lue"/>
+        <a:font script="Tfng" typeface="Ebrima"/>
+      </a:majorFont>
+      <a:minorFont>
+        <a:latin typeface="Calibri" panose="020F0502020204030204"/>
+        <a:ea typeface=""/>
+        <a:cs typeface=""/>
+        <a:font script="Jpan" typeface="游ゴシック"/>
+        <a:font script="Hang" typeface="맑은 고딕"/>
+        <a:font script="Hans" typeface="等线"/>
+        <a:font script="Hant" typeface="新細明體"/>
+        <a:font script="Arab" typeface="Arial"/>
+        <a:font script="Hebr" typeface="Arial"/>
+        <a:font script="Thai" typeface="Cordia New"/>
+        <a:font script="Ethi" typeface="Nyala"/>
+        <a:font script="Beng" typeface="Vrinda"/>
+        <a:font script="Gujr" typeface="Shruti"/>
+        <a:font script="Khmr" typeface="DaunPenh"/>
+        <a:font script="Knda" typeface="Tunga"/>
+        <a:font script="Guru" typeface="Raavi"/>
+        <a:font script="Cans" typeface="Euphemia"/>
+        <a:font script="Cher" typeface="Plantagenet Cherokee"/>
+        <a:font script="Yiii" typeface="Microsoft Yi Baiti"/>
+        <a:font script="Tibt" typeface="Microsoft Himalaya"/>
+        <a:font script="Thaa" typeface="MV Boli"/>
+        <a:font script="Deva" typeface="Mangal"/>
+        <a:font script="Telu" typeface="Gautami"/>
+        <a:font script="Taml" typeface="Latha"/>
+        <a:font script="Syrc" typeface="Estrangelo Edessa"/>
+        <a:font script="Orya" typeface="Kalinga"/>
+        <a:font script="Mlym" typeface="Kartika"/>
+        <a:font script="Laoo" typeface="DokChampa"/>
+        <a:font script="Sinh" typeface="Iskoola Pota"/>
+        <a:font script="Mong" typeface="Mongolian Baiti"/>
+        <a:font script="Viet" typeface="Arial"/>
+        <a:font script="Uigh" typeface="Microsoft Uighur"/>
+        <a:font script="Geor" typeface="Sylfaen"/>
+        <a:font script="Armn" typeface="Arial"/>
+        <a:font script="Bugi" typeface="Leelawadee UI"/>
+        <a:font script="Bopo" typeface="Microsoft JhengHei"/>
+        <a:font script="Java" typeface="Javanese Text"/>
+        <a:font script="Lisu" typeface="Segoe UI"/>
+        <a:font script="Mymr" typeface="Myanmar Text"/>
+        <a:font script="Nkoo" typeface="Ebrima"/>
+        <a:font script="Olck" typeface="Nirmala UI"/>
+        <a:font script="Osma" typeface="Ebrima"/>
+        <a:font script="Phag" typeface="Phagspa"/>
+        <a:font script="Syrn" typeface="Estrangelo Edessa"/>
+        <a:font script="Syrj" typeface="Estrangelo Edessa"/>
+        <a:font script="Syre" typeface="Estrangelo Edessa"/>
+        <a:font script="Sora" typeface="Nirmala UI"/>
+        <a:font script="Tale" typeface="Microsoft Tai Le"/>
+        <a:font script="Talu" typeface="Microsoft New Tai Lue"/>
+        <a:font script="Tfng" typeface="Ebrima"/>
+      </a:minorFont>
+    </a:fontScheme>
+    <a:fmtScheme name="Office">
+      <a:fillStyleLst>
+        <a:solidFill>
+          <a:schemeClr val="phClr"/>
+        </a:solidFill>
+        <a:gradFill rotWithShape="1">
+          <a:gsLst>
+            <a:gs pos="0">
+              <a:schemeClr val="phClr">
+                <a:lumMod val="110000"/>
+                <a:satMod val="105000"/>
+                <a:tint val="67000"/>
+              </a:schemeClr>
+            </a:gs>
+            <a:gs pos="50000">
+              <a:schemeClr val="phClr">
+                <a:lumMod val="105000"/>
+                <a:satMod val="103000"/>
+                <a:tint val="73000"/>
+              </a:schemeClr>
+            </a:gs>
+            <a:gs pos="100000">
+              <a:schemeClr val="phClr">
+                <a:lumMod val="105000"/>
+                <a:satMod val="109000"/>
+                <a:tint val="81000"/>
+              </a:schemeClr>
+            </a:gs>
+          </a:gsLst>
+          <a:lin ang="5400000" scaled="0"/>
+        </a:gradFill>
+        <a:gradFill rotWithShape="1">
+          <a:gsLst>
+            <a:gs pos="0">
+              <a:schemeClr val="phClr">
+                <a:satMod val="103000"/>
+                <a:lumMod val="102000"/>
+                <a:tint val="94000"/>
+              </a:schemeClr>
+            </a:gs>
+            <a:gs pos="50000">
+              <a:schemeClr val="phClr">
+                <a:satMod val="110000"/>
+                <a:lumMod val="100000"/>
+                <a:shade val="100000"/>
+              </a:schemeClr>
+            </a:gs>
+            <a:gs pos="100000">
+              <a:schemeClr val="phClr">
+                <a:lumMod val="99000"/>
+                <a:satMod val="120000"/>
+                <a:shade val="78000"/>
+              </a:schemeClr>
+            </a:gs>
+          </a:gsLst>
+          <a:lin ang="5400000" scaled="0"/>
+        </a:gradFill>
+      </a:fillStyleLst>
+      <a:lnStyleLst>
+        <a:ln w="6350" cap="flat" cmpd="sng" algn="ctr">
+          <a:solidFill>
+            <a:schemeClr val="phClr"/>
+          </a:solidFill>
+          <a:prstDash val="solid"/>
+          <a:miter lim="800000"/>
+        </a:ln>
+        <a:ln w="12700" cap="flat" cmpd="sng" algn="ctr">
+          <a:solidFill>
+            <a:schemeClr val="phClr"/>
+          </a:solidFill>
+          <a:prstDash val="solid"/>
+          <a:miter lim="800000"/>
+        </a:ln>
+        <a:ln w="19050" cap="flat" cmpd="sng" algn="ctr">
+          <a:solidFill>
+            <a:schemeClr val="phClr"/>
+          </a:solidFill>
+          <a:prstDash val="solid"/>
+          <a:miter lim="800000"/>
+        </a:ln>
+      </a:lnStyleLst>
+      <a:effectStyleLst>
+        <a:effectStyle>
+          <a:effectLst/>
+        </a:effectStyle>
+        <a:effectStyle>
+          <a:effectLst/>
+        </a:effectStyle>
+        <a:effectStyle>
+          <a:effectLst>
+            <a:outerShdw blurRad="57150" dist="19050" dir="5400000" algn="ctr" rotWithShape="0">
+              <a:srgbClr val="000000">
+                <a:alpha val="63000"/>
+              </a:srgbClr>
+            </a:outerShdw>
+          </a:effectLst>
+        </a:effectStyle>
+      </a:effectStyleLst>
+      <a:bgFillStyleLst>
+        <a:solidFill>
+          <a:schemeClr val="phClr"/>
+        </a:solidFill>
+        <a:solidFill>
+          <a:schemeClr val="phClr">
+            <a:tint val="95000"/>
+            <a:satMod val="170000"/>
+          </a:schemeClr>
+        </a:solidFill>
+        <a:gradFill rotWithShape="1">
+          <a:gsLst>
+            <a:gs pos="0">
+              <a:schemeClr val="phClr">
+                <a:tint val="93000"/>
+                <a:satMod val="150000"/>
+                <a:shade val="98000"/>
+                <a:lumMod val="102000"/>
+              </a:schemeClr>
+            </a:gs>
+            <a:gs pos="50000">
+              <a:schemeClr val="phClr">
+                <a:tint val="98000"/>
+                <a:satMod val="130000"/>
+                <a:shade val="90000"/>
+                <a:lumMod val="103000"/>
+              </a:schemeClr>
+            </a:gs>
+            <a:gs pos="100000">
+              <a:schemeClr val="phClr">
+                <a:shade val="63000"/>
+                <a:satMod val="120000"/>
+              </a:schemeClr>
+            </a:gs>
+          </a:gsLst>
+          <a:lin ang="5400000" scaled="0"/>
+        </a:gradFill>
+      </a:bgFillStyleLst>
+    </a:fmtScheme>
+  </a:themeElements>
+  <a:objectDefaults/>
+  <a:extraClrSchemeLst/>
+  <a:extLst>
+    <a:ext uri="{05A4C25C-085E-4340-85A3-A5531E510DB2}">
+      <thm15:themeFamily xmlns:thm15="http://schemas.microsoft.com/office/thememl/2012/main" name="Office Theme" id="{62F939B6-93AF-4DB8-9C6B-D6C7DFDC589F}" vid="{4A3C46E8-61CC-4603-A589-7422A47A8E4A}"/>
+    </a:ext>
+  </a:extLst>
+</a:theme>
 </file>
--- a/Design and Development of a RAM-based PUF.pptx
+++ b/Design and Development of a RAM-based PUF.pptx
@@ -5,7 +5,7 @@
     <p:sldMasterId id="2147483648" r:id="rId1"/>
   </p:sldMasterIdLst>
   <p:notesMasterIdLst>
-    <p:notesMasterId r:id="rId10"/>
+    <p:notesMasterId r:id="rId12"/>
   </p:notesMasterIdLst>
   <p:sldIdLst>
     <p:sldId id="256" r:id="rId2"/>
@@ -15,7 +15,9 @@
     <p:sldId id="260" r:id="rId6"/>
     <p:sldId id="261" r:id="rId7"/>
     <p:sldId id="262" r:id="rId8"/>
-    <p:sldId id="263" r:id="rId9"/>
+    <p:sldId id="265" r:id="rId9"/>
+    <p:sldId id="264" r:id="rId10"/>
+    <p:sldId id="263" r:id="rId11"/>
   </p:sldIdLst>
   <p:sldSz cx="12192000" cy="6858000"/>
   <p:notesSz cx="6858000" cy="9144000"/>
@@ -204,7 +206,7 @@
           <a:p>
             <a:fld id="{DA0109C4-8D99-4961-8B68-840B8F2F08FE}" type="datetimeFigureOut">
               <a:rPr lang="it-IT" smtClean="0"/>
-              <a:t>28/08/2022</a:t>
+              <a:t>01/09/2022</a:t>
             </a:fld>
             <a:endParaRPr lang="it-IT"/>
           </a:p>
@@ -618,7 +620,7 @@
           <a:p>
             <a:fld id="{D05720A7-A953-411A-81A9-3B18B08F30A0}" type="datetime1">
               <a:rPr lang="it-IT" smtClean="0"/>
-              <a:t>28/08/2022</a:t>
+              <a:t>01/09/2022</a:t>
             </a:fld>
             <a:endParaRPr lang="it-IT"/>
           </a:p>
@@ -816,7 +818,7 @@
           <a:p>
             <a:fld id="{0706548A-0296-444F-BF4E-72BB016FDD38}" type="datetime1">
               <a:rPr lang="it-IT" smtClean="0"/>
-              <a:t>28/08/2022</a:t>
+              <a:t>01/09/2022</a:t>
             </a:fld>
             <a:endParaRPr lang="it-IT"/>
           </a:p>
@@ -1024,7 +1026,7 @@
           <a:p>
             <a:fld id="{6A2958E4-5177-4A76-9242-714DBE233A87}" type="datetime1">
               <a:rPr lang="it-IT" smtClean="0"/>
-              <a:t>28/08/2022</a:t>
+              <a:t>01/09/2022</a:t>
             </a:fld>
             <a:endParaRPr lang="it-IT"/>
           </a:p>
@@ -1222,7 +1224,7 @@
           <a:p>
             <a:fld id="{397C6833-9FFE-4571-82EE-9B191B6F5058}" type="datetime1">
               <a:rPr lang="it-IT" smtClean="0"/>
-              <a:t>28/08/2022</a:t>
+              <a:t>01/09/2022</a:t>
             </a:fld>
             <a:endParaRPr lang="it-IT"/>
           </a:p>
@@ -1497,7 +1499,7 @@
           <a:p>
             <a:fld id="{4920125D-C4E0-40E4-B45F-7AC39B855427}" type="datetime1">
               <a:rPr lang="it-IT" smtClean="0"/>
-              <a:t>28/08/2022</a:t>
+              <a:t>01/09/2022</a:t>
             </a:fld>
             <a:endParaRPr lang="it-IT"/>
           </a:p>
@@ -1762,7 +1764,7 @@
           <a:p>
             <a:fld id="{8162F90A-852D-4A01-9148-2B3B19A7DEF5}" type="datetime1">
               <a:rPr lang="it-IT" smtClean="0"/>
-              <a:t>28/08/2022</a:t>
+              <a:t>01/09/2022</a:t>
             </a:fld>
             <a:endParaRPr lang="it-IT"/>
           </a:p>
@@ -2174,7 +2176,7 @@
           <a:p>
             <a:fld id="{ACB01FE2-3FED-47A9-8797-4B83D67025DD}" type="datetime1">
               <a:rPr lang="it-IT" smtClean="0"/>
-              <a:t>28/08/2022</a:t>
+              <a:t>01/09/2022</a:t>
             </a:fld>
             <a:endParaRPr lang="it-IT"/>
           </a:p>
@@ -2315,7 +2317,7 @@
           <a:p>
             <a:fld id="{91FAEB97-FF3E-4633-B243-D3C27ED4FDBD}" type="datetime1">
               <a:rPr lang="it-IT" smtClean="0"/>
-              <a:t>28/08/2022</a:t>
+              <a:t>01/09/2022</a:t>
             </a:fld>
             <a:endParaRPr lang="it-IT"/>
           </a:p>
@@ -2428,7 +2430,7 @@
           <a:p>
             <a:fld id="{D4B8AA84-D53D-42ED-A252-CD018E458E18}" type="datetime1">
               <a:rPr lang="it-IT" smtClean="0"/>
-              <a:t>28/08/2022</a:t>
+              <a:t>01/09/2022</a:t>
             </a:fld>
             <a:endParaRPr lang="it-IT"/>
           </a:p>
@@ -2739,7 +2741,7 @@
           <a:p>
             <a:fld id="{66795BB9-104D-4731-8F28-3479B720A43F}" type="datetime1">
               <a:rPr lang="it-IT" smtClean="0"/>
-              <a:t>28/08/2022</a:t>
+              <a:t>01/09/2022</a:t>
             </a:fld>
             <a:endParaRPr lang="it-IT"/>
           </a:p>
@@ -3027,7 +3029,7 @@
           <a:p>
             <a:fld id="{26764855-C136-414A-994F-04E8194BC493}" type="datetime1">
               <a:rPr lang="it-IT" smtClean="0"/>
-              <a:t>28/08/2022</a:t>
+              <a:t>01/09/2022</a:t>
             </a:fld>
             <a:endParaRPr lang="it-IT"/>
           </a:p>
@@ -3268,7 +3270,7 @@
           <a:p>
             <a:fld id="{EDA2617C-2028-4D97-83E6-6EE3B4CA7740}" type="datetime1">
               <a:rPr lang="it-IT" smtClean="0"/>
-              <a:t>28/08/2022</a:t>
+              <a:t>01/09/2022</a:t>
             </a:fld>
             <a:endParaRPr lang="it-IT"/>
           </a:p>
@@ -4436,6 +4438,122 @@
 </p:sld>
 </file>
 
+<file path=ppt/slides/slide10.xml><?xml version="1.0" encoding="utf-8"?>
+<p:sld xmlns:a="http://schemas.openxmlformats.org/drawingml/2006/main" xmlns:r="http://schemas.openxmlformats.org/officeDocument/2006/relationships" xmlns:p="http://schemas.openxmlformats.org/presentationml/2006/main">
+  <p:cSld>
+    <p:spTree>
+      <p:nvGrpSpPr>
+        <p:cNvPr id="1" name=""/>
+        <p:cNvGrpSpPr/>
+        <p:nvPr/>
+      </p:nvGrpSpPr>
+      <p:grpSpPr>
+        <a:xfrm>
+          <a:off x="0" y="0"/>
+          <a:ext cx="0" cy="0"/>
+          <a:chOff x="0" y="0"/>
+          <a:chExt cx="0" cy="0"/>
+        </a:xfrm>
+      </p:grpSpPr>
+      <p:sp>
+        <p:nvSpPr>
+          <p:cNvPr id="2" name="Titolo 1">
+            <a:extLst>
+              <a:ext uri="{FF2B5EF4-FFF2-40B4-BE49-F238E27FC236}">
+                <a16:creationId xmlns:a16="http://schemas.microsoft.com/office/drawing/2014/main" id="{729B64CC-A491-568F-3D9A-114C1B1C6C67}"/>
+              </a:ext>
+            </a:extLst>
+          </p:cNvPr>
+          <p:cNvSpPr>
+            <a:spLocks noGrp="1"/>
+          </p:cNvSpPr>
+          <p:nvPr>
+            <p:ph type="title"/>
+          </p:nvPr>
+        </p:nvSpPr>
+        <p:spPr/>
+        <p:txBody>
+          <a:bodyPr/>
+          <a:lstStyle/>
+          <a:p>
+            <a:r>
+              <a:rPr lang="it-IT" dirty="0" err="1"/>
+              <a:t>Conclusion</a:t>
+            </a:r>
+            <a:r>
+              <a:rPr lang="it-IT" dirty="0"/>
+              <a:t> and future works</a:t>
+            </a:r>
+          </a:p>
+        </p:txBody>
+      </p:sp>
+      <p:sp>
+        <p:nvSpPr>
+          <p:cNvPr id="3" name="Segnaposto contenuto 2">
+            <a:extLst>
+              <a:ext uri="{FF2B5EF4-FFF2-40B4-BE49-F238E27FC236}">
+                <a16:creationId xmlns:a16="http://schemas.microsoft.com/office/drawing/2014/main" id="{E09FC782-BA9E-476B-BFA8-7EEBEC04ECBA}"/>
+              </a:ext>
+            </a:extLst>
+          </p:cNvPr>
+          <p:cNvSpPr>
+            <a:spLocks noGrp="1"/>
+          </p:cNvSpPr>
+          <p:nvPr>
+            <p:ph idx="1"/>
+          </p:nvPr>
+        </p:nvSpPr>
+        <p:spPr/>
+        <p:txBody>
+          <a:bodyPr/>
+          <a:lstStyle/>
+          <a:p>
+            <a:endParaRPr lang="it-IT"/>
+          </a:p>
+        </p:txBody>
+      </p:sp>
+      <p:sp>
+        <p:nvSpPr>
+          <p:cNvPr id="4" name="Segnaposto numero diapositiva 3">
+            <a:extLst>
+              <a:ext uri="{FF2B5EF4-FFF2-40B4-BE49-F238E27FC236}">
+                <a16:creationId xmlns:a16="http://schemas.microsoft.com/office/drawing/2014/main" id="{1D48AB9E-7090-C348-0E90-57EC1BDE34BF}"/>
+              </a:ext>
+            </a:extLst>
+          </p:cNvPr>
+          <p:cNvSpPr>
+            <a:spLocks noGrp="1"/>
+          </p:cNvSpPr>
+          <p:nvPr>
+            <p:ph type="sldNum" sz="quarter" idx="12"/>
+          </p:nvPr>
+        </p:nvSpPr>
+        <p:spPr/>
+        <p:txBody>
+          <a:bodyPr/>
+          <a:lstStyle/>
+          <a:p>
+            <a:fld id="{7A5CF73B-7013-4295-95A2-19EBB0879913}" type="slidenum">
+              <a:rPr lang="it-IT" smtClean="0"/>
+              <a:t>10</a:t>
+            </a:fld>
+            <a:endParaRPr lang="it-IT"/>
+          </a:p>
+        </p:txBody>
+      </p:sp>
+    </p:spTree>
+    <p:extLst>
+      <p:ext uri="{BB962C8B-B14F-4D97-AF65-F5344CB8AC3E}">
+        <p14:creationId xmlns:p14="http://schemas.microsoft.com/office/powerpoint/2010/main" val="89715497"/>
+      </p:ext>
+    </p:extLst>
+  </p:cSld>
+  <p:clrMapOvr>
+    <a:masterClrMapping/>
+  </p:clrMapOvr>
+</p:sld>
+</file>
+
 <file path=ppt/slides/slide2.xml><?xml version="1.0" encoding="utf-8"?>
 <p:sld xmlns:a="http://schemas.openxmlformats.org/drawingml/2006/main" xmlns:r="http://schemas.openxmlformats.org/officeDocument/2006/relationships" xmlns:p="http://schemas.openxmlformats.org/presentationml/2006/main">
   <p:cSld>
@@ -4495,31 +4613,6 @@
       </p:sp>
       <p:sp>
         <p:nvSpPr>
-          <p:cNvPr id="3" name="Segnaposto contenuto 2">
-            <a:extLst>
-              <a:ext uri="{FF2B5EF4-FFF2-40B4-BE49-F238E27FC236}">
-                <a16:creationId xmlns:a16="http://schemas.microsoft.com/office/drawing/2014/main" id="{DD189527-5394-9E9A-6501-A94A03A3D64F}"/>
-              </a:ext>
-            </a:extLst>
-          </p:cNvPr>
-          <p:cNvSpPr>
-            <a:spLocks noGrp="1"/>
-          </p:cNvSpPr>
-          <p:nvPr>
-            <p:ph idx="1"/>
-          </p:nvPr>
-        </p:nvSpPr>
-        <p:spPr/>
-        <p:txBody>
-          <a:bodyPr/>
-          <a:lstStyle/>
-          <a:p>
-            <a:endParaRPr lang="it-IT" dirty="0"/>
-          </a:p>
-        </p:txBody>
-      </p:sp>
-      <p:sp>
-        <p:nvSpPr>
           <p:cNvPr id="4" name="Segnaposto numero diapositiva 3">
             <a:extLst>
               <a:ext uri="{FF2B5EF4-FFF2-40B4-BE49-F238E27FC236}">
@@ -4547,6 +4640,41 @@
           </a:p>
         </p:txBody>
       </p:sp>
+      <p:pic>
+        <p:nvPicPr>
+          <p:cNvPr id="10" name="Segnaposto contenuto 9">
+            <a:extLst>
+              <a:ext uri="{FF2B5EF4-FFF2-40B4-BE49-F238E27FC236}">
+                <a16:creationId xmlns:a16="http://schemas.microsoft.com/office/drawing/2014/main" id="{1954AC8E-A9F0-1294-7C09-7647B16FD416}"/>
+              </a:ext>
+            </a:extLst>
+          </p:cNvPr>
+          <p:cNvPicPr>
+            <a:picLocks noGrp="1" noChangeAspect="1"/>
+          </p:cNvPicPr>
+          <p:nvPr>
+            <p:ph idx="1"/>
+          </p:nvPr>
+        </p:nvPicPr>
+        <p:blipFill>
+          <a:blip r:embed="rId2">
+            <a:extLst>
+              <a:ext uri="{28A0092B-C50C-407E-A947-70E740481C1C}">
+                <a14:useLocalDpi xmlns:a14="http://schemas.microsoft.com/office/drawing/2010/main" val="0"/>
+              </a:ext>
+            </a:extLst>
+          </a:blip>
+          <a:stretch>
+            <a:fillRect/>
+          </a:stretch>
+        </p:blipFill>
+        <p:spPr>
+          <a:xfrm>
+            <a:off x="6138101" y="2351221"/>
+            <a:ext cx="5002289" cy="3344596"/>
+          </a:xfrm>
+        </p:spPr>
+      </p:pic>
     </p:spTree>
     <p:extLst>
       <p:ext uri="{BB962C8B-B14F-4D97-AF65-F5344CB8AC3E}">
@@ -4627,31 +4755,6 @@
       </p:sp>
       <p:sp>
         <p:nvSpPr>
-          <p:cNvPr id="3" name="Segnaposto contenuto 2">
-            <a:extLst>
-              <a:ext uri="{FF2B5EF4-FFF2-40B4-BE49-F238E27FC236}">
-                <a16:creationId xmlns:a16="http://schemas.microsoft.com/office/drawing/2014/main" id="{DD189527-5394-9E9A-6501-A94A03A3D64F}"/>
-              </a:ext>
-            </a:extLst>
-          </p:cNvPr>
-          <p:cNvSpPr>
-            <a:spLocks noGrp="1"/>
-          </p:cNvSpPr>
-          <p:nvPr>
-            <p:ph idx="1"/>
-          </p:nvPr>
-        </p:nvSpPr>
-        <p:spPr/>
-        <p:txBody>
-          <a:bodyPr/>
-          <a:lstStyle/>
-          <a:p>
-            <a:endParaRPr lang="it-IT"/>
-          </a:p>
-        </p:txBody>
-      </p:sp>
-      <p:sp>
-        <p:nvSpPr>
           <p:cNvPr id="4" name="Segnaposto numero diapositiva 3">
             <a:extLst>
               <a:ext uri="{FF2B5EF4-FFF2-40B4-BE49-F238E27FC236}">
@@ -4679,6 +4782,41 @@
           </a:p>
         </p:txBody>
       </p:sp>
+      <p:pic>
+        <p:nvPicPr>
+          <p:cNvPr id="14" name="Segnaposto contenuto 13">
+            <a:extLst>
+              <a:ext uri="{FF2B5EF4-FFF2-40B4-BE49-F238E27FC236}">
+                <a16:creationId xmlns:a16="http://schemas.microsoft.com/office/drawing/2014/main" id="{079D9F18-55BD-7A62-08F0-2C3A8F8B20C3}"/>
+              </a:ext>
+            </a:extLst>
+          </p:cNvPr>
+          <p:cNvPicPr>
+            <a:picLocks noGrp="1" noChangeAspect="1"/>
+          </p:cNvPicPr>
+          <p:nvPr>
+            <p:ph idx="1"/>
+          </p:nvPr>
+        </p:nvPicPr>
+        <p:blipFill>
+          <a:blip r:embed="rId2">
+            <a:extLst>
+              <a:ext uri="{28A0092B-C50C-407E-A947-70E740481C1C}">
+                <a14:useLocalDpi xmlns:a14="http://schemas.microsoft.com/office/drawing/2010/main" val="0"/>
+              </a:ext>
+            </a:extLst>
+          </a:blip>
+          <a:stretch>
+            <a:fillRect/>
+          </a:stretch>
+        </p:blipFill>
+        <p:spPr>
+          <a:xfrm>
+            <a:off x="4129343" y="1871931"/>
+            <a:ext cx="7503943" cy="3562147"/>
+          </a:xfrm>
+        </p:spPr>
+      </p:pic>
     </p:spTree>
     <p:extLst>
       <p:ext uri="{BB962C8B-B14F-4D97-AF65-F5344CB8AC3E}">
@@ -4743,36 +4881,6 @@
       </p:sp>
       <p:sp>
         <p:nvSpPr>
-          <p:cNvPr id="3" name="Segnaposto contenuto 2">
-            <a:extLst>
-              <a:ext uri="{FF2B5EF4-FFF2-40B4-BE49-F238E27FC236}">
-                <a16:creationId xmlns:a16="http://schemas.microsoft.com/office/drawing/2014/main" id="{DD189527-5394-9E9A-6501-A94A03A3D64F}"/>
-              </a:ext>
-            </a:extLst>
-          </p:cNvPr>
-          <p:cNvSpPr>
-            <a:spLocks noGrp="1"/>
-          </p:cNvSpPr>
-          <p:nvPr>
-            <p:ph idx="1"/>
-          </p:nvPr>
-        </p:nvSpPr>
-        <p:spPr>
-          <a:xfrm>
-            <a:off x="838200" y="1904002"/>
-            <a:ext cx="10515600" cy="4351338"/>
-          </a:xfrm>
-        </p:spPr>
-        <p:txBody>
-          <a:bodyPr/>
-          <a:lstStyle/>
-          <a:p>
-            <a:endParaRPr lang="it-IT"/>
-          </a:p>
-        </p:txBody>
-      </p:sp>
-      <p:sp>
-        <p:nvSpPr>
           <p:cNvPr id="4" name="Segnaposto numero diapositiva 3">
             <a:extLst>
               <a:ext uri="{FF2B5EF4-FFF2-40B4-BE49-F238E27FC236}">
@@ -4800,6 +4908,41 @@
           </a:p>
         </p:txBody>
       </p:sp>
+      <p:pic>
+        <p:nvPicPr>
+          <p:cNvPr id="5" name="Segnaposto contenuto 5">
+            <a:extLst>
+              <a:ext uri="{FF2B5EF4-FFF2-40B4-BE49-F238E27FC236}">
+                <a16:creationId xmlns:a16="http://schemas.microsoft.com/office/drawing/2014/main" id="{DFD2040F-2A94-34A4-4955-9056D7B8B441}"/>
+              </a:ext>
+            </a:extLst>
+          </p:cNvPr>
+          <p:cNvPicPr>
+            <a:picLocks noGrp="1" noChangeAspect="1"/>
+          </p:cNvPicPr>
+          <p:nvPr>
+            <p:ph idx="1"/>
+          </p:nvPr>
+        </p:nvPicPr>
+        <p:blipFill>
+          <a:blip r:embed="rId2">
+            <a:extLst>
+              <a:ext uri="{28A0092B-C50C-407E-A947-70E740481C1C}">
+                <a14:useLocalDpi xmlns:a14="http://schemas.microsoft.com/office/drawing/2010/main" val="0"/>
+              </a:ext>
+            </a:extLst>
+          </a:blip>
+          <a:stretch>
+            <a:fillRect/>
+          </a:stretch>
+        </p:blipFill>
+        <p:spPr>
+          <a:xfrm>
+            <a:off x="4980317" y="1690688"/>
+            <a:ext cx="6373483" cy="3329208"/>
+          </a:xfrm>
+        </p:spPr>
+      </p:pic>
     </p:spTree>
     <p:extLst>
       <p:ext uri="{BB962C8B-B14F-4D97-AF65-F5344CB8AC3E}">
@@ -4872,31 +5015,6 @@
       </p:sp>
       <p:sp>
         <p:nvSpPr>
-          <p:cNvPr id="3" name="Segnaposto contenuto 2">
-            <a:extLst>
-              <a:ext uri="{FF2B5EF4-FFF2-40B4-BE49-F238E27FC236}">
-                <a16:creationId xmlns:a16="http://schemas.microsoft.com/office/drawing/2014/main" id="{E09FC782-BA9E-476B-BFA8-7EEBEC04ECBA}"/>
-              </a:ext>
-            </a:extLst>
-          </p:cNvPr>
-          <p:cNvSpPr>
-            <a:spLocks noGrp="1"/>
-          </p:cNvSpPr>
-          <p:nvPr>
-            <p:ph idx="1"/>
-          </p:nvPr>
-        </p:nvSpPr>
-        <p:spPr/>
-        <p:txBody>
-          <a:bodyPr/>
-          <a:lstStyle/>
-          <a:p>
-            <a:endParaRPr lang="it-IT"/>
-          </a:p>
-        </p:txBody>
-      </p:sp>
-      <p:sp>
-        <p:nvSpPr>
           <p:cNvPr id="4" name="Segnaposto numero diapositiva 3">
             <a:extLst>
               <a:ext uri="{FF2B5EF4-FFF2-40B4-BE49-F238E27FC236}">
@@ -4924,6 +5042,41 @@
           </a:p>
         </p:txBody>
       </p:sp>
+      <p:pic>
+        <p:nvPicPr>
+          <p:cNvPr id="5" name="Segnaposto contenuto 5">
+            <a:extLst>
+              <a:ext uri="{FF2B5EF4-FFF2-40B4-BE49-F238E27FC236}">
+                <a16:creationId xmlns:a16="http://schemas.microsoft.com/office/drawing/2014/main" id="{72EA1D7B-76EB-16B3-3ABB-088229C88801}"/>
+              </a:ext>
+            </a:extLst>
+          </p:cNvPr>
+          <p:cNvPicPr>
+            <a:picLocks noGrp="1" noChangeAspect="1"/>
+          </p:cNvPicPr>
+          <p:nvPr>
+            <p:ph idx="1"/>
+          </p:nvPr>
+        </p:nvPicPr>
+        <p:blipFill>
+          <a:blip r:embed="rId2">
+            <a:extLst>
+              <a:ext uri="{28A0092B-C50C-407E-A947-70E740481C1C}">
+                <a14:useLocalDpi xmlns:a14="http://schemas.microsoft.com/office/drawing/2010/main" val="0"/>
+              </a:ext>
+            </a:extLst>
+          </a:blip>
+          <a:stretch>
+            <a:fillRect/>
+          </a:stretch>
+        </p:blipFill>
+        <p:spPr>
+          <a:xfrm>
+            <a:off x="1114418" y="3429000"/>
+            <a:ext cx="4981582" cy="2666870"/>
+          </a:xfrm>
+        </p:spPr>
+      </p:pic>
     </p:spTree>
     <p:extLst>
       <p:ext uri="{BB962C8B-B14F-4D97-AF65-F5344CB8AC3E}">
@@ -4983,31 +5136,41 @@
           </a:p>
         </p:txBody>
       </p:sp>
-      <p:sp>
-        <p:nvSpPr>
-          <p:cNvPr id="3" name="Segnaposto contenuto 2">
-            <a:extLst>
-              <a:ext uri="{FF2B5EF4-FFF2-40B4-BE49-F238E27FC236}">
-                <a16:creationId xmlns:a16="http://schemas.microsoft.com/office/drawing/2014/main" id="{E09FC782-BA9E-476B-BFA8-7EEBEC04ECBA}"/>
-              </a:ext>
-            </a:extLst>
-          </p:cNvPr>
-          <p:cNvSpPr>
-            <a:spLocks noGrp="1"/>
-          </p:cNvSpPr>
+      <p:pic>
+        <p:nvPicPr>
+          <p:cNvPr id="6" name="Segnaposto contenuto 5">
+            <a:extLst>
+              <a:ext uri="{FF2B5EF4-FFF2-40B4-BE49-F238E27FC236}">
+                <a16:creationId xmlns:a16="http://schemas.microsoft.com/office/drawing/2014/main" id="{EC7829FA-7E12-9CB1-3CE1-DDD1880BED54}"/>
+              </a:ext>
+            </a:extLst>
+          </p:cNvPr>
+          <p:cNvPicPr>
+            <a:picLocks noGrp="1" noChangeAspect="1"/>
+          </p:cNvPicPr>
           <p:nvPr>
             <p:ph idx="1"/>
           </p:nvPr>
-        </p:nvSpPr>
-        <p:spPr/>
-        <p:txBody>
-          <a:bodyPr/>
-          <a:lstStyle/>
-          <a:p>
-            <a:endParaRPr lang="it-IT"/>
-          </a:p>
-        </p:txBody>
-      </p:sp>
+        </p:nvPicPr>
+        <p:blipFill>
+          <a:blip r:embed="rId2">
+            <a:extLst>
+              <a:ext uri="{28A0092B-C50C-407E-A947-70E740481C1C}">
+                <a14:useLocalDpi xmlns:a14="http://schemas.microsoft.com/office/drawing/2010/main" val="0"/>
+              </a:ext>
+            </a:extLst>
+          </a:blip>
+          <a:stretch>
+            <a:fillRect/>
+          </a:stretch>
+        </p:blipFill>
+        <p:spPr>
+          <a:xfrm>
+            <a:off x="1138474" y="1827226"/>
+            <a:ext cx="2718835" cy="4351338"/>
+          </a:xfrm>
+        </p:spPr>
+      </p:pic>
       <p:sp>
         <p:nvSpPr>
           <p:cNvPr id="4" name="Segnaposto numero diapositiva 3">
@@ -5037,6 +5200,42 @@
           </a:p>
         </p:txBody>
       </p:sp>
+      <p:pic>
+        <p:nvPicPr>
+          <p:cNvPr id="8" name="Immagine 7">
+            <a:extLst>
+              <a:ext uri="{FF2B5EF4-FFF2-40B4-BE49-F238E27FC236}">
+                <a16:creationId xmlns:a16="http://schemas.microsoft.com/office/drawing/2014/main" id="{806B95C8-DB74-3DC2-A730-FE4E29B672E8}"/>
+              </a:ext>
+            </a:extLst>
+          </p:cNvPr>
+          <p:cNvPicPr>
+            <a:picLocks noChangeAspect="1"/>
+          </p:cNvPicPr>
+          <p:nvPr/>
+        </p:nvPicPr>
+        <p:blipFill>
+          <a:blip r:embed="rId3">
+            <a:extLst>
+              <a:ext uri="{28A0092B-C50C-407E-A947-70E740481C1C}">
+                <a14:useLocalDpi xmlns:a14="http://schemas.microsoft.com/office/drawing/2010/main" val="0"/>
+              </a:ext>
+            </a:extLst>
+          </a:blip>
+          <a:stretch>
+            <a:fillRect/>
+          </a:stretch>
+        </p:blipFill>
+        <p:spPr>
+          <a:xfrm>
+            <a:off x="8453929" y="1976552"/>
+            <a:ext cx="2899871" cy="4202012"/>
+          </a:xfrm>
+          <a:prstGeom prst="rect">
+            <a:avLst/>
+          </a:prstGeom>
+        </p:spPr>
+      </p:pic>
     </p:spTree>
     <p:extLst>
       <p:ext uri="{BB962C8B-B14F-4D97-AF65-F5344CB8AC3E}">
@@ -5083,7 +5282,12 @@
             <p:ph type="title"/>
           </p:nvPr>
         </p:nvSpPr>
-        <p:spPr/>
+        <p:spPr>
+          <a:xfrm>
+            <a:off x="838200" y="356499"/>
+            <a:ext cx="10515600" cy="1325563"/>
+          </a:xfrm>
+        </p:spPr>
         <p:txBody>
           <a:bodyPr/>
           <a:lstStyle/>
@@ -5117,7 +5321,7 @@
           <a:bodyPr/>
           <a:lstStyle/>
           <a:p>
-            <a:endParaRPr lang="it-IT"/>
+            <a:endParaRPr lang="it-IT" dirty="0"/>
           </a:p>
         </p:txBody>
       </p:sp>
@@ -5196,44 +5400,46 @@
             <p:ph type="title"/>
           </p:nvPr>
         </p:nvSpPr>
+        <p:spPr>
+          <a:xfrm>
+            <a:off x="838200" y="356499"/>
+            <a:ext cx="10515600" cy="1325563"/>
+          </a:xfrm>
+        </p:spPr>
+        <p:txBody>
+          <a:bodyPr/>
+          <a:lstStyle/>
+          <a:p>
+            <a:r>
+              <a:rPr lang="it-IT" dirty="0" err="1"/>
+              <a:t>Implementation</a:t>
+            </a:r>
+            <a:endParaRPr lang="it-IT" dirty="0"/>
+          </a:p>
+        </p:txBody>
+      </p:sp>
+      <p:sp>
+        <p:nvSpPr>
+          <p:cNvPr id="3" name="Segnaposto contenuto 2">
+            <a:extLst>
+              <a:ext uri="{FF2B5EF4-FFF2-40B4-BE49-F238E27FC236}">
+                <a16:creationId xmlns:a16="http://schemas.microsoft.com/office/drawing/2014/main" id="{E09FC782-BA9E-476B-BFA8-7EEBEC04ECBA}"/>
+              </a:ext>
+            </a:extLst>
+          </p:cNvPr>
+          <p:cNvSpPr>
+            <a:spLocks noGrp="1"/>
+          </p:cNvSpPr>
+          <p:nvPr>
+            <p:ph idx="1"/>
+          </p:nvPr>
+        </p:nvSpPr>
         <p:spPr/>
         <p:txBody>
           <a:bodyPr/>
           <a:lstStyle/>
           <a:p>
-            <a:r>
-              <a:rPr lang="it-IT" dirty="0" err="1"/>
-              <a:t>Conclusion</a:t>
-            </a:r>
-            <a:r>
-              <a:rPr lang="it-IT" dirty="0"/>
-              <a:t> and future works</a:t>
-            </a:r>
-          </a:p>
-        </p:txBody>
-      </p:sp>
-      <p:sp>
-        <p:nvSpPr>
-          <p:cNvPr id="3" name="Segnaposto contenuto 2">
-            <a:extLst>
-              <a:ext uri="{FF2B5EF4-FFF2-40B4-BE49-F238E27FC236}">
-                <a16:creationId xmlns:a16="http://schemas.microsoft.com/office/drawing/2014/main" id="{E09FC782-BA9E-476B-BFA8-7EEBEC04ECBA}"/>
-              </a:ext>
-            </a:extLst>
-          </p:cNvPr>
-          <p:cNvSpPr>
-            <a:spLocks noGrp="1"/>
-          </p:cNvSpPr>
-          <p:nvPr>
-            <p:ph idx="1"/>
-          </p:nvPr>
-        </p:nvSpPr>
-        <p:spPr/>
-        <p:txBody>
-          <a:bodyPr/>
-          <a:lstStyle/>
-          <a:p>
-            <a:endParaRPr lang="it-IT"/>
+            <a:endParaRPr lang="it-IT" dirty="0"/>
           </a:p>
         </p:txBody>
       </p:sp>
@@ -5269,7 +5475,123 @@
     </p:spTree>
     <p:extLst>
       <p:ext uri="{BB962C8B-B14F-4D97-AF65-F5344CB8AC3E}">
-        <p14:creationId xmlns:p14="http://schemas.microsoft.com/office/powerpoint/2010/main" val="89715497"/>
+        <p14:creationId xmlns:p14="http://schemas.microsoft.com/office/powerpoint/2010/main" val="3402359631"/>
+      </p:ext>
+    </p:extLst>
+  </p:cSld>
+  <p:clrMapOvr>
+    <a:masterClrMapping/>
+  </p:clrMapOvr>
+</p:sld>
+</file>
+
+<file path=ppt/slides/slide9.xml><?xml version="1.0" encoding="utf-8"?>
+<p:sld xmlns:a="http://schemas.openxmlformats.org/drawingml/2006/main" xmlns:r="http://schemas.openxmlformats.org/officeDocument/2006/relationships" xmlns:p="http://schemas.openxmlformats.org/presentationml/2006/main">
+  <p:cSld>
+    <p:spTree>
+      <p:nvGrpSpPr>
+        <p:cNvPr id="1" name=""/>
+        <p:cNvGrpSpPr/>
+        <p:nvPr/>
+      </p:nvGrpSpPr>
+      <p:grpSpPr>
+        <a:xfrm>
+          <a:off x="0" y="0"/>
+          <a:ext cx="0" cy="0"/>
+          <a:chOff x="0" y="0"/>
+          <a:chExt cx="0" cy="0"/>
+        </a:xfrm>
+      </p:grpSpPr>
+      <p:sp>
+        <p:nvSpPr>
+          <p:cNvPr id="2" name="Titolo 1">
+            <a:extLst>
+              <a:ext uri="{FF2B5EF4-FFF2-40B4-BE49-F238E27FC236}">
+                <a16:creationId xmlns:a16="http://schemas.microsoft.com/office/drawing/2014/main" id="{729B64CC-A491-568F-3D9A-114C1B1C6C67}"/>
+              </a:ext>
+            </a:extLst>
+          </p:cNvPr>
+          <p:cNvSpPr>
+            <a:spLocks noGrp="1"/>
+          </p:cNvSpPr>
+          <p:nvPr>
+            <p:ph type="title"/>
+          </p:nvPr>
+        </p:nvSpPr>
+        <p:spPr/>
+        <p:txBody>
+          <a:bodyPr/>
+          <a:lstStyle/>
+          <a:p>
+            <a:r>
+              <a:rPr lang="it-IT" dirty="0" err="1"/>
+              <a:t>Example</a:t>
+            </a:r>
+            <a:r>
+              <a:rPr lang="it-IT" dirty="0"/>
+              <a:t> on the board</a:t>
+            </a:r>
+          </a:p>
+        </p:txBody>
+      </p:sp>
+      <p:sp>
+        <p:nvSpPr>
+          <p:cNvPr id="3" name="Segnaposto contenuto 2">
+            <a:extLst>
+              <a:ext uri="{FF2B5EF4-FFF2-40B4-BE49-F238E27FC236}">
+                <a16:creationId xmlns:a16="http://schemas.microsoft.com/office/drawing/2014/main" id="{E09FC782-BA9E-476B-BFA8-7EEBEC04ECBA}"/>
+              </a:ext>
+            </a:extLst>
+          </p:cNvPr>
+          <p:cNvSpPr>
+            <a:spLocks noGrp="1"/>
+          </p:cNvSpPr>
+          <p:nvPr>
+            <p:ph idx="1"/>
+          </p:nvPr>
+        </p:nvSpPr>
+        <p:spPr/>
+        <p:txBody>
+          <a:bodyPr/>
+          <a:lstStyle/>
+          <a:p>
+            <a:endParaRPr lang="it-IT"/>
+          </a:p>
+        </p:txBody>
+      </p:sp>
+      <p:sp>
+        <p:nvSpPr>
+          <p:cNvPr id="4" name="Segnaposto numero diapositiva 3">
+            <a:extLst>
+              <a:ext uri="{FF2B5EF4-FFF2-40B4-BE49-F238E27FC236}">
+                <a16:creationId xmlns:a16="http://schemas.microsoft.com/office/drawing/2014/main" id="{1D48AB9E-7090-C348-0E90-57EC1BDE34BF}"/>
+              </a:ext>
+            </a:extLst>
+          </p:cNvPr>
+          <p:cNvSpPr>
+            <a:spLocks noGrp="1"/>
+          </p:cNvSpPr>
+          <p:nvPr>
+            <p:ph type="sldNum" sz="quarter" idx="12"/>
+          </p:nvPr>
+        </p:nvSpPr>
+        <p:spPr/>
+        <p:txBody>
+          <a:bodyPr/>
+          <a:lstStyle/>
+          <a:p>
+            <a:fld id="{7A5CF73B-7013-4295-95A2-19EBB0879913}" type="slidenum">
+              <a:rPr lang="it-IT" smtClean="0"/>
+              <a:t>9</a:t>
+            </a:fld>
+            <a:endParaRPr lang="it-IT"/>
+          </a:p>
+        </p:txBody>
+      </p:sp>
+    </p:spTree>
+    <p:extLst>
+      <p:ext uri="{BB962C8B-B14F-4D97-AF65-F5344CB8AC3E}">
+        <p14:creationId xmlns:p14="http://schemas.microsoft.com/office/powerpoint/2010/main" val="3889518894"/>
       </p:ext>
     </p:extLst>
   </p:cSld>

--- a/Design and Development of a RAM-based PUF.pptx
+++ b/Design and Development of a RAM-based PUF.pptx
@@ -206,7 +206,7 @@
           <a:p>
             <a:fld id="{DA0109C4-8D99-4961-8B68-840B8F2F08FE}" type="datetimeFigureOut">
               <a:rPr lang="it-IT" smtClean="0"/>
-              <a:t>01/09/2022</a:t>
+              <a:t>11/09/2022</a:t>
             </a:fld>
             <a:endParaRPr lang="it-IT"/>
           </a:p>
@@ -620,7 +620,7 @@
           <a:p>
             <a:fld id="{D05720A7-A953-411A-81A9-3B18B08F30A0}" type="datetime1">
               <a:rPr lang="it-IT" smtClean="0"/>
-              <a:t>01/09/2022</a:t>
+              <a:t>11/09/2022</a:t>
             </a:fld>
             <a:endParaRPr lang="it-IT"/>
           </a:p>
@@ -818,7 +818,7 @@
           <a:p>
             <a:fld id="{0706548A-0296-444F-BF4E-72BB016FDD38}" type="datetime1">
               <a:rPr lang="it-IT" smtClean="0"/>
-              <a:t>01/09/2022</a:t>
+              <a:t>11/09/2022</a:t>
             </a:fld>
             <a:endParaRPr lang="it-IT"/>
           </a:p>
@@ -1026,7 +1026,7 @@
           <a:p>
             <a:fld id="{6A2958E4-5177-4A76-9242-714DBE233A87}" type="datetime1">
               <a:rPr lang="it-IT" smtClean="0"/>
-              <a:t>01/09/2022</a:t>
+              <a:t>11/09/2022</a:t>
             </a:fld>
             <a:endParaRPr lang="it-IT"/>
           </a:p>
@@ -1224,7 +1224,7 @@
           <a:p>
             <a:fld id="{397C6833-9FFE-4571-82EE-9B191B6F5058}" type="datetime1">
               <a:rPr lang="it-IT" smtClean="0"/>
-              <a:t>01/09/2022</a:t>
+              <a:t>11/09/2022</a:t>
             </a:fld>
             <a:endParaRPr lang="it-IT"/>
           </a:p>
@@ -1499,7 +1499,7 @@
           <a:p>
             <a:fld id="{4920125D-C4E0-40E4-B45F-7AC39B855427}" type="datetime1">
               <a:rPr lang="it-IT" smtClean="0"/>
-              <a:t>01/09/2022</a:t>
+              <a:t>11/09/2022</a:t>
             </a:fld>
             <a:endParaRPr lang="it-IT"/>
           </a:p>
@@ -1764,7 +1764,7 @@
           <a:p>
             <a:fld id="{8162F90A-852D-4A01-9148-2B3B19A7DEF5}" type="datetime1">
               <a:rPr lang="it-IT" smtClean="0"/>
-              <a:t>01/09/2022</a:t>
+              <a:t>11/09/2022</a:t>
             </a:fld>
             <a:endParaRPr lang="it-IT"/>
           </a:p>
@@ -2176,7 +2176,7 @@
           <a:p>
             <a:fld id="{ACB01FE2-3FED-47A9-8797-4B83D67025DD}" type="datetime1">
               <a:rPr lang="it-IT" smtClean="0"/>
-              <a:t>01/09/2022</a:t>
+              <a:t>11/09/2022</a:t>
             </a:fld>
             <a:endParaRPr lang="it-IT"/>
           </a:p>
@@ -2317,7 +2317,7 @@
           <a:p>
             <a:fld id="{91FAEB97-FF3E-4633-B243-D3C27ED4FDBD}" type="datetime1">
               <a:rPr lang="it-IT" smtClean="0"/>
-              <a:t>01/09/2022</a:t>
+              <a:t>11/09/2022</a:t>
             </a:fld>
             <a:endParaRPr lang="it-IT"/>
           </a:p>
@@ -2430,7 +2430,7 @@
           <a:p>
             <a:fld id="{D4B8AA84-D53D-42ED-A252-CD018E458E18}" type="datetime1">
               <a:rPr lang="it-IT" smtClean="0"/>
-              <a:t>01/09/2022</a:t>
+              <a:t>11/09/2022</a:t>
             </a:fld>
             <a:endParaRPr lang="it-IT"/>
           </a:p>
@@ -2741,7 +2741,7 @@
           <a:p>
             <a:fld id="{66795BB9-104D-4731-8F28-3479B720A43F}" type="datetime1">
               <a:rPr lang="it-IT" smtClean="0"/>
-              <a:t>01/09/2022</a:t>
+              <a:t>11/09/2022</a:t>
             </a:fld>
             <a:endParaRPr lang="it-IT"/>
           </a:p>
@@ -3029,7 +3029,7 @@
           <a:p>
             <a:fld id="{26764855-C136-414A-994F-04E8194BC493}" type="datetime1">
               <a:rPr lang="it-IT" smtClean="0"/>
-              <a:t>01/09/2022</a:t>
+              <a:t>11/09/2022</a:t>
             </a:fld>
             <a:endParaRPr lang="it-IT"/>
           </a:p>
@@ -3270,7 +3270,7 @@
           <a:p>
             <a:fld id="{EDA2617C-2028-4D97-83E6-6EE3B4CA7740}" type="datetime1">
               <a:rPr lang="it-IT" smtClean="0"/>
-              <a:t>01/09/2022</a:t>
+              <a:t>11/09/2022</a:t>
             </a:fld>
             <a:endParaRPr lang="it-IT"/>
           </a:p>
@@ -4478,40 +4478,47 @@
           <a:p>
             <a:r>
               <a:rPr lang="it-IT" dirty="0" err="1"/>
-              <a:t>Conclusion</a:t>
-            </a:r>
-            <a:r>
-              <a:rPr lang="it-IT" dirty="0"/>
-              <a:t> and future works</a:t>
-            </a:r>
-          </a:p>
-        </p:txBody>
-      </p:sp>
-      <p:sp>
-        <p:nvSpPr>
-          <p:cNvPr id="3" name="Segnaposto contenuto 2">
-            <a:extLst>
-              <a:ext uri="{FF2B5EF4-FFF2-40B4-BE49-F238E27FC236}">
-                <a16:creationId xmlns:a16="http://schemas.microsoft.com/office/drawing/2014/main" id="{E09FC782-BA9E-476B-BFA8-7EEBEC04ECBA}"/>
-              </a:ext>
-            </a:extLst>
-          </p:cNvPr>
-          <p:cNvSpPr>
-            <a:spLocks noGrp="1"/>
-          </p:cNvSpPr>
+              <a:t>Results</a:t>
+            </a:r>
+            <a:endParaRPr lang="it-IT" dirty="0"/>
+          </a:p>
+        </p:txBody>
+      </p:sp>
+      <p:pic>
+        <p:nvPicPr>
+          <p:cNvPr id="6" name="Segnaposto contenuto 5">
+            <a:extLst>
+              <a:ext uri="{FF2B5EF4-FFF2-40B4-BE49-F238E27FC236}">
+                <a16:creationId xmlns:a16="http://schemas.microsoft.com/office/drawing/2014/main" id="{298DC944-725D-65EF-42F2-889FCCD27B75}"/>
+              </a:ext>
+            </a:extLst>
+          </p:cNvPr>
+          <p:cNvPicPr>
+            <a:picLocks noGrp="1" noChangeAspect="1"/>
+          </p:cNvPicPr>
           <p:nvPr>
             <p:ph idx="1"/>
           </p:nvPr>
-        </p:nvSpPr>
-        <p:spPr/>
-        <p:txBody>
-          <a:bodyPr/>
-          <a:lstStyle/>
-          <a:p>
-            <a:endParaRPr lang="it-IT"/>
-          </a:p>
-        </p:txBody>
-      </p:sp>
+        </p:nvPicPr>
+        <p:blipFill>
+          <a:blip r:embed="rId2">
+            <a:extLst>
+              <a:ext uri="{28A0092B-C50C-407E-A947-70E740481C1C}">
+                <a14:useLocalDpi xmlns:a14="http://schemas.microsoft.com/office/drawing/2010/main" val="0"/>
+              </a:ext>
+            </a:extLst>
+          </a:blip>
+          <a:stretch>
+            <a:fillRect/>
+          </a:stretch>
+        </p:blipFill>
+        <p:spPr>
+          <a:xfrm>
+            <a:off x="4804027" y="1690688"/>
+            <a:ext cx="6549773" cy="3933037"/>
+          </a:xfrm>
+        </p:spPr>
+      </p:pic>
       <p:sp>
         <p:nvSpPr>
           <p:cNvPr id="4" name="Segnaposto numero diapositiva 3">

--- a/Design and Development of a RAM-based PUF.pptx
+++ b/Design and Development of a RAM-based PUF.pptx
@@ -16,8 +16,8 @@
     <p:sldId id="261" r:id="rId7"/>
     <p:sldId id="262" r:id="rId8"/>
     <p:sldId id="265" r:id="rId9"/>
-    <p:sldId id="264" r:id="rId10"/>
-    <p:sldId id="263" r:id="rId11"/>
+    <p:sldId id="263" r:id="rId10"/>
+    <p:sldId id="264" r:id="rId11"/>
   </p:sldIdLst>
   <p:sldSz cx="12192000" cy="6858000"/>
   <p:notesSz cx="6858000" cy="9144000"/>
@@ -206,7 +206,7 @@
           <a:p>
             <a:fld id="{DA0109C4-8D99-4961-8B68-840B8F2F08FE}" type="datetimeFigureOut">
               <a:rPr lang="it-IT" smtClean="0"/>
-              <a:t>11/09/2022</a:t>
+              <a:t>12/09/2022</a:t>
             </a:fld>
             <a:endParaRPr lang="it-IT"/>
           </a:p>
@@ -620,7 +620,7 @@
           <a:p>
             <a:fld id="{D05720A7-A953-411A-81A9-3B18B08F30A0}" type="datetime1">
               <a:rPr lang="it-IT" smtClean="0"/>
-              <a:t>11/09/2022</a:t>
+              <a:t>12/09/2022</a:t>
             </a:fld>
             <a:endParaRPr lang="it-IT"/>
           </a:p>
@@ -818,7 +818,7 @@
           <a:p>
             <a:fld id="{0706548A-0296-444F-BF4E-72BB016FDD38}" type="datetime1">
               <a:rPr lang="it-IT" smtClean="0"/>
-              <a:t>11/09/2022</a:t>
+              <a:t>12/09/2022</a:t>
             </a:fld>
             <a:endParaRPr lang="it-IT"/>
           </a:p>
@@ -1026,7 +1026,7 @@
           <a:p>
             <a:fld id="{6A2958E4-5177-4A76-9242-714DBE233A87}" type="datetime1">
               <a:rPr lang="it-IT" smtClean="0"/>
-              <a:t>11/09/2022</a:t>
+              <a:t>12/09/2022</a:t>
             </a:fld>
             <a:endParaRPr lang="it-IT"/>
           </a:p>
@@ -1224,7 +1224,7 @@
           <a:p>
             <a:fld id="{397C6833-9FFE-4571-82EE-9B191B6F5058}" type="datetime1">
               <a:rPr lang="it-IT" smtClean="0"/>
-              <a:t>11/09/2022</a:t>
+              <a:t>12/09/2022</a:t>
             </a:fld>
             <a:endParaRPr lang="it-IT"/>
           </a:p>
@@ -1499,7 +1499,7 @@
           <a:p>
             <a:fld id="{4920125D-C4E0-40E4-B45F-7AC39B855427}" type="datetime1">
               <a:rPr lang="it-IT" smtClean="0"/>
-              <a:t>11/09/2022</a:t>
+              <a:t>12/09/2022</a:t>
             </a:fld>
             <a:endParaRPr lang="it-IT"/>
           </a:p>
@@ -1764,7 +1764,7 @@
           <a:p>
             <a:fld id="{8162F90A-852D-4A01-9148-2B3B19A7DEF5}" type="datetime1">
               <a:rPr lang="it-IT" smtClean="0"/>
-              <a:t>11/09/2022</a:t>
+              <a:t>12/09/2022</a:t>
             </a:fld>
             <a:endParaRPr lang="it-IT"/>
           </a:p>
@@ -2176,7 +2176,7 @@
           <a:p>
             <a:fld id="{ACB01FE2-3FED-47A9-8797-4B83D67025DD}" type="datetime1">
               <a:rPr lang="it-IT" smtClean="0"/>
-              <a:t>11/09/2022</a:t>
+              <a:t>12/09/2022</a:t>
             </a:fld>
             <a:endParaRPr lang="it-IT"/>
           </a:p>
@@ -2317,7 +2317,7 @@
           <a:p>
             <a:fld id="{91FAEB97-FF3E-4633-B243-D3C27ED4FDBD}" type="datetime1">
               <a:rPr lang="it-IT" smtClean="0"/>
-              <a:t>11/09/2022</a:t>
+              <a:t>12/09/2022</a:t>
             </a:fld>
             <a:endParaRPr lang="it-IT"/>
           </a:p>
@@ -2430,7 +2430,7 @@
           <a:p>
             <a:fld id="{D4B8AA84-D53D-42ED-A252-CD018E458E18}" type="datetime1">
               <a:rPr lang="it-IT" smtClean="0"/>
-              <a:t>11/09/2022</a:t>
+              <a:t>12/09/2022</a:t>
             </a:fld>
             <a:endParaRPr lang="it-IT"/>
           </a:p>
@@ -2741,7 +2741,7 @@
           <a:p>
             <a:fld id="{66795BB9-104D-4731-8F28-3479B720A43F}" type="datetime1">
               <a:rPr lang="it-IT" smtClean="0"/>
-              <a:t>11/09/2022</a:t>
+              <a:t>12/09/2022</a:t>
             </a:fld>
             <a:endParaRPr lang="it-IT"/>
           </a:p>
@@ -3029,7 +3029,7 @@
           <a:p>
             <a:fld id="{26764855-C136-414A-994F-04E8194BC493}" type="datetime1">
               <a:rPr lang="it-IT" smtClean="0"/>
-              <a:t>11/09/2022</a:t>
+              <a:t>12/09/2022</a:t>
             </a:fld>
             <a:endParaRPr lang="it-IT"/>
           </a:p>
@@ -3270,7 +3270,7 @@
           <a:p>
             <a:fld id="{EDA2617C-2028-4D97-83E6-6EE3B4CA7740}" type="datetime1">
               <a:rPr lang="it-IT" smtClean="0"/>
-              <a:t>11/09/2022</a:t>
+              <a:t>12/09/2022</a:t>
             </a:fld>
             <a:endParaRPr lang="it-IT"/>
           </a:p>
@@ -4478,47 +4478,40 @@
           <a:p>
             <a:r>
               <a:rPr lang="it-IT" dirty="0" err="1"/>
-              <a:t>Results</a:t>
-            </a:r>
-            <a:endParaRPr lang="it-IT" dirty="0"/>
-          </a:p>
-        </p:txBody>
-      </p:sp>
-      <p:pic>
-        <p:nvPicPr>
-          <p:cNvPr id="6" name="Segnaposto contenuto 5">
-            <a:extLst>
-              <a:ext uri="{FF2B5EF4-FFF2-40B4-BE49-F238E27FC236}">
-                <a16:creationId xmlns:a16="http://schemas.microsoft.com/office/drawing/2014/main" id="{298DC944-725D-65EF-42F2-889FCCD27B75}"/>
-              </a:ext>
-            </a:extLst>
-          </p:cNvPr>
-          <p:cNvPicPr>
-            <a:picLocks noGrp="1" noChangeAspect="1"/>
-          </p:cNvPicPr>
+              <a:t>Example</a:t>
+            </a:r>
+            <a:r>
+              <a:rPr lang="it-IT" dirty="0"/>
+              <a:t> on the board</a:t>
+            </a:r>
+          </a:p>
+        </p:txBody>
+      </p:sp>
+      <p:sp>
+        <p:nvSpPr>
+          <p:cNvPr id="3" name="Segnaposto contenuto 2">
+            <a:extLst>
+              <a:ext uri="{FF2B5EF4-FFF2-40B4-BE49-F238E27FC236}">
+                <a16:creationId xmlns:a16="http://schemas.microsoft.com/office/drawing/2014/main" id="{E09FC782-BA9E-476B-BFA8-7EEBEC04ECBA}"/>
+              </a:ext>
+            </a:extLst>
+          </p:cNvPr>
+          <p:cNvSpPr>
+            <a:spLocks noGrp="1"/>
+          </p:cNvSpPr>
           <p:nvPr>
             <p:ph idx="1"/>
           </p:nvPr>
-        </p:nvPicPr>
-        <p:blipFill>
-          <a:blip r:embed="rId2">
-            <a:extLst>
-              <a:ext uri="{28A0092B-C50C-407E-A947-70E740481C1C}">
-                <a14:useLocalDpi xmlns:a14="http://schemas.microsoft.com/office/drawing/2010/main" val="0"/>
-              </a:ext>
-            </a:extLst>
-          </a:blip>
-          <a:stretch>
-            <a:fillRect/>
-          </a:stretch>
-        </p:blipFill>
-        <p:spPr>
-          <a:xfrm>
-            <a:off x="4804027" y="1690688"/>
-            <a:ext cx="6549773" cy="3933037"/>
-          </a:xfrm>
-        </p:spPr>
-      </p:pic>
+        </p:nvSpPr>
+        <p:spPr/>
+        <p:txBody>
+          <a:bodyPr/>
+          <a:lstStyle/>
+          <a:p>
+            <a:endParaRPr lang="it-IT"/>
+          </a:p>
+        </p:txBody>
+      </p:sp>
       <p:sp>
         <p:nvSpPr>
           <p:cNvPr id="4" name="Segnaposto numero diapositiva 3">
@@ -4551,7 +4544,7 @@
     </p:spTree>
     <p:extLst>
       <p:ext uri="{BB962C8B-B14F-4D97-AF65-F5344CB8AC3E}">
-        <p14:creationId xmlns:p14="http://schemas.microsoft.com/office/powerpoint/2010/main" val="89715497"/>
+        <p14:creationId xmlns:p14="http://schemas.microsoft.com/office/powerpoint/2010/main" val="3889518894"/>
       </p:ext>
     </p:extLst>
   </p:cSld>
@@ -5532,40 +5525,47 @@
           <a:p>
             <a:r>
               <a:rPr lang="it-IT" dirty="0" err="1"/>
-              <a:t>Example</a:t>
-            </a:r>
-            <a:r>
-              <a:rPr lang="it-IT" dirty="0"/>
-              <a:t> on the board</a:t>
-            </a:r>
-          </a:p>
-        </p:txBody>
-      </p:sp>
-      <p:sp>
-        <p:nvSpPr>
-          <p:cNvPr id="3" name="Segnaposto contenuto 2">
-            <a:extLst>
-              <a:ext uri="{FF2B5EF4-FFF2-40B4-BE49-F238E27FC236}">
-                <a16:creationId xmlns:a16="http://schemas.microsoft.com/office/drawing/2014/main" id="{E09FC782-BA9E-476B-BFA8-7EEBEC04ECBA}"/>
-              </a:ext>
-            </a:extLst>
-          </p:cNvPr>
-          <p:cNvSpPr>
-            <a:spLocks noGrp="1"/>
-          </p:cNvSpPr>
+              <a:t>Results</a:t>
+            </a:r>
+            <a:endParaRPr lang="it-IT" dirty="0"/>
+          </a:p>
+        </p:txBody>
+      </p:sp>
+      <p:pic>
+        <p:nvPicPr>
+          <p:cNvPr id="6" name="Segnaposto contenuto 5">
+            <a:extLst>
+              <a:ext uri="{FF2B5EF4-FFF2-40B4-BE49-F238E27FC236}">
+                <a16:creationId xmlns:a16="http://schemas.microsoft.com/office/drawing/2014/main" id="{298DC944-725D-65EF-42F2-889FCCD27B75}"/>
+              </a:ext>
+            </a:extLst>
+          </p:cNvPr>
+          <p:cNvPicPr>
+            <a:picLocks noGrp="1" noChangeAspect="1"/>
+          </p:cNvPicPr>
           <p:nvPr>
             <p:ph idx="1"/>
           </p:nvPr>
-        </p:nvSpPr>
-        <p:spPr/>
-        <p:txBody>
-          <a:bodyPr/>
-          <a:lstStyle/>
-          <a:p>
-            <a:endParaRPr lang="it-IT"/>
-          </a:p>
-        </p:txBody>
-      </p:sp>
+        </p:nvPicPr>
+        <p:blipFill>
+          <a:blip r:embed="rId2">
+            <a:extLst>
+              <a:ext uri="{28A0092B-C50C-407E-A947-70E740481C1C}">
+                <a14:useLocalDpi xmlns:a14="http://schemas.microsoft.com/office/drawing/2010/main" val="0"/>
+              </a:ext>
+            </a:extLst>
+          </a:blip>
+          <a:stretch>
+            <a:fillRect/>
+          </a:stretch>
+        </p:blipFill>
+        <p:spPr>
+          <a:xfrm>
+            <a:off x="4804027" y="1690688"/>
+            <a:ext cx="6549773" cy="3933037"/>
+          </a:xfrm>
+        </p:spPr>
+      </p:pic>
       <p:sp>
         <p:nvSpPr>
           <p:cNvPr id="4" name="Segnaposto numero diapositiva 3">
@@ -5598,7 +5598,7 @@
     </p:spTree>
     <p:extLst>
       <p:ext uri="{BB962C8B-B14F-4D97-AF65-F5344CB8AC3E}">
-        <p14:creationId xmlns:p14="http://schemas.microsoft.com/office/powerpoint/2010/main" val="3889518894"/>
+        <p14:creationId xmlns:p14="http://schemas.microsoft.com/office/powerpoint/2010/main" val="89715497"/>
       </p:ext>
     </p:extLst>
   </p:cSld>

--- a/Design and Development of a RAM-based PUF.pptx
+++ b/Design and Development of a RAM-based PUF.pptx
@@ -6,6 +6,9 @@
     <p:sldMasterId id="2147483674" r:id="rId2"/>
     <p:sldMasterId id="2147483687" r:id="rId3"/>
   </p:sldMasterIdLst>
+  <p:notesMasterIdLst>
+    <p:notesMasterId r:id="rId15"/>
+  </p:notesMasterIdLst>
   <p:sldIdLst>
     <p:sldId id="256" r:id="rId4"/>
     <p:sldId id="270" r:id="rId5"/>
@@ -15,10 +18,9 @@
     <p:sldId id="261" r:id="rId9"/>
     <p:sldId id="262" r:id="rId10"/>
     <p:sldId id="263" r:id="rId11"/>
-    <p:sldId id="264" r:id="rId12"/>
-    <p:sldId id="265" r:id="rId13"/>
-    <p:sldId id="268" r:id="rId14"/>
-    <p:sldId id="269" r:id="rId15"/>
+    <p:sldId id="265" r:id="rId12"/>
+    <p:sldId id="268" r:id="rId13"/>
+    <p:sldId id="269" r:id="rId14"/>
   </p:sldIdLst>
   <p:sldSz cx="12192000" cy="6858000"/>
   <p:notesSz cx="7772400" cy="10058400"/>
@@ -117,7 +119,942 @@
       </a:defRPr>
     </a:lvl9pPr>
   </p:defaultTextStyle>
+  <p:extLst>
+    <p:ext uri="{EFAFB233-063F-42B5-8137-9DF3F51BA10A}">
+      <p15:sldGuideLst xmlns:p15="http://schemas.microsoft.com/office/powerpoint/2012/main"/>
+    </p:ext>
+  </p:extLst>
 </p:presentation>
+</file>
+
+<file path=ppt/notesMasters/notesMaster1.xml><?xml version="1.0" encoding="utf-8"?>
+<p:notesMaster xmlns:a="http://schemas.openxmlformats.org/drawingml/2006/main" xmlns:r="http://schemas.openxmlformats.org/officeDocument/2006/relationships" xmlns:p="http://schemas.openxmlformats.org/presentationml/2006/main">
+  <p:cSld>
+    <p:bg>
+      <p:bgRef idx="1001">
+        <a:schemeClr val="bg1"/>
+      </p:bgRef>
+    </p:bg>
+    <p:spTree>
+      <p:nvGrpSpPr>
+        <p:cNvPr id="1" name=""/>
+        <p:cNvGrpSpPr/>
+        <p:nvPr/>
+      </p:nvGrpSpPr>
+      <p:grpSpPr>
+        <a:xfrm>
+          <a:off x="0" y="0"/>
+          <a:ext cx="0" cy="0"/>
+          <a:chOff x="0" y="0"/>
+          <a:chExt cx="0" cy="0"/>
+        </a:xfrm>
+      </p:grpSpPr>
+      <p:sp>
+        <p:nvSpPr>
+          <p:cNvPr id="2" name="Segnaposto intestazione 1"/>
+          <p:cNvSpPr>
+            <a:spLocks noGrp="1"/>
+          </p:cNvSpPr>
+          <p:nvPr>
+            <p:ph type="hdr" sz="quarter"/>
+          </p:nvPr>
+        </p:nvSpPr>
+        <p:spPr>
+          <a:xfrm>
+            <a:off x="0" y="0"/>
+            <a:ext cx="3368675" cy="504825"/>
+          </a:xfrm>
+          <a:prstGeom prst="rect">
+            <a:avLst/>
+          </a:prstGeom>
+        </p:spPr>
+        <p:txBody>
+          <a:bodyPr vert="horz" lIns="91440" tIns="45720" rIns="91440" bIns="45720" rtlCol="0"/>
+          <a:lstStyle>
+            <a:lvl1pPr algn="l">
+              <a:defRPr sz="1200"/>
+            </a:lvl1pPr>
+          </a:lstStyle>
+          <a:p>
+            <a:endParaRPr lang="it-IT"/>
+          </a:p>
+        </p:txBody>
+      </p:sp>
+      <p:sp>
+        <p:nvSpPr>
+          <p:cNvPr id="3" name="Segnaposto data 2"/>
+          <p:cNvSpPr>
+            <a:spLocks noGrp="1"/>
+          </p:cNvSpPr>
+          <p:nvPr>
+            <p:ph type="dt" idx="1"/>
+          </p:nvPr>
+        </p:nvSpPr>
+        <p:spPr>
+          <a:xfrm>
+            <a:off x="4402138" y="0"/>
+            <a:ext cx="3368675" cy="504825"/>
+          </a:xfrm>
+          <a:prstGeom prst="rect">
+            <a:avLst/>
+          </a:prstGeom>
+        </p:spPr>
+        <p:txBody>
+          <a:bodyPr vert="horz" lIns="91440" tIns="45720" rIns="91440" bIns="45720" rtlCol="0"/>
+          <a:lstStyle>
+            <a:lvl1pPr algn="r">
+              <a:defRPr sz="1200"/>
+            </a:lvl1pPr>
+          </a:lstStyle>
+          <a:p>
+            <a:fld id="{9A01D0FF-AB75-46ED-A13F-596360579D22}" type="datetimeFigureOut">
+              <a:rPr lang="it-IT" smtClean="0"/>
+              <a:t>16/09/2022</a:t>
+            </a:fld>
+            <a:endParaRPr lang="it-IT"/>
+          </a:p>
+        </p:txBody>
+      </p:sp>
+      <p:sp>
+        <p:nvSpPr>
+          <p:cNvPr id="4" name="Segnaposto immagine diapositiva 3"/>
+          <p:cNvSpPr>
+            <a:spLocks noGrp="1" noRot="1" noChangeAspect="1"/>
+          </p:cNvSpPr>
+          <p:nvPr>
+            <p:ph type="sldImg" idx="2"/>
+          </p:nvPr>
+        </p:nvSpPr>
+        <p:spPr>
+          <a:xfrm>
+            <a:off x="869950" y="1257300"/>
+            <a:ext cx="6032500" cy="3394075"/>
+          </a:xfrm>
+          <a:prstGeom prst="rect">
+            <a:avLst/>
+          </a:prstGeom>
+          <a:noFill/>
+          <a:ln w="12700">
+            <a:solidFill>
+              <a:prstClr val="black"/>
+            </a:solidFill>
+          </a:ln>
+        </p:spPr>
+        <p:txBody>
+          <a:bodyPr vert="horz" lIns="91440" tIns="45720" rIns="91440" bIns="45720" rtlCol="0" anchor="ctr"/>
+          <a:lstStyle/>
+          <a:p>
+            <a:endParaRPr lang="it-IT"/>
+          </a:p>
+        </p:txBody>
+      </p:sp>
+      <p:sp>
+        <p:nvSpPr>
+          <p:cNvPr id="5" name="Segnaposto note 4"/>
+          <p:cNvSpPr>
+            <a:spLocks noGrp="1"/>
+          </p:cNvSpPr>
+          <p:nvPr>
+            <p:ph type="body" sz="quarter" idx="3"/>
+          </p:nvPr>
+        </p:nvSpPr>
+        <p:spPr>
+          <a:xfrm>
+            <a:off x="777875" y="4840288"/>
+            <a:ext cx="6216650" cy="3960812"/>
+          </a:xfrm>
+          <a:prstGeom prst="rect">
+            <a:avLst/>
+          </a:prstGeom>
+        </p:spPr>
+        <p:txBody>
+          <a:bodyPr vert="horz" lIns="91440" tIns="45720" rIns="91440" bIns="45720" rtlCol="0"/>
+          <a:lstStyle/>
+          <a:p>
+            <a:pPr lvl="0"/>
+            <a:r>
+              <a:rPr lang="it-IT"/>
+              <a:t>Fare clic per modificare gli stili del testo dello schema</a:t>
+            </a:r>
+          </a:p>
+          <a:p>
+            <a:pPr lvl="1"/>
+            <a:r>
+              <a:rPr lang="it-IT"/>
+              <a:t>Secondo livello</a:t>
+            </a:r>
+          </a:p>
+          <a:p>
+            <a:pPr lvl="2"/>
+            <a:r>
+              <a:rPr lang="it-IT"/>
+              <a:t>Terzo livello</a:t>
+            </a:r>
+          </a:p>
+          <a:p>
+            <a:pPr lvl="3"/>
+            <a:r>
+              <a:rPr lang="it-IT"/>
+              <a:t>Quarto livello</a:t>
+            </a:r>
+          </a:p>
+          <a:p>
+            <a:pPr lvl="4"/>
+            <a:r>
+              <a:rPr lang="it-IT"/>
+              <a:t>Quinto livello</a:t>
+            </a:r>
+          </a:p>
+        </p:txBody>
+      </p:sp>
+      <p:sp>
+        <p:nvSpPr>
+          <p:cNvPr id="6" name="Segnaposto piè di pagina 5"/>
+          <p:cNvSpPr>
+            <a:spLocks noGrp="1"/>
+          </p:cNvSpPr>
+          <p:nvPr>
+            <p:ph type="ftr" sz="quarter" idx="4"/>
+          </p:nvPr>
+        </p:nvSpPr>
+        <p:spPr>
+          <a:xfrm>
+            <a:off x="0" y="9553575"/>
+            <a:ext cx="3368675" cy="504825"/>
+          </a:xfrm>
+          <a:prstGeom prst="rect">
+            <a:avLst/>
+          </a:prstGeom>
+        </p:spPr>
+        <p:txBody>
+          <a:bodyPr vert="horz" lIns="91440" tIns="45720" rIns="91440" bIns="45720" rtlCol="0" anchor="b"/>
+          <a:lstStyle>
+            <a:lvl1pPr algn="l">
+              <a:defRPr sz="1200"/>
+            </a:lvl1pPr>
+          </a:lstStyle>
+          <a:p>
+            <a:endParaRPr lang="it-IT"/>
+          </a:p>
+        </p:txBody>
+      </p:sp>
+      <p:sp>
+        <p:nvSpPr>
+          <p:cNvPr id="7" name="Segnaposto numero diapositiva 6"/>
+          <p:cNvSpPr>
+            <a:spLocks noGrp="1"/>
+          </p:cNvSpPr>
+          <p:nvPr>
+            <p:ph type="sldNum" sz="quarter" idx="5"/>
+          </p:nvPr>
+        </p:nvSpPr>
+        <p:spPr>
+          <a:xfrm>
+            <a:off x="4402138" y="9553575"/>
+            <a:ext cx="3368675" cy="504825"/>
+          </a:xfrm>
+          <a:prstGeom prst="rect">
+            <a:avLst/>
+          </a:prstGeom>
+        </p:spPr>
+        <p:txBody>
+          <a:bodyPr vert="horz" lIns="91440" tIns="45720" rIns="91440" bIns="45720" rtlCol="0" anchor="b"/>
+          <a:lstStyle>
+            <a:lvl1pPr algn="r">
+              <a:defRPr sz="1200"/>
+            </a:lvl1pPr>
+          </a:lstStyle>
+          <a:p>
+            <a:fld id="{8E4AEE2B-87B2-4881-A172-8F95A4E8133A}" type="slidenum">
+              <a:rPr lang="it-IT" smtClean="0"/>
+              <a:t>‹N›</a:t>
+            </a:fld>
+            <a:endParaRPr lang="it-IT"/>
+          </a:p>
+        </p:txBody>
+      </p:sp>
+    </p:spTree>
+    <p:extLst>
+      <p:ext uri="{BB962C8B-B14F-4D97-AF65-F5344CB8AC3E}">
+        <p14:creationId xmlns:p14="http://schemas.microsoft.com/office/powerpoint/2010/main" val="1514227963"/>
+      </p:ext>
+    </p:extLst>
+  </p:cSld>
+  <p:clrMap bg1="lt1" tx1="dk1" bg2="lt2" tx2="dk2" accent1="accent1" accent2="accent2" accent3="accent3" accent4="accent4" accent5="accent5" accent6="accent6" hlink="hlink" folHlink="folHlink"/>
+  <p:notesStyle>
+    <a:lvl1pPr marL="0" algn="l" defTabSz="914400" rtl="0" eaLnBrk="1" latinLnBrk="0" hangingPunct="1">
+      <a:defRPr sz="1200" kern="1200">
+        <a:solidFill>
+          <a:schemeClr val="tx1"/>
+        </a:solidFill>
+        <a:latin typeface="+mn-lt"/>
+        <a:ea typeface="+mn-ea"/>
+        <a:cs typeface="+mn-cs"/>
+      </a:defRPr>
+    </a:lvl1pPr>
+    <a:lvl2pPr marL="457200" algn="l" defTabSz="914400" rtl="0" eaLnBrk="1" latinLnBrk="0" hangingPunct="1">
+      <a:defRPr sz="1200" kern="1200">
+        <a:solidFill>
+          <a:schemeClr val="tx1"/>
+        </a:solidFill>
+        <a:latin typeface="+mn-lt"/>
+        <a:ea typeface="+mn-ea"/>
+        <a:cs typeface="+mn-cs"/>
+      </a:defRPr>
+    </a:lvl2pPr>
+    <a:lvl3pPr marL="914400" algn="l" defTabSz="914400" rtl="0" eaLnBrk="1" latinLnBrk="0" hangingPunct="1">
+      <a:defRPr sz="1200" kern="1200">
+        <a:solidFill>
+          <a:schemeClr val="tx1"/>
+        </a:solidFill>
+        <a:latin typeface="+mn-lt"/>
+        <a:ea typeface="+mn-ea"/>
+        <a:cs typeface="+mn-cs"/>
+      </a:defRPr>
+    </a:lvl3pPr>
+    <a:lvl4pPr marL="1371600" algn="l" defTabSz="914400" rtl="0" eaLnBrk="1" latinLnBrk="0" hangingPunct="1">
+      <a:defRPr sz="1200" kern="1200">
+        <a:solidFill>
+          <a:schemeClr val="tx1"/>
+        </a:solidFill>
+        <a:latin typeface="+mn-lt"/>
+        <a:ea typeface="+mn-ea"/>
+        <a:cs typeface="+mn-cs"/>
+      </a:defRPr>
+    </a:lvl4pPr>
+    <a:lvl5pPr marL="1828800" algn="l" defTabSz="914400" rtl="0" eaLnBrk="1" latinLnBrk="0" hangingPunct="1">
+      <a:defRPr sz="1200" kern="1200">
+        <a:solidFill>
+          <a:schemeClr val="tx1"/>
+        </a:solidFill>
+        <a:latin typeface="+mn-lt"/>
+        <a:ea typeface="+mn-ea"/>
+        <a:cs typeface="+mn-cs"/>
+      </a:defRPr>
+    </a:lvl5pPr>
+    <a:lvl6pPr marL="2286000" algn="l" defTabSz="914400" rtl="0" eaLnBrk="1" latinLnBrk="0" hangingPunct="1">
+      <a:defRPr sz="1200" kern="1200">
+        <a:solidFill>
+          <a:schemeClr val="tx1"/>
+        </a:solidFill>
+        <a:latin typeface="+mn-lt"/>
+        <a:ea typeface="+mn-ea"/>
+        <a:cs typeface="+mn-cs"/>
+      </a:defRPr>
+    </a:lvl6pPr>
+    <a:lvl7pPr marL="2743200" algn="l" defTabSz="914400" rtl="0" eaLnBrk="1" latinLnBrk="0" hangingPunct="1">
+      <a:defRPr sz="1200" kern="1200">
+        <a:solidFill>
+          <a:schemeClr val="tx1"/>
+        </a:solidFill>
+        <a:latin typeface="+mn-lt"/>
+        <a:ea typeface="+mn-ea"/>
+        <a:cs typeface="+mn-cs"/>
+      </a:defRPr>
+    </a:lvl7pPr>
+    <a:lvl8pPr marL="3200400" algn="l" defTabSz="914400" rtl="0" eaLnBrk="1" latinLnBrk="0" hangingPunct="1">
+      <a:defRPr sz="1200" kern="1200">
+        <a:solidFill>
+          <a:schemeClr val="tx1"/>
+        </a:solidFill>
+        <a:latin typeface="+mn-lt"/>
+        <a:ea typeface="+mn-ea"/>
+        <a:cs typeface="+mn-cs"/>
+      </a:defRPr>
+    </a:lvl8pPr>
+    <a:lvl9pPr marL="3657600" algn="l" defTabSz="914400" rtl="0" eaLnBrk="1" latinLnBrk="0" hangingPunct="1">
+      <a:defRPr sz="1200" kern="1200">
+        <a:solidFill>
+          <a:schemeClr val="tx1"/>
+        </a:solidFill>
+        <a:latin typeface="+mn-lt"/>
+        <a:ea typeface="+mn-ea"/>
+        <a:cs typeface="+mn-cs"/>
+      </a:defRPr>
+    </a:lvl9pPr>
+  </p:notesStyle>
+</p:notesMaster>
+</file>
+
+<file path=ppt/notesSlides/notesSlide1.xml><?xml version="1.0" encoding="utf-8"?>
+<p:notes xmlns:a="http://schemas.openxmlformats.org/drawingml/2006/main" xmlns:r="http://schemas.openxmlformats.org/officeDocument/2006/relationships" xmlns:p="http://schemas.openxmlformats.org/presentationml/2006/main">
+  <p:cSld>
+    <p:spTree>
+      <p:nvGrpSpPr>
+        <p:cNvPr id="1" name=""/>
+        <p:cNvGrpSpPr/>
+        <p:nvPr/>
+      </p:nvGrpSpPr>
+      <p:grpSpPr>
+        <a:xfrm>
+          <a:off x="0" y="0"/>
+          <a:ext cx="0" cy="0"/>
+          <a:chOff x="0" y="0"/>
+          <a:chExt cx="0" cy="0"/>
+        </a:xfrm>
+      </p:grpSpPr>
+      <p:sp>
+        <p:nvSpPr>
+          <p:cNvPr id="2" name="Segnaposto immagine diapositiva 1"/>
+          <p:cNvSpPr>
+            <a:spLocks noGrp="1" noRot="1" noChangeAspect="1"/>
+          </p:cNvSpPr>
+          <p:nvPr>
+            <p:ph type="sldImg"/>
+          </p:nvPr>
+        </p:nvSpPr>
+        <p:spPr/>
+      </p:sp>
+      <p:sp>
+        <p:nvSpPr>
+          <p:cNvPr id="3" name="Segnaposto note 2"/>
+          <p:cNvSpPr>
+            <a:spLocks noGrp="1"/>
+          </p:cNvSpPr>
+          <p:nvPr>
+            <p:ph type="body" idx="1"/>
+          </p:nvPr>
+        </p:nvSpPr>
+        <p:spPr/>
+        <p:txBody>
+          <a:bodyPr/>
+          <a:lstStyle/>
+          <a:p>
+            <a:pPr marL="457200" indent="-380880">
+              <a:lnSpc>
+                <a:spcPct val="100000"/>
+              </a:lnSpc>
+              <a:spcBef>
+                <a:spcPts val="601"/>
+              </a:spcBef>
+              <a:buClr>
+                <a:srgbClr val="CFD8DC"/>
+              </a:buClr>
+              <a:buFont typeface="Source Sans Pro"/>
+              <a:buChar char="◎"/>
+            </a:pPr>
+            <a:r>
+              <a:rPr lang="en" sz="1200" b="0" strike="noStrike" spc="-1" dirty="0">
+                <a:solidFill>
+                  <a:srgbClr val="263238"/>
+                </a:solidFill>
+                <a:latin typeface="Source Sans Pro"/>
+                <a:ea typeface="Source Sans Pro"/>
+              </a:rPr>
+              <a:t>Store SRAM content into flash memory</a:t>
+            </a:r>
+            <a:endParaRPr lang="en-US" sz="1200" b="0" strike="noStrike" spc="-1" dirty="0">
+              <a:latin typeface="Arial"/>
+            </a:endParaRPr>
+          </a:p>
+          <a:p>
+            <a:pPr marL="457200" indent="-380880">
+              <a:lnSpc>
+                <a:spcPct val="100000"/>
+              </a:lnSpc>
+              <a:buClr>
+                <a:srgbClr val="CFD8DC"/>
+              </a:buClr>
+              <a:buFont typeface="Source Sans Pro"/>
+              <a:buChar char="◎"/>
+            </a:pPr>
+            <a:r>
+              <a:rPr lang="en" sz="1200" b="0" strike="noStrike" spc="-1" dirty="0">
+                <a:solidFill>
+                  <a:srgbClr val="263238"/>
+                </a:solidFill>
+                <a:latin typeface="Source Sans Pro"/>
+                <a:ea typeface="Source Sans Pro"/>
+              </a:rPr>
+              <a:t>Access flash memory to retreive PUFs</a:t>
+            </a:r>
+            <a:endParaRPr lang="en-US" sz="1200" b="0" strike="noStrike" spc="-1" dirty="0">
+              <a:latin typeface="Arial"/>
+            </a:endParaRPr>
+          </a:p>
+          <a:p>
+            <a:pPr marL="457200" indent="-380880">
+              <a:lnSpc>
+                <a:spcPct val="100000"/>
+              </a:lnSpc>
+              <a:buClr>
+                <a:srgbClr val="CFD8DC"/>
+              </a:buClr>
+              <a:buFont typeface="Source Sans Pro"/>
+              <a:buChar char="◎"/>
+            </a:pPr>
+            <a:r>
+              <a:rPr lang="en" sz="1200" b="0" strike="noStrike" spc="-1" dirty="0">
+                <a:solidFill>
+                  <a:srgbClr val="263238"/>
+                </a:solidFill>
+                <a:latin typeface="Source Sans Pro"/>
+                <a:ea typeface="Source Sans Pro"/>
+              </a:rPr>
+              <a:t>Store PUFs in DB</a:t>
+            </a:r>
+            <a:endParaRPr lang="en-US" sz="1200" b="0" strike="noStrike" spc="-1" dirty="0">
+              <a:latin typeface="Arial"/>
+            </a:endParaRPr>
+          </a:p>
+          <a:p>
+            <a:endParaRPr lang="it-IT" dirty="0"/>
+          </a:p>
+        </p:txBody>
+      </p:sp>
+      <p:sp>
+        <p:nvSpPr>
+          <p:cNvPr id="4" name="Segnaposto numero diapositiva 3"/>
+          <p:cNvSpPr>
+            <a:spLocks noGrp="1"/>
+          </p:cNvSpPr>
+          <p:nvPr>
+            <p:ph type="sldNum" sz="quarter" idx="5"/>
+          </p:nvPr>
+        </p:nvSpPr>
+        <p:spPr/>
+        <p:txBody>
+          <a:bodyPr/>
+          <a:lstStyle/>
+          <a:p>
+            <a:fld id="{8E4AEE2B-87B2-4881-A172-8F95A4E8133A}" type="slidenum">
+              <a:rPr lang="it-IT" smtClean="0"/>
+              <a:t>7</a:t>
+            </a:fld>
+            <a:endParaRPr lang="it-IT"/>
+          </a:p>
+        </p:txBody>
+      </p:sp>
+    </p:spTree>
+    <p:extLst>
+      <p:ext uri="{BB962C8B-B14F-4D97-AF65-F5344CB8AC3E}">
+        <p14:creationId xmlns:p14="http://schemas.microsoft.com/office/powerpoint/2010/main" val="3080726650"/>
+      </p:ext>
+    </p:extLst>
+  </p:cSld>
+  <p:clrMapOvr>
+    <a:masterClrMapping/>
+  </p:clrMapOvr>
+</p:notes>
+</file>
+
+<file path=ppt/notesSlides/notesSlide2.xml><?xml version="1.0" encoding="utf-8"?>
+<p:notes xmlns:a="http://schemas.openxmlformats.org/drawingml/2006/main" xmlns:r="http://schemas.openxmlformats.org/officeDocument/2006/relationships" xmlns:p="http://schemas.openxmlformats.org/presentationml/2006/main">
+  <p:cSld>
+    <p:spTree>
+      <p:nvGrpSpPr>
+        <p:cNvPr id="1" name=""/>
+        <p:cNvGrpSpPr/>
+        <p:nvPr/>
+      </p:nvGrpSpPr>
+      <p:grpSpPr>
+        <a:xfrm>
+          <a:off x="0" y="0"/>
+          <a:ext cx="0" cy="0"/>
+          <a:chOff x="0" y="0"/>
+          <a:chExt cx="0" cy="0"/>
+        </a:xfrm>
+      </p:grpSpPr>
+      <p:sp>
+        <p:nvSpPr>
+          <p:cNvPr id="2" name="Segnaposto immagine diapositiva 1"/>
+          <p:cNvSpPr>
+            <a:spLocks noGrp="1" noRot="1" noChangeAspect="1"/>
+          </p:cNvSpPr>
+          <p:nvPr>
+            <p:ph type="sldImg"/>
+          </p:nvPr>
+        </p:nvSpPr>
+        <p:spPr/>
+      </p:sp>
+      <p:sp>
+        <p:nvSpPr>
+          <p:cNvPr id="3" name="Segnaposto note 2"/>
+          <p:cNvSpPr>
+            <a:spLocks noGrp="1"/>
+          </p:cNvSpPr>
+          <p:nvPr>
+            <p:ph type="body" idx="1"/>
+          </p:nvPr>
+        </p:nvSpPr>
+        <p:spPr/>
+        <p:txBody>
+          <a:bodyPr/>
+          <a:lstStyle/>
+          <a:p>
+            <a:pPr marL="0" marR="0" lvl="0" indent="0" algn="l" defTabSz="914400" rtl="0" eaLnBrk="1" fontAlgn="auto" latinLnBrk="0" hangingPunct="1">
+              <a:lnSpc>
+                <a:spcPct val="100000"/>
+              </a:lnSpc>
+              <a:spcBef>
+                <a:spcPts val="0"/>
+              </a:spcBef>
+              <a:spcAft>
+                <a:spcPts val="0"/>
+              </a:spcAft>
+              <a:buClrTx/>
+              <a:buSzTx/>
+              <a:buFontTx/>
+              <a:buNone/>
+              <a:tabLst/>
+              <a:defRPr/>
+            </a:pPr>
+            <a:r>
+              <a:rPr lang="en" sz="1200" b="0" strike="noStrike" spc="-1" dirty="0">
+                <a:solidFill>
+                  <a:srgbClr val="4CABE4"/>
+                </a:solidFill>
+                <a:latin typeface="Roboto Slab"/>
+                <a:ea typeface="Roboto Slab"/>
+              </a:rPr>
+              <a:t>PUF retrieval and DB initialization</a:t>
+            </a:r>
+            <a:endParaRPr lang="en-US" sz="1200" b="0" strike="noStrike" spc="-1" dirty="0">
+              <a:latin typeface="Arial"/>
+            </a:endParaRPr>
+          </a:p>
+          <a:p>
+            <a:endParaRPr lang="it-IT" dirty="0"/>
+          </a:p>
+          <a:p>
+            <a:pPr marL="457200" indent="-380880">
+              <a:lnSpc>
+                <a:spcPct val="100000"/>
+              </a:lnSpc>
+              <a:spcBef>
+                <a:spcPts val="601"/>
+              </a:spcBef>
+              <a:buClr>
+                <a:srgbClr val="CFD8DC"/>
+              </a:buClr>
+              <a:buFont typeface="Source Sans Pro"/>
+              <a:buChar char="◎"/>
+            </a:pPr>
+            <a:r>
+              <a:rPr lang="en" sz="1200" b="0" strike="noStrike" spc="-1" dirty="0">
+                <a:solidFill>
+                  <a:srgbClr val="263238"/>
+                </a:solidFill>
+                <a:latin typeface="Source Sans Pro"/>
+                <a:ea typeface="Source Sans Pro"/>
+              </a:rPr>
+              <a:t>Store SRAM content into flash memory</a:t>
+            </a:r>
+            <a:endParaRPr lang="en-US" sz="1200" b="0" strike="noStrike" spc="-1" dirty="0">
+              <a:latin typeface="Arial"/>
+            </a:endParaRPr>
+          </a:p>
+          <a:p>
+            <a:pPr marL="457200" indent="-380880">
+              <a:lnSpc>
+                <a:spcPct val="100000"/>
+              </a:lnSpc>
+              <a:buClr>
+                <a:srgbClr val="CFD8DC"/>
+              </a:buClr>
+              <a:buFont typeface="Source Sans Pro"/>
+              <a:buChar char="◎"/>
+            </a:pPr>
+            <a:r>
+              <a:rPr lang="en" sz="1200" b="0" strike="noStrike" spc="-1" dirty="0">
+                <a:solidFill>
+                  <a:srgbClr val="263238"/>
+                </a:solidFill>
+                <a:latin typeface="Source Sans Pro"/>
+                <a:ea typeface="Source Sans Pro"/>
+              </a:rPr>
+              <a:t>Access flash memory to retreive PUFs</a:t>
+            </a:r>
+            <a:endParaRPr lang="en-US" sz="1200" b="0" strike="noStrike" spc="-1" dirty="0">
+              <a:latin typeface="Arial"/>
+            </a:endParaRPr>
+          </a:p>
+          <a:p>
+            <a:pPr marL="457200" indent="-380880">
+              <a:lnSpc>
+                <a:spcPct val="100000"/>
+              </a:lnSpc>
+              <a:buClr>
+                <a:srgbClr val="CFD8DC"/>
+              </a:buClr>
+              <a:buFont typeface="Source Sans Pro"/>
+              <a:buChar char="◎"/>
+            </a:pPr>
+            <a:r>
+              <a:rPr lang="en" sz="1200" b="0" strike="noStrike" spc="-1" dirty="0">
+                <a:solidFill>
+                  <a:srgbClr val="263238"/>
+                </a:solidFill>
+                <a:latin typeface="Source Sans Pro"/>
+                <a:ea typeface="Source Sans Pro"/>
+              </a:rPr>
+              <a:t>Store PUFs in DB</a:t>
+            </a:r>
+            <a:endParaRPr lang="en-US" sz="1200" b="0" strike="noStrike" spc="-1" dirty="0">
+              <a:latin typeface="Arial"/>
+            </a:endParaRPr>
+          </a:p>
+          <a:p>
+            <a:endParaRPr lang="it-IT" dirty="0"/>
+          </a:p>
+        </p:txBody>
+      </p:sp>
+      <p:sp>
+        <p:nvSpPr>
+          <p:cNvPr id="4" name="Segnaposto numero diapositiva 3"/>
+          <p:cNvSpPr>
+            <a:spLocks noGrp="1"/>
+          </p:cNvSpPr>
+          <p:nvPr>
+            <p:ph type="sldNum" sz="quarter" idx="5"/>
+          </p:nvPr>
+        </p:nvSpPr>
+        <p:spPr/>
+        <p:txBody>
+          <a:bodyPr/>
+          <a:lstStyle/>
+          <a:p>
+            <a:fld id="{8E4AEE2B-87B2-4881-A172-8F95A4E8133A}" type="slidenum">
+              <a:rPr lang="it-IT" smtClean="0"/>
+              <a:t>8</a:t>
+            </a:fld>
+            <a:endParaRPr lang="it-IT"/>
+          </a:p>
+        </p:txBody>
+      </p:sp>
+    </p:spTree>
+    <p:extLst>
+      <p:ext uri="{BB962C8B-B14F-4D97-AF65-F5344CB8AC3E}">
+        <p14:creationId xmlns:p14="http://schemas.microsoft.com/office/powerpoint/2010/main" val="2915620886"/>
+      </p:ext>
+    </p:extLst>
+  </p:cSld>
+  <p:clrMapOvr>
+    <a:masterClrMapping/>
+  </p:clrMapOvr>
+</p:notes>
+</file>
+
+<file path=ppt/notesSlides/notesSlide3.xml><?xml version="1.0" encoding="utf-8"?>
+<p:notes xmlns:a="http://schemas.openxmlformats.org/drawingml/2006/main" xmlns:r="http://schemas.openxmlformats.org/officeDocument/2006/relationships" xmlns:p="http://schemas.openxmlformats.org/presentationml/2006/main">
+  <p:cSld>
+    <p:spTree>
+      <p:nvGrpSpPr>
+        <p:cNvPr id="1" name=""/>
+        <p:cNvGrpSpPr/>
+        <p:nvPr/>
+      </p:nvGrpSpPr>
+      <p:grpSpPr>
+        <a:xfrm>
+          <a:off x="0" y="0"/>
+          <a:ext cx="0" cy="0"/>
+          <a:chOff x="0" y="0"/>
+          <a:chExt cx="0" cy="0"/>
+        </a:xfrm>
+      </p:grpSpPr>
+      <p:sp>
+        <p:nvSpPr>
+          <p:cNvPr id="2" name="Segnaposto immagine diapositiva 1"/>
+          <p:cNvSpPr>
+            <a:spLocks noGrp="1" noRot="1" noChangeAspect="1"/>
+          </p:cNvSpPr>
+          <p:nvPr>
+            <p:ph type="sldImg"/>
+          </p:nvPr>
+        </p:nvSpPr>
+        <p:spPr/>
+      </p:sp>
+      <p:sp>
+        <p:nvSpPr>
+          <p:cNvPr id="3" name="Segnaposto note 2"/>
+          <p:cNvSpPr>
+            <a:spLocks noGrp="1"/>
+          </p:cNvSpPr>
+          <p:nvPr>
+            <p:ph type="body" idx="1"/>
+          </p:nvPr>
+        </p:nvSpPr>
+        <p:spPr/>
+        <p:txBody>
+          <a:bodyPr/>
+          <a:lstStyle/>
+          <a:p>
+            <a:pPr marL="76320" marR="0" lvl="0" indent="0" algn="l" defTabSz="914400" rtl="0" eaLnBrk="1" fontAlgn="auto" latinLnBrk="0" hangingPunct="1">
+              <a:lnSpc>
+                <a:spcPct val="100000"/>
+              </a:lnSpc>
+              <a:spcBef>
+                <a:spcPts val="601"/>
+              </a:spcBef>
+              <a:spcAft>
+                <a:spcPts val="0"/>
+              </a:spcAft>
+              <a:buClr>
+                <a:srgbClr val="CFD8DC"/>
+              </a:buClr>
+              <a:buSzTx/>
+              <a:buFont typeface="Source Sans Pro"/>
+              <a:buNone/>
+              <a:tabLst/>
+              <a:defRPr/>
+            </a:pPr>
+            <a:r>
+              <a:rPr lang="en" sz="1200" b="0" strike="noStrike" spc="-1" dirty="0">
+                <a:solidFill>
+                  <a:srgbClr val="4CABE4"/>
+                </a:solidFill>
+                <a:latin typeface="Roboto Slab"/>
+                <a:ea typeface="Roboto Slab"/>
+              </a:rPr>
+              <a:t>Application of a challenge and verification of device authenticity</a:t>
+            </a:r>
+            <a:endParaRPr lang="en" sz="1200" b="0" strike="noStrike" spc="-1" dirty="0">
+              <a:solidFill>
+                <a:srgbClr val="263238"/>
+              </a:solidFill>
+              <a:latin typeface="Source Sans Pro"/>
+              <a:ea typeface="Source Sans Pro"/>
+            </a:endParaRPr>
+          </a:p>
+          <a:p>
+            <a:pPr marL="457200" indent="-380880">
+              <a:lnSpc>
+                <a:spcPct val="100000"/>
+              </a:lnSpc>
+              <a:spcBef>
+                <a:spcPts val="601"/>
+              </a:spcBef>
+              <a:buClr>
+                <a:srgbClr val="CFD8DC"/>
+              </a:buClr>
+              <a:buFont typeface="Source Sans Pro"/>
+              <a:buChar char="◎"/>
+            </a:pPr>
+            <a:endParaRPr lang="en" sz="1200" b="0" strike="noStrike" spc="-1" dirty="0">
+              <a:solidFill>
+                <a:srgbClr val="263238"/>
+              </a:solidFill>
+              <a:latin typeface="Source Sans Pro"/>
+              <a:ea typeface="Source Sans Pro"/>
+            </a:endParaRPr>
+          </a:p>
+          <a:p>
+            <a:pPr marL="457200" indent="-380880">
+              <a:lnSpc>
+                <a:spcPct val="100000"/>
+              </a:lnSpc>
+              <a:spcBef>
+                <a:spcPts val="601"/>
+              </a:spcBef>
+              <a:buClr>
+                <a:srgbClr val="CFD8DC"/>
+              </a:buClr>
+              <a:buFont typeface="Source Sans Pro"/>
+              <a:buChar char="◎"/>
+            </a:pPr>
+            <a:r>
+              <a:rPr lang="en" sz="1200" b="0" strike="noStrike" spc="-1" dirty="0">
+                <a:solidFill>
+                  <a:srgbClr val="263238"/>
+                </a:solidFill>
+                <a:latin typeface="Source Sans Pro"/>
+                <a:ea typeface="Source Sans Pro"/>
+              </a:rPr>
+              <a:t>Apply challenge to DB and board</a:t>
+            </a:r>
+            <a:endParaRPr lang="en-US" sz="1200" b="0" strike="noStrike" spc="-1" dirty="0">
+              <a:latin typeface="Arial"/>
+            </a:endParaRPr>
+          </a:p>
+          <a:p>
+            <a:pPr marL="457200" indent="-380880">
+              <a:lnSpc>
+                <a:spcPct val="100000"/>
+              </a:lnSpc>
+              <a:buClr>
+                <a:srgbClr val="CFD8DC"/>
+              </a:buClr>
+              <a:buFont typeface="Source Sans Pro"/>
+              <a:buChar char="◎"/>
+            </a:pPr>
+            <a:r>
+              <a:rPr lang="en" sz="1200" b="0" strike="noStrike" spc="-1" dirty="0">
+                <a:solidFill>
+                  <a:srgbClr val="263238"/>
+                </a:solidFill>
+                <a:latin typeface="Source Sans Pro"/>
+                <a:ea typeface="Source Sans Pro"/>
+              </a:rPr>
+              <a:t>Retreive board response</a:t>
+            </a:r>
+            <a:endParaRPr lang="en-US" sz="1200" b="0" strike="noStrike" spc="-1" dirty="0">
+              <a:latin typeface="Arial"/>
+            </a:endParaRPr>
+          </a:p>
+          <a:p>
+            <a:pPr marL="457200" indent="-380880">
+              <a:lnSpc>
+                <a:spcPct val="100000"/>
+              </a:lnSpc>
+              <a:buClr>
+                <a:srgbClr val="CFD8DC"/>
+              </a:buClr>
+              <a:buFont typeface="Source Sans Pro"/>
+              <a:buChar char="◎"/>
+            </a:pPr>
+            <a:r>
+              <a:rPr lang="en" sz="1200" b="0" strike="noStrike" spc="-1" dirty="0">
+                <a:solidFill>
+                  <a:srgbClr val="263238"/>
+                </a:solidFill>
+                <a:latin typeface="Source Sans Pro"/>
+                <a:ea typeface="Source Sans Pro"/>
+              </a:rPr>
+              <a:t>Perform response matching</a:t>
+            </a:r>
+            <a:endParaRPr lang="en-US" sz="1200" b="0" strike="noStrike" spc="-1" dirty="0">
+              <a:latin typeface="Arial"/>
+            </a:endParaRPr>
+          </a:p>
+          <a:p>
+            <a:endParaRPr lang="it-IT" dirty="0"/>
+          </a:p>
+        </p:txBody>
+      </p:sp>
+      <p:sp>
+        <p:nvSpPr>
+          <p:cNvPr id="4" name="Segnaposto numero diapositiva 3"/>
+          <p:cNvSpPr>
+            <a:spLocks noGrp="1"/>
+          </p:cNvSpPr>
+          <p:nvPr>
+            <p:ph type="sldNum" sz="quarter" idx="5"/>
+          </p:nvPr>
+        </p:nvSpPr>
+        <p:spPr/>
+        <p:txBody>
+          <a:bodyPr/>
+          <a:lstStyle/>
+          <a:p>
+            <a:fld id="{8E4AEE2B-87B2-4881-A172-8F95A4E8133A}" type="slidenum">
+              <a:rPr lang="it-IT" smtClean="0"/>
+              <a:t>9</a:t>
+            </a:fld>
+            <a:endParaRPr lang="it-IT"/>
+          </a:p>
+        </p:txBody>
+      </p:sp>
+    </p:spTree>
+    <p:extLst>
+      <p:ext uri="{BB962C8B-B14F-4D97-AF65-F5344CB8AC3E}">
+        <p14:creationId xmlns:p14="http://schemas.microsoft.com/office/powerpoint/2010/main" val="3680036034"/>
+      </p:ext>
+    </p:extLst>
+  </p:cSld>
+  <p:clrMapOvr>
+    <a:masterClrMapping/>
+  </p:clrMapOvr>
+</p:notes>
 </file>
 
 <file path=ppt/slideLayouts/slideLayout1.xml><?xml version="1.0" encoding="utf-8"?>
@@ -8229,294 +9166,6 @@
       </p:grpSpPr>
       <p:sp>
         <p:nvSpPr>
-          <p:cNvPr id="192" name="PlaceHolder 1"/>
-          <p:cNvSpPr>
-            <a:spLocks noGrp="1"/>
-          </p:cNvSpPr>
-          <p:nvPr>
-            <p:ph/>
-          </p:nvPr>
-        </p:nvSpPr>
-        <p:spPr>
-          <a:xfrm>
-            <a:off x="1048320" y="1852200"/>
-            <a:ext cx="3980520" cy="1769040"/>
-          </a:xfrm>
-          <a:prstGeom prst="rect">
-            <a:avLst/>
-          </a:prstGeom>
-          <a:noFill/>
-          <a:ln w="0">
-            <a:noFill/>
-          </a:ln>
-        </p:spPr>
-        <p:txBody>
-          <a:bodyPr lIns="0" tIns="91440" rIns="0" bIns="91440" anchor="t">
-            <a:noAutofit/>
-          </a:bodyPr>
-          <a:lstStyle/>
-          <a:p>
-            <a:pPr>
-              <a:lnSpc>
-                <a:spcPct val="100000"/>
-              </a:lnSpc>
-              <a:spcBef>
-                <a:spcPts val="601"/>
-              </a:spcBef>
-              <a:buNone/>
-              <a:tabLst>
-                <a:tab pos="0" algn="l"/>
-              </a:tabLst>
-            </a:pPr>
-            <a:r>
-              <a:rPr lang="en" sz="2000" b="1" u="sng" strike="noStrike" spc="-1">
-                <a:solidFill>
-                  <a:srgbClr val="263238"/>
-                </a:solidFill>
-                <a:uFillTx/>
-                <a:latin typeface="Source Sans Pro"/>
-                <a:ea typeface="Source Sans Pro"/>
-              </a:rPr>
-              <a:t>Host</a:t>
-            </a:r>
-            <a:endParaRPr lang="en-US" sz="2000" b="0" strike="noStrike" spc="-1">
-              <a:latin typeface="Arial"/>
-            </a:endParaRPr>
-          </a:p>
-          <a:p>
-            <a:pPr marL="432000" indent="-324000">
-              <a:lnSpc>
-                <a:spcPct val="100000"/>
-              </a:lnSpc>
-              <a:spcBef>
-                <a:spcPts val="601"/>
-              </a:spcBef>
-              <a:buClr>
-                <a:srgbClr val="263238"/>
-              </a:buClr>
-              <a:buFont typeface="Symbol"/>
-              <a:buChar char=""/>
-              <a:tabLst>
-                <a:tab pos="0" algn="l"/>
-              </a:tabLst>
-            </a:pPr>
-            <a:r>
-              <a:rPr lang="en" sz="2000" b="0" strike="noStrike" spc="-1">
-                <a:solidFill>
-                  <a:srgbClr val="263238"/>
-                </a:solidFill>
-                <a:latin typeface="Source Sans Pro"/>
-                <a:ea typeface="Source Sans Pro"/>
-              </a:rPr>
-              <a:t>Generate challenge</a:t>
-            </a:r>
-            <a:endParaRPr lang="en-US" sz="2000" b="0" strike="noStrike" spc="-1">
-              <a:latin typeface="Arial"/>
-            </a:endParaRPr>
-          </a:p>
-          <a:p>
-            <a:pPr marL="432000" indent="-324000">
-              <a:lnSpc>
-                <a:spcPct val="100000"/>
-              </a:lnSpc>
-              <a:spcBef>
-                <a:spcPts val="601"/>
-              </a:spcBef>
-              <a:buClr>
-                <a:srgbClr val="263238"/>
-              </a:buClr>
-              <a:buFont typeface="Symbol"/>
-              <a:buChar char=""/>
-              <a:tabLst>
-                <a:tab pos="0" algn="l"/>
-              </a:tabLst>
-            </a:pPr>
-            <a:r>
-              <a:rPr lang="en" sz="2000" b="0" strike="noStrike" spc="-1">
-                <a:solidFill>
-                  <a:srgbClr val="263238"/>
-                </a:solidFill>
-                <a:latin typeface="Source Sans Pro"/>
-                <a:ea typeface="Source Sans Pro"/>
-              </a:rPr>
-              <a:t>Send challenge to Board and DB</a:t>
-            </a:r>
-            <a:endParaRPr lang="en-US" sz="2000" b="0" strike="noStrike" spc="-1">
-              <a:latin typeface="Arial"/>
-            </a:endParaRPr>
-          </a:p>
-          <a:p>
-            <a:pPr marL="432000" indent="-324000">
-              <a:lnSpc>
-                <a:spcPct val="100000"/>
-              </a:lnSpc>
-              <a:spcBef>
-                <a:spcPts val="601"/>
-              </a:spcBef>
-              <a:buClr>
-                <a:srgbClr val="263238"/>
-              </a:buClr>
-              <a:buFont typeface="Symbol"/>
-              <a:buChar char=""/>
-              <a:tabLst>
-                <a:tab pos="0" algn="l"/>
-              </a:tabLst>
-            </a:pPr>
-            <a:r>
-              <a:rPr lang="en" sz="2000" b="0" strike="noStrike" spc="-1">
-                <a:solidFill>
-                  <a:srgbClr val="263238"/>
-                </a:solidFill>
-                <a:latin typeface="Source Sans Pro"/>
-                <a:ea typeface="Source Sans Pro"/>
-              </a:rPr>
-              <a:t>Compare responses (Hamming)</a:t>
-            </a:r>
-            <a:endParaRPr lang="en-US" sz="2000" b="0" strike="noStrike" spc="-1">
-              <a:latin typeface="Arial"/>
-            </a:endParaRPr>
-          </a:p>
-        </p:txBody>
-      </p:sp>
-      <p:sp>
-        <p:nvSpPr>
-          <p:cNvPr id="193" name="PlaceHolder 2"/>
-          <p:cNvSpPr>
-            <a:spLocks noGrp="1"/>
-          </p:cNvSpPr>
-          <p:nvPr>
-            <p:ph/>
-          </p:nvPr>
-        </p:nvSpPr>
-        <p:spPr>
-          <a:xfrm>
-            <a:off x="1045080" y="3492720"/>
-            <a:ext cx="2383560" cy="1307520"/>
-          </a:xfrm>
-          <a:prstGeom prst="rect">
-            <a:avLst/>
-          </a:prstGeom>
-          <a:noFill/>
-          <a:ln w="0">
-            <a:noFill/>
-          </a:ln>
-        </p:spPr>
-        <p:txBody>
-          <a:bodyPr lIns="0" tIns="91440" rIns="0" bIns="91440" anchor="t">
-            <a:noAutofit/>
-          </a:bodyPr>
-          <a:lstStyle/>
-          <a:p>
-            <a:pPr>
-              <a:lnSpc>
-                <a:spcPct val="100000"/>
-              </a:lnSpc>
-              <a:spcBef>
-                <a:spcPts val="601"/>
-              </a:spcBef>
-              <a:buNone/>
-              <a:tabLst>
-                <a:tab pos="0" algn="l"/>
-              </a:tabLst>
-            </a:pPr>
-            <a:r>
-              <a:rPr lang="en" sz="2000" b="1" u="sng" strike="noStrike" spc="-1">
-                <a:solidFill>
-                  <a:srgbClr val="263238"/>
-                </a:solidFill>
-                <a:uFillTx/>
-                <a:latin typeface="Source Sans Pro"/>
-                <a:ea typeface="Source Sans Pro"/>
-              </a:rPr>
-              <a:t>Device</a:t>
-            </a:r>
-            <a:endParaRPr lang="en-US" sz="2000" b="0" strike="noStrike" spc="-1">
-              <a:latin typeface="Arial"/>
-            </a:endParaRPr>
-          </a:p>
-          <a:p>
-            <a:pPr marL="432000" indent="-324000">
-              <a:lnSpc>
-                <a:spcPct val="100000"/>
-              </a:lnSpc>
-              <a:spcBef>
-                <a:spcPts val="601"/>
-              </a:spcBef>
-              <a:buClr>
-                <a:srgbClr val="263238"/>
-              </a:buClr>
-              <a:buFont typeface="Symbol"/>
-              <a:buChar char=""/>
-              <a:tabLst>
-                <a:tab pos="0" algn="l"/>
-              </a:tabLst>
-            </a:pPr>
-            <a:r>
-              <a:rPr lang="en" sz="2000" b="0" strike="noStrike" spc="-1">
-                <a:solidFill>
-                  <a:srgbClr val="263238"/>
-                </a:solidFill>
-                <a:latin typeface="Source Sans Pro"/>
-                <a:ea typeface="Source Sans Pro"/>
-              </a:rPr>
-              <a:t>Receive challenge</a:t>
-            </a:r>
-            <a:endParaRPr lang="en-US" sz="2000" b="0" strike="noStrike" spc="-1">
-              <a:latin typeface="Arial"/>
-            </a:endParaRPr>
-          </a:p>
-          <a:p>
-            <a:pPr marL="432000" indent="-324000">
-              <a:lnSpc>
-                <a:spcPct val="100000"/>
-              </a:lnSpc>
-              <a:spcBef>
-                <a:spcPts val="601"/>
-              </a:spcBef>
-              <a:buClr>
-                <a:srgbClr val="263238"/>
-              </a:buClr>
-              <a:buFont typeface="Symbol"/>
-              <a:buChar char=""/>
-              <a:tabLst>
-                <a:tab pos="0" algn="l"/>
-              </a:tabLst>
-            </a:pPr>
-            <a:r>
-              <a:rPr lang="en" sz="2000" b="0" strike="noStrike" spc="-1">
-                <a:solidFill>
-                  <a:srgbClr val="263238"/>
-                </a:solidFill>
-                <a:latin typeface="Source Sans Pro"/>
-                <a:ea typeface="Source Sans Pro"/>
-              </a:rPr>
-              <a:t>Send response</a:t>
-            </a:r>
-            <a:endParaRPr lang="en-US" sz="2000" b="0" strike="noStrike" spc="-1">
-              <a:latin typeface="Arial"/>
-            </a:endParaRPr>
-          </a:p>
-          <a:p>
-            <a:pPr>
-              <a:lnSpc>
-                <a:spcPct val="100000"/>
-              </a:lnSpc>
-              <a:spcBef>
-                <a:spcPts val="601"/>
-              </a:spcBef>
-              <a:buNone/>
-              <a:tabLst>
-                <a:tab pos="0" algn="l"/>
-              </a:tabLst>
-            </a:pPr>
-            <a:endParaRPr lang="en-US" sz="2000" b="0" strike="noStrike" spc="-1">
-              <a:latin typeface="Arial"/>
-            </a:endParaRPr>
-          </a:p>
-        </p:txBody>
-      </p:sp>
-      <p:sp>
-        <p:nvSpPr>
           <p:cNvPr id="194" name="PlaceHolder 3"/>
           <p:cNvSpPr>
             <a:spLocks noGrp="1"/>
@@ -8579,280 +9228,6 @@
                 <a:ea typeface="Source Sans Pro"/>
               </a:rPr>
               <a:t>10</a:t>
-            </a:fld>
-            <a:endParaRPr lang="en-US" sz="1300" b="0" strike="noStrike" spc="-1">
-              <a:latin typeface="Times New Roman"/>
-            </a:endParaRPr>
-          </a:p>
-        </p:txBody>
-      </p:sp>
-      <p:sp>
-        <p:nvSpPr>
-          <p:cNvPr id="195" name="PlaceHolder 21"/>
-          <p:cNvSpPr/>
-          <p:nvPr/>
-        </p:nvSpPr>
-        <p:spPr>
-          <a:xfrm>
-            <a:off x="1048680" y="410400"/>
-            <a:ext cx="10093680" cy="934920"/>
-          </a:xfrm>
-          <a:prstGeom prst="rect">
-            <a:avLst/>
-          </a:prstGeom>
-          <a:noFill/>
-          <a:ln w="0">
-            <a:noFill/>
-          </a:ln>
-        </p:spPr>
-        <p:style>
-          <a:lnRef idx="0">
-            <a:scrgbClr r="0" g="0" b="0"/>
-          </a:lnRef>
-          <a:fillRef idx="0">
-            <a:scrgbClr r="0" g="0" b="0"/>
-          </a:fillRef>
-          <a:effectRef idx="0">
-            <a:scrgbClr r="0" g="0" b="0"/>
-          </a:effectRef>
-          <a:fontRef idx="minor"/>
-        </p:style>
-        <p:txBody>
-          <a:bodyPr lIns="0" tIns="91440" rIns="0" bIns="91440" anchor="b">
-            <a:noAutofit/>
-          </a:bodyPr>
-          <a:lstStyle/>
-          <a:p>
-            <a:pPr>
-              <a:lnSpc>
-                <a:spcPct val="100000"/>
-              </a:lnSpc>
-              <a:buNone/>
-              <a:tabLst>
-                <a:tab pos="0" algn="l"/>
-              </a:tabLst>
-            </a:pPr>
-            <a:r>
-              <a:rPr lang="en" sz="2600" b="0" strike="noStrike" spc="-1">
-                <a:solidFill>
-                  <a:srgbClr val="4CABE4"/>
-                </a:solidFill>
-                <a:latin typeface="Roboto Slab"/>
-                <a:ea typeface="Roboto Slab"/>
-              </a:rPr>
-              <a:t>Task partitioning</a:t>
-            </a:r>
-            <a:endParaRPr lang="en-US" sz="2600" b="0" strike="noStrike" spc="-1">
-              <a:latin typeface="Arial"/>
-            </a:endParaRPr>
-          </a:p>
-        </p:txBody>
-      </p:sp>
-      <p:pic>
-        <p:nvPicPr>
-          <p:cNvPr id="196" name="Immagine 7"/>
-          <p:cNvPicPr/>
-          <p:nvPr/>
-        </p:nvPicPr>
-        <p:blipFill>
-          <a:blip r:embed="rId2"/>
-          <a:stretch/>
-        </p:blipFill>
-        <p:spPr>
-          <a:xfrm>
-            <a:off x="6629760" y="1423080"/>
-            <a:ext cx="2898720" cy="4200840"/>
-          </a:xfrm>
-          <a:prstGeom prst="rect">
-            <a:avLst/>
-          </a:prstGeom>
-          <a:ln w="0">
-            <a:noFill/>
-          </a:ln>
-        </p:spPr>
-      </p:pic>
-      <p:pic>
-        <p:nvPicPr>
-          <p:cNvPr id="197" name="Immagine 1"/>
-          <p:cNvPicPr/>
-          <p:nvPr/>
-        </p:nvPicPr>
-        <p:blipFill>
-          <a:blip r:embed="rId2"/>
-          <a:stretch/>
-        </p:blipFill>
-        <p:spPr>
-          <a:xfrm>
-            <a:off x="6557760" y="1354320"/>
-            <a:ext cx="2971080" cy="4305600"/>
-          </a:xfrm>
-          <a:prstGeom prst="rect">
-            <a:avLst/>
-          </a:prstGeom>
-          <a:ln w="0">
-            <a:noFill/>
-          </a:ln>
-        </p:spPr>
-      </p:pic>
-      <p:sp>
-        <p:nvSpPr>
-          <p:cNvPr id="198" name="Rettangolo 197"/>
-          <p:cNvSpPr/>
-          <p:nvPr/>
-        </p:nvSpPr>
-        <p:spPr>
-          <a:xfrm>
-            <a:off x="7543800" y="1371600"/>
-            <a:ext cx="1371240" cy="456840"/>
-          </a:xfrm>
-          <a:prstGeom prst="rect">
-            <a:avLst/>
-          </a:prstGeom>
-          <a:solidFill>
-            <a:srgbClr val="FFFFFF"/>
-          </a:solidFill>
-          <a:ln w="0">
-            <a:solidFill>
-              <a:srgbClr val="FFFFFF"/>
-            </a:solidFill>
-          </a:ln>
-        </p:spPr>
-        <p:style>
-          <a:lnRef idx="0">
-            <a:scrgbClr r="0" g="0" b="0"/>
-          </a:lnRef>
-          <a:fillRef idx="0">
-            <a:scrgbClr r="0" g="0" b="0"/>
-          </a:fillRef>
-          <a:effectRef idx="0">
-            <a:scrgbClr r="0" g="0" b="0"/>
-          </a:effectRef>
-          <a:fontRef idx="minor"/>
-        </p:style>
-      </p:sp>
-      <p:sp>
-        <p:nvSpPr>
-          <p:cNvPr id="199" name="Connettore diritto 198"/>
-          <p:cNvSpPr/>
-          <p:nvPr/>
-        </p:nvSpPr>
-        <p:spPr>
-          <a:xfrm>
-            <a:off x="1035000" y="1371600"/>
-            <a:ext cx="5594760" cy="0"/>
-          </a:xfrm>
-          <a:prstGeom prst="line">
-            <a:avLst/>
-          </a:prstGeom>
-          <a:ln w="19080">
-            <a:solidFill>
-              <a:srgbClr val="4CABE4"/>
-            </a:solidFill>
-            <a:round/>
-          </a:ln>
-        </p:spPr>
-        <p:style>
-          <a:lnRef idx="0">
-            <a:scrgbClr r="0" g="0" b="0"/>
-          </a:lnRef>
-          <a:fillRef idx="0">
-            <a:scrgbClr r="0" g="0" b="0"/>
-          </a:fillRef>
-          <a:effectRef idx="0">
-            <a:scrgbClr r="0" g="0" b="0"/>
-          </a:effectRef>
-          <a:fontRef idx="minor"/>
-        </p:style>
-      </p:sp>
-    </p:spTree>
-  </p:cSld>
-  <p:clrMapOvr>
-    <a:masterClrMapping/>
-  </p:clrMapOvr>
-</p:sld>
-</file>
-
-<file path=ppt/slides/slide11.xml><?xml version="1.0" encoding="utf-8"?>
-<p:sld xmlns:a="http://schemas.openxmlformats.org/drawingml/2006/main" xmlns:r="http://schemas.openxmlformats.org/officeDocument/2006/relationships" xmlns:p="http://schemas.openxmlformats.org/presentationml/2006/main">
-  <p:cSld>
-    <p:spTree>
-      <p:nvGrpSpPr>
-        <p:cNvPr id="1" name=""/>
-        <p:cNvGrpSpPr/>
-        <p:nvPr/>
-      </p:nvGrpSpPr>
-      <p:grpSpPr>
-        <a:xfrm>
-          <a:off x="0" y="0"/>
-          <a:ext cx="0" cy="0"/>
-          <a:chOff x="0" y="0"/>
-          <a:chExt cx="0" cy="0"/>
-        </a:xfrm>
-      </p:grpSpPr>
-      <p:sp>
-        <p:nvSpPr>
-          <p:cNvPr id="194" name="PlaceHolder 3"/>
-          <p:cNvSpPr>
-            <a:spLocks noGrp="1"/>
-          </p:cNvSpPr>
-          <p:nvPr>
-            <p:ph type="sldNum" idx="9"/>
-          </p:nvPr>
-        </p:nvSpPr>
-        <p:spPr>
-          <a:xfrm>
-            <a:off x="11206080" y="6332760"/>
-            <a:ext cx="729360" cy="522360"/>
-          </a:xfrm>
-          <a:prstGeom prst="rect">
-            <a:avLst/>
-          </a:prstGeom>
-          <a:noFill/>
-          <a:ln w="0">
-            <a:noFill/>
-          </a:ln>
-        </p:spPr>
-        <p:txBody>
-          <a:bodyPr lIns="90000" tIns="91440" rIns="90000" bIns="91440" anchor="t">
-            <a:noAutofit/>
-          </a:bodyPr>
-          <a:lstStyle>
-            <a:lvl1pPr algn="r">
-              <a:lnSpc>
-                <a:spcPct val="100000"/>
-              </a:lnSpc>
-              <a:buNone/>
-              <a:tabLst>
-                <a:tab pos="0" algn="l"/>
-              </a:tabLst>
-              <a:defRPr lang="en" sz="1300" b="1" strike="noStrike" spc="-1">
-                <a:solidFill>
-                  <a:srgbClr val="0091EA"/>
-                </a:solidFill>
-                <a:latin typeface="Source Sans Pro"/>
-                <a:ea typeface="Source Sans Pro"/>
-              </a:defRPr>
-            </a:lvl1pPr>
-          </a:lstStyle>
-          <a:p>
-            <a:pPr algn="r">
-              <a:lnSpc>
-                <a:spcPct val="100000"/>
-              </a:lnSpc>
-              <a:buNone/>
-              <a:tabLst>
-                <a:tab pos="0" algn="l"/>
-              </a:tabLst>
-            </a:pPr>
-            <a:fld id="{9C71700A-165F-47B8-8F80-15EFBB7C0422}" type="slidenum">
-              <a:rPr lang="en" sz="1300" b="1" strike="noStrike" spc="-1">
-                <a:solidFill>
-                  <a:srgbClr val="0091EA"/>
-                </a:solidFill>
-                <a:latin typeface="Source Sans Pro"/>
-                <a:ea typeface="Source Sans Pro"/>
-              </a:rPr>
-              <a:t>11</a:t>
             </a:fld>
             <a:endParaRPr lang="en-US" sz="1300" b="0" strike="noStrike" spc="-1">
               <a:latin typeface="Times New Roman"/>
@@ -8984,7 +9359,7 @@
         </p:blipFill>
         <p:spPr>
           <a:xfrm>
-            <a:off x="1048680" y="1880259"/>
+            <a:off x="1555307" y="1793762"/>
             <a:ext cx="6005387" cy="3606141"/>
           </a:xfrm>
           <a:prstGeom prst="rect">
@@ -9005,7 +9380,7 @@
 </p:sld>
 </file>
 
-<file path=ppt/slides/slide12.xml><?xml version="1.0" encoding="utf-8"?>
+<file path=ppt/slides/slide11.xml><?xml version="1.0" encoding="utf-8"?>
 <p:sld xmlns:a="http://schemas.openxmlformats.org/drawingml/2006/main" xmlns:r="http://schemas.openxmlformats.org/officeDocument/2006/relationships" xmlns:p="http://schemas.openxmlformats.org/presentationml/2006/main">
   <p:cSld>
     <p:spTree>
@@ -9139,7 +9514,7 @@
                 <a:latin typeface="Source Sans Pro"/>
                 <a:ea typeface="Source Sans Pro"/>
               </a:rPr>
-              <a:t>12</a:t>
+              <a:t>11</a:t>
             </a:fld>
             <a:endParaRPr lang="en-US" sz="1300" b="0" strike="noStrike" spc="-1">
               <a:latin typeface="Times New Roman"/>
@@ -10213,7 +10588,7 @@
         </p:nvSpPr>
         <p:spPr>
           <a:xfrm>
-            <a:off x="1048320" y="411120"/>
+            <a:off x="1048320" y="374050"/>
             <a:ext cx="10093680" cy="934920"/>
           </a:xfrm>
           <a:prstGeom prst="rect">
@@ -10252,16 +10627,16 @@
               </a:tabLst>
             </a:pPr>
             <a:r>
-              <a:rPr lang="en" sz="2600" b="0" strike="noStrike" spc="-1">
+              <a:rPr lang="en" sz="2600" b="0" strike="noStrike" spc="-1" dirty="0">
                 <a:solidFill>
                   <a:srgbClr val="4CABE4"/>
                 </a:solidFill>
                 <a:latin typeface="Roboto Slab"/>
                 <a:ea typeface="Roboto Slab"/>
               </a:rPr>
-              <a:t>PUF retrieval and DB initialization</a:t>
+              <a:t>Implementation</a:t>
             </a:r>
-            <a:endParaRPr lang="en-US" sz="2600" b="0" strike="noStrike" spc="-1">
+            <a:endParaRPr lang="en-US" sz="2600" b="0" strike="noStrike" spc="-1" dirty="0">
               <a:latin typeface="Arial"/>
             </a:endParaRPr>
           </a:p>
@@ -10365,151 +10740,87 @@
       </p:sp>
       <p:sp>
         <p:nvSpPr>
-          <p:cNvPr id="179" name="PlaceHolder 8"/>
-          <p:cNvSpPr/>
+          <p:cNvPr id="2" name="CasellaDiTesto 1">
+            <a:extLst>
+              <a:ext uri="{FF2B5EF4-FFF2-40B4-BE49-F238E27FC236}">
+                <a16:creationId xmlns:a16="http://schemas.microsoft.com/office/drawing/2014/main" id="{06CF1CA0-E5E2-2638-AECF-7EE6706C41B5}"/>
+              </a:ext>
+            </a:extLst>
+          </p:cNvPr>
+          <p:cNvSpPr txBox="1"/>
           <p:nvPr/>
         </p:nvSpPr>
         <p:spPr>
           <a:xfrm>
-            <a:off x="1048320" y="2834640"/>
-            <a:ext cx="10093680" cy="1710360"/>
-          </a:xfrm>
-          <a:prstGeom prst="rect">
-            <a:avLst/>
-          </a:prstGeom>
-          <a:noFill/>
-          <a:ln w="0">
-            <a:noFill/>
-          </a:ln>
-        </p:spPr>
-        <p:style>
-          <a:lnRef idx="0">
-            <a:scrgbClr r="0" g="0" b="0"/>
-          </a:lnRef>
-          <a:fillRef idx="0">
-            <a:scrgbClr r="0" g="0" b="0"/>
-          </a:fillRef>
-          <a:effectRef idx="0">
-            <a:scrgbClr r="0" g="0" b="0"/>
-          </a:effectRef>
-          <a:fontRef idx="minor"/>
-        </p:style>
-        <p:txBody>
-          <a:bodyPr lIns="0" tIns="91440" rIns="0" bIns="91440" anchor="t">
-            <a:noAutofit/>
-          </a:bodyPr>
-          <a:lstStyle/>
-          <a:p>
-            <a:pPr marL="457200" indent="-380880">
-              <a:lnSpc>
-                <a:spcPct val="100000"/>
-              </a:lnSpc>
-              <a:spcBef>
-                <a:spcPts val="601"/>
-              </a:spcBef>
-              <a:buClr>
-                <a:srgbClr val="CFD8DC"/>
-              </a:buClr>
-              <a:buFont typeface="Source Sans Pro"/>
-              <a:buChar char="◎"/>
-            </a:pPr>
+            <a:off x="1195706" y="2297495"/>
+            <a:ext cx="9798908" cy="2677656"/>
+          </a:xfrm>
+          <a:prstGeom prst="rect">
+            <a:avLst/>
+          </a:prstGeom>
+          <a:noFill/>
+        </p:spPr>
+        <p:txBody>
+          <a:bodyPr wrap="square" rtlCol="0">
+            <a:spAutoFit/>
+          </a:bodyPr>
+          <a:lstStyle/>
+          <a:p>
+            <a:pPr algn="l"/>
             <a:r>
-              <a:rPr lang="en" sz="2400" b="0" strike="noStrike" spc="-1">
-                <a:solidFill>
-                  <a:srgbClr val="263238"/>
-                </a:solidFill>
-                <a:latin typeface="Source Sans Pro"/>
-                <a:ea typeface="Source Sans Pro"/>
+              <a:rPr lang="it-IT" sz="2400" dirty="0"/>
+              <a:t>Two flow:</a:t>
+            </a:r>
+            <a:br>
+              <a:rPr lang="it-IT" sz="2400" dirty="0"/>
+            </a:br>
+            <a:br>
+              <a:rPr lang="it-IT" sz="2400" dirty="0"/>
+            </a:br>
+            <a:r>
+              <a:rPr lang="it-IT" sz="2400" dirty="0"/>
+              <a:t>	</a:t>
+            </a:r>
+            <a:br>
+              <a:rPr lang="it-IT" sz="2400" dirty="0"/>
+            </a:br>
+            <a:r>
+              <a:rPr lang="it-IT" sz="2400" dirty="0"/>
+              <a:t>	1. </a:t>
+            </a:r>
+            <a:r>
+              <a:rPr lang="en-US" sz="2400" b="0" i="0" u="none" strike="noStrike" baseline="0" dirty="0">
+                <a:latin typeface="CMR10"/>
               </a:rPr>
-              <a:t>Store SRAM content into flash memory</a:t>
+              <a:t>host retrieving all the responses from the device</a:t>
             </a:r>
-            <a:endParaRPr lang="en-US" sz="2400" b="0" strike="noStrike" spc="-1">
-              <a:latin typeface="Arial"/>
-            </a:endParaRPr>
-          </a:p>
-          <a:p>
-            <a:pPr marL="457200" indent="-380880">
-              <a:lnSpc>
-                <a:spcPct val="100000"/>
-              </a:lnSpc>
-              <a:buClr>
-                <a:srgbClr val="CFD8DC"/>
-              </a:buClr>
-              <a:buFont typeface="Source Sans Pro"/>
-              <a:buChar char="◎"/>
-            </a:pPr>
             <a:r>
-              <a:rPr lang="en" sz="2400" b="0" strike="noStrike" spc="-1">
-                <a:solidFill>
-                  <a:srgbClr val="263238"/>
-                </a:solidFill>
-                <a:latin typeface="Source Sans Pro"/>
-                <a:ea typeface="Source Sans Pro"/>
+              <a:rPr lang="it-IT" sz="2400" dirty="0"/>
+              <a:t>	</a:t>
+            </a:r>
+            <a:br>
+              <a:rPr lang="it-IT" sz="2400" dirty="0"/>
+            </a:br>
+            <a:br>
+              <a:rPr lang="it-IT" sz="2400" dirty="0"/>
+            </a:br>
+            <a:r>
+              <a:rPr lang="it-IT" sz="2400" dirty="0"/>
+              <a:t>	2.</a:t>
+            </a:r>
+            <a:r>
+              <a:rPr lang="en-US" sz="2400" b="0" i="0" u="none" strike="noStrike" baseline="0" dirty="0">
+                <a:latin typeface="CMR10"/>
               </a:rPr>
-              <a:t>Access flash memory to retreive PUFs</a:t>
+              <a:t> challenge-response authentication mechanism between the host 	</a:t>
             </a:r>
-            <a:endParaRPr lang="en-US" sz="2400" b="0" strike="noStrike" spc="-1">
-              <a:latin typeface="Arial"/>
-            </a:endParaRPr>
-          </a:p>
-          <a:p>
-            <a:pPr marL="457200" indent="-380880">
-              <a:lnSpc>
-                <a:spcPct val="100000"/>
-              </a:lnSpc>
-              <a:buClr>
-                <a:srgbClr val="CFD8DC"/>
-              </a:buClr>
-              <a:buFont typeface="Source Sans Pro"/>
-              <a:buChar char="◎"/>
-            </a:pPr>
             <a:r>
-              <a:rPr lang="en" sz="2400" b="0" strike="noStrike" spc="-1">
-                <a:solidFill>
-                  <a:srgbClr val="263238"/>
-                </a:solidFill>
-                <a:latin typeface="Source Sans Pro"/>
-                <a:ea typeface="Source Sans Pro"/>
+              <a:rPr lang="it-IT" sz="2400" b="0" i="0" u="none" strike="noStrike" baseline="0" dirty="0">
+                <a:latin typeface="CMR10"/>
               </a:rPr>
-              <a:t>Store PUFs in DB</a:t>
+              <a:t>and the device</a:t>
             </a:r>
-            <a:endParaRPr lang="en-US" sz="2400" b="0" strike="noStrike" spc="-1">
-              <a:latin typeface="Arial"/>
-            </a:endParaRPr>
-          </a:p>
-          <a:p>
-            <a:pPr>
-              <a:lnSpc>
-                <a:spcPct val="100000"/>
-              </a:lnSpc>
-              <a:spcBef>
-                <a:spcPts val="601"/>
-              </a:spcBef>
-              <a:buNone/>
-              <a:tabLst>
-                <a:tab pos="0" algn="l"/>
-              </a:tabLst>
-            </a:pPr>
-            <a:endParaRPr lang="en-US" sz="2400" b="0" strike="noStrike" spc="-1">
-              <a:latin typeface="Arial"/>
-            </a:endParaRPr>
-          </a:p>
-          <a:p>
-            <a:pPr>
-              <a:lnSpc>
-                <a:spcPct val="100000"/>
-              </a:lnSpc>
-              <a:spcBef>
-                <a:spcPts val="601"/>
-              </a:spcBef>
-              <a:buNone/>
-              <a:tabLst>
-                <a:tab pos="0" algn="l"/>
-              </a:tabLst>
-            </a:pPr>
-            <a:endParaRPr lang="en-US" sz="2400" b="0" strike="noStrike" spc="-1">
-              <a:latin typeface="Arial"/>
-            </a:endParaRPr>
+            <a:endParaRPr lang="it-IT" sz="2400" dirty="0"/>
           </a:p>
         </p:txBody>
       </p:sp>
@@ -10580,7 +10891,7 @@
               </a:tabLst>
             </a:pPr>
             <a:r>
-              <a:rPr lang="en" sz="2000" b="1" u="sng" strike="noStrike" spc="-1">
+              <a:rPr lang="en" sz="2000" b="1" u="sng" strike="noStrike" spc="-1" dirty="0">
                 <a:solidFill>
                   <a:srgbClr val="263238"/>
                 </a:solidFill>
@@ -10590,7 +10901,7 @@
               </a:rPr>
               <a:t>Host</a:t>
             </a:r>
-            <a:endParaRPr lang="en-US" sz="2000" b="0" strike="noStrike" spc="-1">
+            <a:endParaRPr lang="en-US" sz="2000" b="0" strike="noStrike" spc="-1" dirty="0">
               <a:latin typeface="Arial"/>
             </a:endParaRPr>
           </a:p>
@@ -10612,7 +10923,7 @@
               </a:tabLst>
             </a:pPr>
             <a:r>
-              <a:rPr lang="en" sz="2000" b="0" strike="noStrike" spc="-1">
+              <a:rPr lang="en" sz="2000" b="0" strike="noStrike" spc="-1" dirty="0">
                 <a:solidFill>
                   <a:srgbClr val="263238"/>
                 </a:solidFill>
@@ -10621,7 +10932,7 @@
               </a:rPr>
               <a:t>Request list of PUFs</a:t>
             </a:r>
-            <a:endParaRPr lang="en-US" sz="2000" b="0" strike="noStrike" spc="-1">
+            <a:endParaRPr lang="en-US" sz="2000" b="0" strike="noStrike" spc="-1" dirty="0">
               <a:latin typeface="Arial"/>
             </a:endParaRPr>
           </a:p>
@@ -10643,7 +10954,7 @@
               </a:tabLst>
             </a:pPr>
             <a:r>
-              <a:rPr lang="en" sz="2000" b="0" strike="noStrike" spc="-1">
+              <a:rPr lang="en" sz="2000" b="0" strike="noStrike" spc="-1" dirty="0">
                 <a:solidFill>
                   <a:srgbClr val="263238"/>
                 </a:solidFill>
@@ -10652,7 +10963,7 @@
               </a:rPr>
               <a:t>Receive PUF list</a:t>
             </a:r>
-            <a:endParaRPr lang="en-US" sz="2000" b="0" strike="noStrike" spc="-1">
+            <a:endParaRPr lang="en-US" sz="2000" b="0" strike="noStrike" spc="-1" dirty="0">
               <a:latin typeface="Arial"/>
             </a:endParaRPr>
           </a:p>
@@ -10674,7 +10985,7 @@
               </a:tabLst>
             </a:pPr>
             <a:r>
-              <a:rPr lang="en" sz="2000" b="0" strike="noStrike" spc="-1">
+              <a:rPr lang="en" sz="2000" b="0" strike="noStrike" spc="-1" dirty="0">
                 <a:solidFill>
                   <a:srgbClr val="263238"/>
                 </a:solidFill>
@@ -10683,7 +10994,7 @@
               </a:rPr>
               <a:t>Store the list in a DB</a:t>
             </a:r>
-            <a:endParaRPr lang="en-US" sz="2000" b="0" strike="noStrike" spc="-1">
+            <a:endParaRPr lang="en-US" sz="2000" b="0" strike="noStrike" spc="-1" dirty="0">
               <a:latin typeface="Arial"/>
             </a:endParaRPr>
           </a:p>
@@ -10731,7 +11042,7 @@
               </a:tabLst>
             </a:pPr>
             <a:r>
-              <a:rPr lang="en" sz="2000" b="1" u="sng" strike="noStrike" spc="-1">
+              <a:rPr lang="en" sz="2000" b="1" u="sng" strike="noStrike" spc="-1" dirty="0">
                 <a:solidFill>
                   <a:srgbClr val="263238"/>
                 </a:solidFill>
@@ -10741,7 +11052,7 @@
               </a:rPr>
               <a:t>Device</a:t>
             </a:r>
-            <a:endParaRPr lang="en-US" sz="2000" b="0" strike="noStrike" spc="-1">
+            <a:endParaRPr lang="en-US" sz="2000" b="0" strike="noStrike" spc="-1" dirty="0">
               <a:latin typeface="Arial"/>
             </a:endParaRPr>
           </a:p>
@@ -10763,7 +11074,7 @@
               </a:tabLst>
             </a:pPr>
             <a:r>
-              <a:rPr lang="en" sz="2000" b="0" strike="noStrike" spc="-1">
+              <a:rPr lang="en" sz="2000" b="0" strike="noStrike" spc="-1" dirty="0">
                 <a:solidFill>
                   <a:srgbClr val="263238"/>
                 </a:solidFill>
@@ -10772,7 +11083,7 @@
               </a:rPr>
               <a:t>Store SRAM content in FLASH(startup)</a:t>
             </a:r>
-            <a:endParaRPr lang="en-US" sz="2000" b="0" strike="noStrike" spc="-1">
+            <a:endParaRPr lang="en-US" sz="2000" b="0" strike="noStrike" spc="-1" dirty="0">
               <a:latin typeface="Arial"/>
             </a:endParaRPr>
           </a:p>
@@ -10794,7 +11105,7 @@
               </a:tabLst>
             </a:pPr>
             <a:r>
-              <a:rPr lang="en" sz="2000" b="0" strike="noStrike" spc="-1">
+              <a:rPr lang="en" sz="2000" b="0" strike="noStrike" spc="-1" dirty="0">
                 <a:solidFill>
                   <a:srgbClr val="263238"/>
                 </a:solidFill>
@@ -10803,7 +11114,7 @@
               </a:rPr>
               <a:t>Send list of PUFs</a:t>
             </a:r>
-            <a:endParaRPr lang="en-US" sz="2000" b="0" strike="noStrike" spc="-1">
+            <a:endParaRPr lang="en-US" sz="2000" b="0" strike="noStrike" spc="-1" dirty="0">
               <a:latin typeface="Arial"/>
             </a:endParaRPr>
           </a:p>
@@ -10927,44 +11238,21 @@
               </a:tabLst>
             </a:pPr>
             <a:r>
-              <a:rPr lang="en" sz="2600" b="0" strike="noStrike" spc="-1">
+              <a:rPr lang="en" sz="2600" b="0" strike="noStrike" spc="-1" dirty="0">
                 <a:solidFill>
                   <a:srgbClr val="4CABE4"/>
                 </a:solidFill>
                 <a:latin typeface="Roboto Slab"/>
                 <a:ea typeface="Roboto Slab"/>
               </a:rPr>
-              <a:t>Task partitioning</a:t>
+              <a:t>First flow</a:t>
             </a:r>
-            <a:endParaRPr lang="en-US" sz="2600" b="0" strike="noStrike" spc="-1">
-              <a:latin typeface="Arial"/>
-            </a:endParaRPr>
-          </a:p>
-        </p:txBody>
-      </p:sp>
-      <p:pic>
-        <p:nvPicPr>
-          <p:cNvPr id="184" name="Segnaposto contenuto 1"/>
-          <p:cNvPicPr/>
-          <p:nvPr/>
-        </p:nvPicPr>
-        <p:blipFill>
-          <a:blip r:embed="rId2"/>
-          <a:stretch/>
-        </p:blipFill>
-        <p:spPr>
-          <a:xfrm>
-            <a:off x="6883200" y="1345680"/>
-            <a:ext cx="2717640" cy="4350240"/>
-          </a:xfrm>
-          <a:prstGeom prst="rect">
-            <a:avLst/>
-          </a:prstGeom>
-          <a:ln w="0">
-            <a:noFill/>
-          </a:ln>
-        </p:spPr>
-      </p:pic>
+            <a:endParaRPr lang="en-US" sz="2600" b="0" strike="noStrike" spc="-1" dirty="0">
+              <a:latin typeface="Arial"/>
+            </a:endParaRPr>
+          </a:p>
+        </p:txBody>
+      </p:sp>
       <p:sp>
         <p:nvSpPr>
           <p:cNvPr id="185" name="Rettangolo 184"/>
@@ -11035,6 +11323,42 @@
           <a:fontRef idx="minor"/>
         </p:style>
       </p:sp>
+      <p:pic>
+        <p:nvPicPr>
+          <p:cNvPr id="3" name="Immagine 2">
+            <a:extLst>
+              <a:ext uri="{FF2B5EF4-FFF2-40B4-BE49-F238E27FC236}">
+                <a16:creationId xmlns:a16="http://schemas.microsoft.com/office/drawing/2014/main" id="{0577C52C-8527-66F6-1728-D336C801FBCF}"/>
+              </a:ext>
+            </a:extLst>
+          </p:cNvPr>
+          <p:cNvPicPr>
+            <a:picLocks noChangeAspect="1"/>
+          </p:cNvPicPr>
+          <p:nvPr/>
+        </p:nvPicPr>
+        <p:blipFill>
+          <a:blip r:embed="rId3" cstate="print">
+            <a:extLst>
+              <a:ext uri="{28A0092B-C50C-407E-A947-70E740481C1C}">
+                <a14:useLocalDpi xmlns:a14="http://schemas.microsoft.com/office/drawing/2010/main" val="0"/>
+              </a:ext>
+            </a:extLst>
+          </a:blip>
+          <a:stretch>
+            <a:fillRect/>
+          </a:stretch>
+        </p:blipFill>
+        <p:spPr>
+          <a:xfrm>
+            <a:off x="6219088" y="1532149"/>
+            <a:ext cx="3941072" cy="4800610"/>
+          </a:xfrm>
+          <a:prstGeom prst="rect">
+            <a:avLst/>
+          </a:prstGeom>
+        </p:spPr>
+      </p:pic>
     </p:spTree>
   </p:cSld>
   <p:clrMapOvr>
@@ -11062,25 +11386,380 @@
       </p:grpSpPr>
       <p:sp>
         <p:nvSpPr>
-          <p:cNvPr id="187" name="Rettangolo 186"/>
+          <p:cNvPr id="192" name="PlaceHolder 1"/>
+          <p:cNvSpPr>
+            <a:spLocks noGrp="1"/>
+          </p:cNvSpPr>
+          <p:nvPr>
+            <p:ph/>
+          </p:nvPr>
+        </p:nvSpPr>
+        <p:spPr>
+          <a:xfrm>
+            <a:off x="1048320" y="1852200"/>
+            <a:ext cx="3980520" cy="1769040"/>
+          </a:xfrm>
+          <a:prstGeom prst="rect">
+            <a:avLst/>
+          </a:prstGeom>
+          <a:noFill/>
+          <a:ln w="0">
+            <a:noFill/>
+          </a:ln>
+        </p:spPr>
+        <p:txBody>
+          <a:bodyPr lIns="0" tIns="91440" rIns="0" bIns="91440" anchor="t">
+            <a:noAutofit/>
+          </a:bodyPr>
+          <a:lstStyle/>
+          <a:p>
+            <a:pPr>
+              <a:lnSpc>
+                <a:spcPct val="100000"/>
+              </a:lnSpc>
+              <a:spcBef>
+                <a:spcPts val="601"/>
+              </a:spcBef>
+              <a:buNone/>
+              <a:tabLst>
+                <a:tab pos="0" algn="l"/>
+              </a:tabLst>
+            </a:pPr>
+            <a:r>
+              <a:rPr lang="en" sz="2000" b="1" u="sng" strike="noStrike" spc="-1" dirty="0">
+                <a:solidFill>
+                  <a:srgbClr val="263238"/>
+                </a:solidFill>
+                <a:uFillTx/>
+                <a:latin typeface="Source Sans Pro"/>
+                <a:ea typeface="Source Sans Pro"/>
+              </a:rPr>
+              <a:t>Host</a:t>
+            </a:r>
+            <a:endParaRPr lang="en-US" sz="2000" b="0" strike="noStrike" spc="-1" dirty="0">
+              <a:latin typeface="Arial"/>
+            </a:endParaRPr>
+          </a:p>
+          <a:p>
+            <a:pPr marL="432000" indent="-324000">
+              <a:lnSpc>
+                <a:spcPct val="100000"/>
+              </a:lnSpc>
+              <a:spcBef>
+                <a:spcPts val="601"/>
+              </a:spcBef>
+              <a:buClr>
+                <a:srgbClr val="263238"/>
+              </a:buClr>
+              <a:buFont typeface="Symbol"/>
+              <a:buChar char=""/>
+              <a:tabLst>
+                <a:tab pos="0" algn="l"/>
+              </a:tabLst>
+            </a:pPr>
+            <a:r>
+              <a:rPr lang="en" sz="2000" b="0" strike="noStrike" spc="-1" dirty="0">
+                <a:solidFill>
+                  <a:srgbClr val="263238"/>
+                </a:solidFill>
+                <a:latin typeface="Source Sans Pro"/>
+                <a:ea typeface="Source Sans Pro"/>
+              </a:rPr>
+              <a:t>Generate challenge</a:t>
+            </a:r>
+            <a:endParaRPr lang="en-US" sz="2000" b="0" strike="noStrike" spc="-1" dirty="0">
+              <a:latin typeface="Arial"/>
+            </a:endParaRPr>
+          </a:p>
+          <a:p>
+            <a:pPr marL="432000" indent="-324000">
+              <a:lnSpc>
+                <a:spcPct val="100000"/>
+              </a:lnSpc>
+              <a:spcBef>
+                <a:spcPts val="601"/>
+              </a:spcBef>
+              <a:buClr>
+                <a:srgbClr val="263238"/>
+              </a:buClr>
+              <a:buFont typeface="Symbol"/>
+              <a:buChar char=""/>
+              <a:tabLst>
+                <a:tab pos="0" algn="l"/>
+              </a:tabLst>
+            </a:pPr>
+            <a:r>
+              <a:rPr lang="en" sz="2000" b="0" strike="noStrike" spc="-1" dirty="0">
+                <a:solidFill>
+                  <a:srgbClr val="263238"/>
+                </a:solidFill>
+                <a:latin typeface="Source Sans Pro"/>
+                <a:ea typeface="Source Sans Pro"/>
+              </a:rPr>
+              <a:t>Send challenge to Board and DB</a:t>
+            </a:r>
+            <a:endParaRPr lang="en-US" sz="2000" b="0" strike="noStrike" spc="-1" dirty="0">
+              <a:latin typeface="Arial"/>
+            </a:endParaRPr>
+          </a:p>
+          <a:p>
+            <a:pPr marL="432000" indent="-324000">
+              <a:lnSpc>
+                <a:spcPct val="100000"/>
+              </a:lnSpc>
+              <a:spcBef>
+                <a:spcPts val="601"/>
+              </a:spcBef>
+              <a:buClr>
+                <a:srgbClr val="263238"/>
+              </a:buClr>
+              <a:buFont typeface="Symbol"/>
+              <a:buChar char=""/>
+              <a:tabLst>
+                <a:tab pos="0" algn="l"/>
+              </a:tabLst>
+            </a:pPr>
+            <a:r>
+              <a:rPr lang="en" sz="2000" b="0" strike="noStrike" spc="-1" dirty="0">
+                <a:solidFill>
+                  <a:srgbClr val="263238"/>
+                </a:solidFill>
+                <a:latin typeface="Source Sans Pro"/>
+                <a:ea typeface="Source Sans Pro"/>
+              </a:rPr>
+              <a:t>Compare responses (Hamming)</a:t>
+            </a:r>
+            <a:endParaRPr lang="en-US" sz="2000" b="0" strike="noStrike" spc="-1" dirty="0">
+              <a:latin typeface="Arial"/>
+            </a:endParaRPr>
+          </a:p>
+        </p:txBody>
+      </p:sp>
+      <p:sp>
+        <p:nvSpPr>
+          <p:cNvPr id="193" name="PlaceHolder 2"/>
+          <p:cNvSpPr>
+            <a:spLocks noGrp="1"/>
+          </p:cNvSpPr>
+          <p:nvPr>
+            <p:ph/>
+          </p:nvPr>
+        </p:nvSpPr>
+        <p:spPr>
+          <a:xfrm>
+            <a:off x="1045080" y="3492720"/>
+            <a:ext cx="2383560" cy="1307520"/>
+          </a:xfrm>
+          <a:prstGeom prst="rect">
+            <a:avLst/>
+          </a:prstGeom>
+          <a:noFill/>
+          <a:ln w="0">
+            <a:noFill/>
+          </a:ln>
+        </p:spPr>
+        <p:txBody>
+          <a:bodyPr lIns="0" tIns="91440" rIns="0" bIns="91440" anchor="t">
+            <a:noAutofit/>
+          </a:bodyPr>
+          <a:lstStyle/>
+          <a:p>
+            <a:pPr>
+              <a:lnSpc>
+                <a:spcPct val="100000"/>
+              </a:lnSpc>
+              <a:spcBef>
+                <a:spcPts val="601"/>
+              </a:spcBef>
+              <a:buNone/>
+              <a:tabLst>
+                <a:tab pos="0" algn="l"/>
+              </a:tabLst>
+            </a:pPr>
+            <a:r>
+              <a:rPr lang="en" sz="2000" b="1" u="sng" strike="noStrike" spc="-1">
+                <a:solidFill>
+                  <a:srgbClr val="263238"/>
+                </a:solidFill>
+                <a:uFillTx/>
+                <a:latin typeface="Source Sans Pro"/>
+                <a:ea typeface="Source Sans Pro"/>
+              </a:rPr>
+              <a:t>Device</a:t>
+            </a:r>
+            <a:endParaRPr lang="en-US" sz="2000" b="0" strike="noStrike" spc="-1">
+              <a:latin typeface="Arial"/>
+            </a:endParaRPr>
+          </a:p>
+          <a:p>
+            <a:pPr marL="432000" indent="-324000">
+              <a:lnSpc>
+                <a:spcPct val="100000"/>
+              </a:lnSpc>
+              <a:spcBef>
+                <a:spcPts val="601"/>
+              </a:spcBef>
+              <a:buClr>
+                <a:srgbClr val="263238"/>
+              </a:buClr>
+              <a:buFont typeface="Symbol"/>
+              <a:buChar char=""/>
+              <a:tabLst>
+                <a:tab pos="0" algn="l"/>
+              </a:tabLst>
+            </a:pPr>
+            <a:r>
+              <a:rPr lang="en" sz="2000" b="0" strike="noStrike" spc="-1">
+                <a:solidFill>
+                  <a:srgbClr val="263238"/>
+                </a:solidFill>
+                <a:latin typeface="Source Sans Pro"/>
+                <a:ea typeface="Source Sans Pro"/>
+              </a:rPr>
+              <a:t>Receive challenge</a:t>
+            </a:r>
+            <a:endParaRPr lang="en-US" sz="2000" b="0" strike="noStrike" spc="-1">
+              <a:latin typeface="Arial"/>
+            </a:endParaRPr>
+          </a:p>
+          <a:p>
+            <a:pPr marL="432000" indent="-324000">
+              <a:lnSpc>
+                <a:spcPct val="100000"/>
+              </a:lnSpc>
+              <a:spcBef>
+                <a:spcPts val="601"/>
+              </a:spcBef>
+              <a:buClr>
+                <a:srgbClr val="263238"/>
+              </a:buClr>
+              <a:buFont typeface="Symbol"/>
+              <a:buChar char=""/>
+              <a:tabLst>
+                <a:tab pos="0" algn="l"/>
+              </a:tabLst>
+            </a:pPr>
+            <a:r>
+              <a:rPr lang="en" sz="2000" b="0" strike="noStrike" spc="-1">
+                <a:solidFill>
+                  <a:srgbClr val="263238"/>
+                </a:solidFill>
+                <a:latin typeface="Source Sans Pro"/>
+                <a:ea typeface="Source Sans Pro"/>
+              </a:rPr>
+              <a:t>Send response</a:t>
+            </a:r>
+            <a:endParaRPr lang="en-US" sz="2000" b="0" strike="noStrike" spc="-1">
+              <a:latin typeface="Arial"/>
+            </a:endParaRPr>
+          </a:p>
+          <a:p>
+            <a:pPr>
+              <a:lnSpc>
+                <a:spcPct val="100000"/>
+              </a:lnSpc>
+              <a:spcBef>
+                <a:spcPts val="601"/>
+              </a:spcBef>
+              <a:buNone/>
+              <a:tabLst>
+                <a:tab pos="0" algn="l"/>
+              </a:tabLst>
+            </a:pPr>
+            <a:endParaRPr lang="en-US" sz="2000" b="0" strike="noStrike" spc="-1">
+              <a:latin typeface="Arial"/>
+            </a:endParaRPr>
+          </a:p>
+        </p:txBody>
+      </p:sp>
+      <p:sp>
+        <p:nvSpPr>
+          <p:cNvPr id="194" name="PlaceHolder 3"/>
+          <p:cNvSpPr>
+            <a:spLocks noGrp="1"/>
+          </p:cNvSpPr>
+          <p:nvPr>
+            <p:ph type="sldNum" idx="9"/>
+          </p:nvPr>
+        </p:nvSpPr>
+        <p:spPr>
+          <a:xfrm>
+            <a:off x="11206080" y="6332760"/>
+            <a:ext cx="729360" cy="522360"/>
+          </a:xfrm>
+          <a:prstGeom prst="rect">
+            <a:avLst/>
+          </a:prstGeom>
+          <a:noFill/>
+          <a:ln w="0">
+            <a:noFill/>
+          </a:ln>
+        </p:spPr>
+        <p:txBody>
+          <a:bodyPr lIns="90000" tIns="91440" rIns="90000" bIns="91440" anchor="t">
+            <a:noAutofit/>
+          </a:bodyPr>
+          <a:lstStyle>
+            <a:lvl1pPr algn="r">
+              <a:lnSpc>
+                <a:spcPct val="100000"/>
+              </a:lnSpc>
+              <a:buNone/>
+              <a:tabLst>
+                <a:tab pos="0" algn="l"/>
+              </a:tabLst>
+              <a:defRPr lang="en" sz="1300" b="1" strike="noStrike" spc="-1">
+                <a:solidFill>
+                  <a:srgbClr val="0091EA"/>
+                </a:solidFill>
+                <a:latin typeface="Source Sans Pro"/>
+                <a:ea typeface="Source Sans Pro"/>
+              </a:defRPr>
+            </a:lvl1pPr>
+          </a:lstStyle>
+          <a:p>
+            <a:pPr algn="r">
+              <a:lnSpc>
+                <a:spcPct val="100000"/>
+              </a:lnSpc>
+              <a:buNone/>
+              <a:tabLst>
+                <a:tab pos="0" algn="l"/>
+              </a:tabLst>
+            </a:pPr>
+            <a:fld id="{9C71700A-165F-47B8-8F80-15EFBB7C0422}" type="slidenum">
+              <a:rPr lang="en" sz="1300" b="1" strike="noStrike" spc="-1">
+                <a:solidFill>
+                  <a:srgbClr val="0091EA"/>
+                </a:solidFill>
+                <a:latin typeface="Source Sans Pro"/>
+                <a:ea typeface="Source Sans Pro"/>
+              </a:rPr>
+              <a:t>9</a:t>
+            </a:fld>
+            <a:endParaRPr lang="en-US" sz="1300" b="0" strike="noStrike" spc="-1">
+              <a:latin typeface="Times New Roman"/>
+            </a:endParaRPr>
+          </a:p>
+        </p:txBody>
+      </p:sp>
+      <p:sp>
+        <p:nvSpPr>
+          <p:cNvPr id="195" name="PlaceHolder 21"/>
           <p:cNvSpPr/>
           <p:nvPr/>
         </p:nvSpPr>
         <p:spPr>
           <a:xfrm>
-            <a:off x="228600" y="544680"/>
-            <a:ext cx="10057680" cy="977760"/>
-          </a:xfrm>
-          <a:prstGeom prst="rect">
-            <a:avLst/>
-          </a:prstGeom>
-          <a:solidFill>
-            <a:srgbClr val="FFFFFF"/>
-          </a:solidFill>
-          <a:ln w="0">
-            <a:solidFill>
-              <a:srgbClr val="FFFFFF"/>
-            </a:solidFill>
+            <a:off x="1048680" y="410400"/>
+            <a:ext cx="10093680" cy="934920"/>
+          </a:xfrm>
+          <a:prstGeom prst="rect">
+            <a:avLst/>
+          </a:prstGeom>
+          <a:noFill/>
+          <a:ln w="0">
+            <a:noFill/>
           </a:ln>
         </p:spPr>
         <p:style>
@@ -11095,24 +11774,57 @@
           </a:effectRef>
           <a:fontRef idx="minor"/>
         </p:style>
-      </p:sp>
-      <p:sp>
-        <p:nvSpPr>
-          <p:cNvPr id="188" name="PlaceHolder 2"/>
+        <p:txBody>
+          <a:bodyPr lIns="0" tIns="91440" rIns="0" bIns="91440" anchor="b">
+            <a:noAutofit/>
+          </a:bodyPr>
+          <a:lstStyle/>
+          <a:p>
+            <a:pPr>
+              <a:lnSpc>
+                <a:spcPct val="100000"/>
+              </a:lnSpc>
+              <a:buNone/>
+              <a:tabLst>
+                <a:tab pos="0" algn="l"/>
+              </a:tabLst>
+            </a:pPr>
+            <a:r>
+              <a:rPr lang="en" sz="2600" spc="-1" dirty="0">
+                <a:solidFill>
+                  <a:srgbClr val="4CABE4"/>
+                </a:solidFill>
+                <a:latin typeface="Roboto Slab"/>
+              </a:rPr>
+              <a:t>Second Flow</a:t>
+            </a:r>
+            <a:endParaRPr lang="en-US" sz="2600" b="0" strike="noStrike" spc="-1" dirty="0">
+              <a:latin typeface="Arial"/>
+            </a:endParaRPr>
+          </a:p>
+        </p:txBody>
+      </p:sp>
+      <p:sp>
+        <p:nvSpPr>
+          <p:cNvPr id="198" name="Rettangolo 197"/>
           <p:cNvSpPr/>
           <p:nvPr/>
         </p:nvSpPr>
         <p:spPr>
           <a:xfrm>
-            <a:off x="1048320" y="2834280"/>
-            <a:ext cx="10093680" cy="1280520"/>
-          </a:xfrm>
-          <a:prstGeom prst="rect">
-            <a:avLst/>
-          </a:prstGeom>
-          <a:noFill/>
-          <a:ln w="0">
-            <a:noFill/>
+            <a:off x="7543800" y="1371600"/>
+            <a:ext cx="1371240" cy="456840"/>
+          </a:xfrm>
+          <a:prstGeom prst="rect">
+            <a:avLst/>
+          </a:prstGeom>
+          <a:solidFill>
+            <a:srgbClr val="FFFFFF"/>
+          </a:solidFill>
+          <a:ln w="0">
+            <a:solidFill>
+              <a:srgbClr val="FFFFFF"/>
+            </a:solidFill>
           </a:ln>
         </p:spPr>
         <p:style>
@@ -11127,142 +11839,26 @@
           </a:effectRef>
           <a:fontRef idx="minor"/>
         </p:style>
-        <p:txBody>
-          <a:bodyPr lIns="0" tIns="91440" rIns="0" bIns="91440" anchor="t">
-            <a:noAutofit/>
-          </a:bodyPr>
-          <a:lstStyle/>
-          <a:p>
-            <a:pPr marL="457200" indent="-380880">
-              <a:lnSpc>
-                <a:spcPct val="100000"/>
-              </a:lnSpc>
-              <a:spcBef>
-                <a:spcPts val="601"/>
-              </a:spcBef>
-              <a:buClr>
-                <a:srgbClr val="CFD8DC"/>
-              </a:buClr>
-              <a:buFont typeface="Source Sans Pro"/>
-              <a:buChar char="◎"/>
-            </a:pPr>
-            <a:r>
-              <a:rPr lang="en" sz="2400" b="0" strike="noStrike" spc="-1">
-                <a:solidFill>
-                  <a:srgbClr val="263238"/>
-                </a:solidFill>
-                <a:latin typeface="Source Sans Pro"/>
-                <a:ea typeface="Source Sans Pro"/>
-              </a:rPr>
-              <a:t>Apply challenge to DB and board</a:t>
-            </a:r>
-            <a:endParaRPr lang="en-US" sz="2400" b="0" strike="noStrike" spc="-1">
-              <a:latin typeface="Arial"/>
-            </a:endParaRPr>
-          </a:p>
-          <a:p>
-            <a:pPr marL="457200" indent="-380880">
-              <a:lnSpc>
-                <a:spcPct val="100000"/>
-              </a:lnSpc>
-              <a:buClr>
-                <a:srgbClr val="CFD8DC"/>
-              </a:buClr>
-              <a:buFont typeface="Source Sans Pro"/>
-              <a:buChar char="◎"/>
-            </a:pPr>
-            <a:r>
-              <a:rPr lang="en" sz="2400" b="0" strike="noStrike" spc="-1">
-                <a:solidFill>
-                  <a:srgbClr val="263238"/>
-                </a:solidFill>
-                <a:latin typeface="Source Sans Pro"/>
-                <a:ea typeface="Source Sans Pro"/>
-              </a:rPr>
-              <a:t>Retreive board response</a:t>
-            </a:r>
-            <a:endParaRPr lang="en-US" sz="2400" b="0" strike="noStrike" spc="-1">
-              <a:latin typeface="Arial"/>
-            </a:endParaRPr>
-          </a:p>
-          <a:p>
-            <a:pPr marL="457200" indent="-380880">
-              <a:lnSpc>
-                <a:spcPct val="100000"/>
-              </a:lnSpc>
-              <a:buClr>
-                <a:srgbClr val="CFD8DC"/>
-              </a:buClr>
-              <a:buFont typeface="Source Sans Pro"/>
-              <a:buChar char="◎"/>
-            </a:pPr>
-            <a:r>
-              <a:rPr lang="en" sz="2400" b="0" strike="noStrike" spc="-1">
-                <a:solidFill>
-                  <a:srgbClr val="263238"/>
-                </a:solidFill>
-                <a:latin typeface="Source Sans Pro"/>
-                <a:ea typeface="Source Sans Pro"/>
-              </a:rPr>
-              <a:t>Perform response matching</a:t>
-            </a:r>
-            <a:endParaRPr lang="en-US" sz="2400" b="0" strike="noStrike" spc="-1">
-              <a:latin typeface="Arial"/>
-            </a:endParaRPr>
-          </a:p>
-          <a:p>
-            <a:pPr>
-              <a:lnSpc>
-                <a:spcPct val="100000"/>
-              </a:lnSpc>
-              <a:spcBef>
-                <a:spcPts val="601"/>
-              </a:spcBef>
-              <a:buNone/>
-              <a:tabLst>
-                <a:tab pos="0" algn="l"/>
-              </a:tabLst>
-            </a:pPr>
-            <a:endParaRPr lang="en-US" sz="2400" b="0" strike="noStrike" spc="-1">
-              <a:latin typeface="Arial"/>
-            </a:endParaRPr>
-          </a:p>
-          <a:p>
-            <a:pPr>
-              <a:lnSpc>
-                <a:spcPct val="100000"/>
-              </a:lnSpc>
-              <a:spcBef>
-                <a:spcPts val="601"/>
-              </a:spcBef>
-              <a:buNone/>
-              <a:tabLst>
-                <a:tab pos="0" algn="l"/>
-              </a:tabLst>
-            </a:pPr>
-            <a:endParaRPr lang="en-US" sz="2400" b="0" strike="noStrike" spc="-1">
-              <a:latin typeface="Arial"/>
-            </a:endParaRPr>
-          </a:p>
-        </p:txBody>
-      </p:sp>
-      <p:sp>
-        <p:nvSpPr>
-          <p:cNvPr id="189" name="PlaceHolder 3"/>
+      </p:sp>
+      <p:sp>
+        <p:nvSpPr>
+          <p:cNvPr id="199" name="Connettore diritto 198"/>
           <p:cNvSpPr/>
           <p:nvPr/>
         </p:nvSpPr>
         <p:spPr>
           <a:xfrm>
-            <a:off x="11206080" y="6332760"/>
-            <a:ext cx="729360" cy="522360"/>
-          </a:xfrm>
-          <a:prstGeom prst="rect">
-            <a:avLst/>
-          </a:prstGeom>
-          <a:noFill/>
-          <a:ln w="0">
-            <a:noFill/>
+            <a:off x="1035000" y="1371600"/>
+            <a:ext cx="5594760" cy="0"/>
+          </a:xfrm>
+          <a:prstGeom prst="line">
+            <a:avLst/>
+          </a:prstGeom>
+          <a:ln w="19080">
+            <a:solidFill>
+              <a:srgbClr val="4CABE4"/>
+            </a:solidFill>
+            <a:round/>
           </a:ln>
         </p:spPr>
         <p:style>
@@ -11277,133 +11873,43 @@
           </a:effectRef>
           <a:fontRef idx="minor"/>
         </p:style>
-        <p:txBody>
-          <a:bodyPr lIns="90000" tIns="91440" rIns="90000" bIns="91440" anchor="t">
-            <a:noAutofit/>
-          </a:bodyPr>
-          <a:lstStyle/>
-          <a:p>
-            <a:pPr algn="r">
-              <a:lnSpc>
-                <a:spcPct val="100000"/>
-              </a:lnSpc>
-              <a:buNone/>
-              <a:tabLst>
-                <a:tab pos="0" algn="l"/>
-              </a:tabLst>
-            </a:pPr>
-            <a:fld id="{2E4AC663-1B66-45AE-BF37-85A34DDC3910}" type="slidenum">
-              <a:rPr lang="en" sz="1300" b="1" strike="noStrike" spc="-1">
-                <a:solidFill>
-                  <a:srgbClr val="0091EA"/>
-                </a:solidFill>
-                <a:latin typeface="Source Sans Pro"/>
-                <a:ea typeface="Source Sans Pro"/>
-              </a:rPr>
-              <a:t>9</a:t>
-            </a:fld>
-            <a:endParaRPr lang="en-US" sz="1300" b="0" strike="noStrike" spc="-1">
-              <a:latin typeface="Arial"/>
-            </a:endParaRPr>
-          </a:p>
-        </p:txBody>
-      </p:sp>
-      <p:sp>
-        <p:nvSpPr>
-          <p:cNvPr id="190" name="PlaceHolder 4"/>
-          <p:cNvSpPr/>
+      </p:sp>
+      <p:pic>
+        <p:nvPicPr>
+          <p:cNvPr id="3" name="Immagine 2">
+            <a:extLst>
+              <a:ext uri="{FF2B5EF4-FFF2-40B4-BE49-F238E27FC236}">
+                <a16:creationId xmlns:a16="http://schemas.microsoft.com/office/drawing/2014/main" id="{DAF3F818-3944-5276-C913-28F8E3D42205}"/>
+              </a:ext>
+            </a:extLst>
+          </p:cNvPr>
+          <p:cNvPicPr>
+            <a:picLocks noChangeAspect="1"/>
+          </p:cNvPicPr>
           <p:nvPr/>
-        </p:nvSpPr>
-        <p:spPr>
-          <a:xfrm>
-            <a:off x="1045800" y="857520"/>
-            <a:ext cx="9923760" cy="934920"/>
-          </a:xfrm>
-          <a:prstGeom prst="rect">
-            <a:avLst/>
-          </a:prstGeom>
-          <a:noFill/>
-          <a:ln w="0">
-            <a:noFill/>
-          </a:ln>
-        </p:spPr>
-        <p:style>
-          <a:lnRef idx="0">
-            <a:scrgbClr r="0" g="0" b="0"/>
-          </a:lnRef>
-          <a:fillRef idx="0">
-            <a:scrgbClr r="0" g="0" b="0"/>
-          </a:fillRef>
-          <a:effectRef idx="0">
-            <a:scrgbClr r="0" g="0" b="0"/>
-          </a:effectRef>
-          <a:fontRef idx="minor"/>
-        </p:style>
-        <p:txBody>
-          <a:bodyPr lIns="0" tIns="91440" rIns="0" bIns="91440" anchor="b">
-            <a:noAutofit/>
-          </a:bodyPr>
-          <a:lstStyle/>
-          <a:p>
-            <a:pPr>
-              <a:lnSpc>
-                <a:spcPct val="100000"/>
-              </a:lnSpc>
-              <a:buNone/>
-              <a:tabLst>
-                <a:tab pos="0" algn="l"/>
-              </a:tabLst>
-            </a:pPr>
-            <a:r>
-              <a:rPr lang="en" sz="2800" b="0" strike="noStrike" spc="-1">
-                <a:solidFill>
-                  <a:srgbClr val="4CABE4"/>
-                </a:solidFill>
-                <a:latin typeface="Roboto Slab"/>
-                <a:ea typeface="Roboto Slab"/>
-              </a:rPr>
-              <a:t>Application of a challenge and verification of device authenticity</a:t>
-            </a:r>
-            <a:endParaRPr lang="en-US" sz="2800" b="0" strike="noStrike" spc="-1">
-              <a:latin typeface="Arial"/>
-            </a:endParaRPr>
-          </a:p>
-        </p:txBody>
-      </p:sp>
-      <p:sp>
-        <p:nvSpPr>
-          <p:cNvPr id="191" name="Connettore diritto 190"/>
-          <p:cNvSpPr/>
-          <p:nvPr/>
-        </p:nvSpPr>
-        <p:spPr>
-          <a:xfrm>
-            <a:off x="1035000" y="1767600"/>
-            <a:ext cx="5594760" cy="0"/>
-          </a:xfrm>
-          <a:prstGeom prst="line">
-            <a:avLst/>
-          </a:prstGeom>
-          <a:ln w="19080">
-            <a:solidFill>
-              <a:srgbClr val="4CABE4"/>
-            </a:solidFill>
-            <a:round/>
-          </a:ln>
-        </p:spPr>
-        <p:style>
-          <a:lnRef idx="0">
-            <a:scrgbClr r="0" g="0" b="0"/>
-          </a:lnRef>
-          <a:fillRef idx="0">
-            <a:scrgbClr r="0" g="0" b="0"/>
-          </a:fillRef>
-          <a:effectRef idx="0">
-            <a:scrgbClr r="0" g="0" b="0"/>
-          </a:effectRef>
-          <a:fontRef idx="minor"/>
-        </p:style>
-      </p:sp>
+        </p:nvPicPr>
+        <p:blipFill>
+          <a:blip r:embed="rId3" cstate="print">
+            <a:extLst>
+              <a:ext uri="{28A0092B-C50C-407E-A947-70E740481C1C}">
+                <a14:useLocalDpi xmlns:a14="http://schemas.microsoft.com/office/drawing/2010/main" val="0"/>
+              </a:ext>
+            </a:extLst>
+          </a:blip>
+          <a:stretch>
+            <a:fillRect/>
+          </a:stretch>
+        </p:blipFill>
+        <p:spPr>
+          <a:xfrm>
+            <a:off x="6435375" y="1461650"/>
+            <a:ext cx="3697165" cy="4871110"/>
+          </a:xfrm>
+          <a:prstGeom prst="rect">
+            <a:avLst/>
+          </a:prstGeom>
+        </p:spPr>
+      </p:pic>
     </p:spTree>
   </p:cSld>
   <p:clrMapOvr>
@@ -12094,4 +12600,299 @@
   <a:objectDefaults/>
   <a:extraClrSchemeLst/>
 </a:theme>
+</file>
+
+<file path=ppt/theme/theme4.xml><?xml version="1.0" encoding="utf-8"?>
+<a:theme xmlns:a="http://schemas.openxmlformats.org/drawingml/2006/main" name="Tema di Office">
+  <a:themeElements>
+    <a:clrScheme name="Office">
+      <a:dk1>
+        <a:sysClr val="windowText" lastClr="000000"/>
+      </a:dk1>
+      <a:lt1>
+        <a:sysClr val="window" lastClr="FFFFFF"/>
+      </a:lt1>
+      <a:dk2>
+        <a:srgbClr val="44546A"/>
+      </a:dk2>
+      <a:lt2>
+        <a:srgbClr val="E7E6E6"/>
+      </a:lt2>
+      <a:accent1>
+        <a:srgbClr val="4472C4"/>
+      </a:accent1>
+      <a:accent2>
+        <a:srgbClr val="ED7D31"/>
+      </a:accent2>
+      <a:accent3>
+        <a:srgbClr val="A5A5A5"/>
+      </a:accent3>
+      <a:accent4>
+        <a:srgbClr val="FFC000"/>
+      </a:accent4>
+      <a:accent5>
+        <a:srgbClr val="5B9BD5"/>
+      </a:accent5>
+      <a:accent6>
+        <a:srgbClr val="70AD47"/>
+      </a:accent6>
+      <a:hlink>
+        <a:srgbClr val="0563C1"/>
+      </a:hlink>
+      <a:folHlink>
+        <a:srgbClr val="954F72"/>
+      </a:folHlink>
+    </a:clrScheme>
+    <a:fontScheme name="Office">
+      <a:majorFont>
+        <a:latin typeface="Calibri Light" panose="020F0302020204030204"/>
+        <a:ea typeface=""/>
+        <a:cs typeface=""/>
+        <a:font script="Jpan" typeface="游ゴシック Light"/>
+        <a:font script="Hang" typeface="맑은 고딕"/>
+        <a:font script="Hans" typeface="等线 Light"/>
+        <a:font script="Hant" typeface="新細明體"/>
+        <a:font script="Arab" typeface="Times New Roman"/>
+        <a:font script="Hebr" typeface="Times New Roman"/>
+        <a:font script="Thai" typeface="Angsana New"/>
+        <a:font script="Ethi" typeface="Nyala"/>
+        <a:font script="Beng" typeface="Vrinda"/>
+        <a:font script="Gujr" typeface="Shruti"/>
+        <a:font script="Khmr" typeface="MoolBoran"/>
+        <a:font script="Knda" typeface="Tunga"/>
+        <a:font script="Guru" typeface="Raavi"/>
+        <a:font script="Cans" typeface="Euphemia"/>
+        <a:font script="Cher" typeface="Plantagenet Cherokee"/>
+        <a:font script="Yiii" typeface="Microsoft Yi Baiti"/>
+        <a:font script="Tibt" typeface="Microsoft Himalaya"/>
+        <a:font script="Thaa" typeface="MV Boli"/>
+        <a:font script="Deva" typeface="Mangal"/>
+        <a:font script="Telu" typeface="Gautami"/>
+        <a:font script="Taml" typeface="Latha"/>
+        <a:font script="Syrc" typeface="Estrangelo Edessa"/>
+        <a:font script="Orya" typeface="Kalinga"/>
+        <a:font script="Mlym" typeface="Kartika"/>
+        <a:font script="Laoo" typeface="DokChampa"/>
+        <a:font script="Sinh" typeface="Iskoola Pota"/>
+        <a:font script="Mong" typeface="Mongolian Baiti"/>
+        <a:font script="Viet" typeface="Times New Roman"/>
+        <a:font script="Uigh" typeface="Microsoft Uighur"/>
+        <a:font script="Geor" typeface="Sylfaen"/>
+        <a:font script="Armn" typeface="Arial"/>
+        <a:font script="Bugi" typeface="Leelawadee UI"/>
+        <a:font script="Bopo" typeface="Microsoft JhengHei"/>
+        <a:font script="Java" typeface="Javanese Text"/>
+        <a:font script="Lisu" typeface="Segoe UI"/>
+        <a:font script="Mymr" typeface="Myanmar Text"/>
+        <a:font script="Nkoo" typeface="Ebrima"/>
+        <a:font script="Olck" typeface="Nirmala UI"/>
+        <a:font script="Osma" typeface="Ebrima"/>
+        <a:font script="Phag" typeface="Phagspa"/>
+        <a:font script="Syrn" typeface="Estrangelo Edessa"/>
+        <a:font script="Syrj" typeface="Estrangelo Edessa"/>
+        <a:font script="Syre" typeface="Estrangelo Edessa"/>
+        <a:font script="Sora" typeface="Nirmala UI"/>
+        <a:font script="Tale" typeface="Microsoft Tai Le"/>
+        <a:font script="Talu" typeface="Microsoft New Tai Lue"/>
+        <a:font script="Tfng" typeface="Ebrima"/>
+      </a:majorFont>
+      <a:minorFont>
+        <a:latin typeface="Calibri" panose="020F0502020204030204"/>
+        <a:ea typeface=""/>
+        <a:cs typeface=""/>
+        <a:font script="Jpan" typeface="游ゴシック"/>
+        <a:font script="Hang" typeface="맑은 고딕"/>
+        <a:font script="Hans" typeface="等线"/>
+        <a:font script="Hant" typeface="新細明體"/>
+        <a:font script="Arab" typeface="Arial"/>
+        <a:font script="Hebr" typeface="Arial"/>
+        <a:font script="Thai" typeface="Cordia New"/>
+        <a:font script="Ethi" typeface="Nyala"/>
+        <a:font script="Beng" typeface="Vrinda"/>
+        <a:font script="Gujr" typeface="Shruti"/>
+        <a:font script="Khmr" typeface="DaunPenh"/>
+        <a:font script="Knda" typeface="Tunga"/>
+        <a:font script="Guru" typeface="Raavi"/>
+        <a:font script="Cans" typeface="Euphemia"/>
+        <a:font script="Cher" typeface="Plantagenet Cherokee"/>
+        <a:font script="Yiii" typeface="Microsoft Yi Baiti"/>
+        <a:font script="Tibt" typeface="Microsoft Himalaya"/>
+        <a:font script="Thaa" typeface="MV Boli"/>
+        <a:font script="Deva" typeface="Mangal"/>
+        <a:font script="Telu" typeface="Gautami"/>
+        <a:font script="Taml" typeface="Latha"/>
+        <a:font script="Syrc" typeface="Estrangelo Edessa"/>
+        <a:font script="Orya" typeface="Kalinga"/>
+        <a:font script="Mlym" typeface="Kartika"/>
+        <a:font script="Laoo" typeface="DokChampa"/>
+        <a:font script="Sinh" typeface="Iskoola Pota"/>
+        <a:font script="Mong" typeface="Mongolian Baiti"/>
+        <a:font script="Viet" typeface="Arial"/>
+        <a:font script="Uigh" typeface="Microsoft Uighur"/>
+        <a:font script="Geor" typeface="Sylfaen"/>
+        <a:font script="Armn" typeface="Arial"/>
+        <a:font script="Bugi" typeface="Leelawadee UI"/>
+        <a:font script="Bopo" typeface="Microsoft JhengHei"/>
+        <a:font script="Java" typeface="Javanese Text"/>
+        <a:font script="Lisu" typeface="Segoe UI"/>
+        <a:font script="Mymr" typeface="Myanmar Text"/>
+        <a:font script="Nkoo" typeface="Ebrima"/>
+        <a:font script="Olck" typeface="Nirmala UI"/>
+        <a:font script="Osma" typeface="Ebrima"/>
+        <a:font script="Phag" typeface="Phagspa"/>
+        <a:font script="Syrn" typeface="Estrangelo Edessa"/>
+        <a:font script="Syrj" typeface="Estrangelo Edessa"/>
+        <a:font script="Syre" typeface="Estrangelo Edessa"/>
+        <a:font script="Sora" typeface="Nirmala UI"/>
+        <a:font script="Tale" typeface="Microsoft Tai Le"/>
+        <a:font script="Talu" typeface="Microsoft New Tai Lue"/>
+        <a:font script="Tfng" typeface="Ebrima"/>
+      </a:minorFont>
+    </a:fontScheme>
+    <a:fmtScheme name="Office">
+      <a:fillStyleLst>
+        <a:solidFill>
+          <a:schemeClr val="phClr"/>
+        </a:solidFill>
+        <a:gradFill rotWithShape="1">
+          <a:gsLst>
+            <a:gs pos="0">
+              <a:schemeClr val="phClr">
+                <a:lumMod val="110000"/>
+                <a:satMod val="105000"/>
+                <a:tint val="67000"/>
+              </a:schemeClr>
+            </a:gs>
+            <a:gs pos="50000">
+              <a:schemeClr val="phClr">
+                <a:lumMod val="105000"/>
+                <a:satMod val="103000"/>
+                <a:tint val="73000"/>
+              </a:schemeClr>
+            </a:gs>
+            <a:gs pos="100000">
+              <a:schemeClr val="phClr">
+                <a:lumMod val="105000"/>
+                <a:satMod val="109000"/>
+                <a:tint val="81000"/>
+              </a:schemeClr>
+            </a:gs>
+          </a:gsLst>
+          <a:lin ang="5400000" scaled="0"/>
+        </a:gradFill>
+        <a:gradFill rotWithShape="1">
+          <a:gsLst>
+            <a:gs pos="0">
+              <a:schemeClr val="phClr">
+                <a:satMod val="103000"/>
+                <a:lumMod val="102000"/>
+                <a:tint val="94000"/>
+              </a:schemeClr>
+            </a:gs>
+            <a:gs pos="50000">
+              <a:schemeClr val="phClr">
+                <a:satMod val="110000"/>
+                <a:lumMod val="100000"/>
+                <a:shade val="100000"/>
+              </a:schemeClr>
+            </a:gs>
+            <a:gs pos="100000">
+              <a:schemeClr val="phClr">
+                <a:lumMod val="99000"/>
+                <a:satMod val="120000"/>
+                <a:shade val="78000"/>
+              </a:schemeClr>
+            </a:gs>
+          </a:gsLst>
+          <a:lin ang="5400000" scaled="0"/>
+        </a:gradFill>
+      </a:fillStyleLst>
+      <a:lnStyleLst>
+        <a:ln w="6350" cap="flat" cmpd="sng" algn="ctr">
+          <a:solidFill>
+            <a:schemeClr val="phClr"/>
+          </a:solidFill>
+          <a:prstDash val="solid"/>
+          <a:miter lim="800000"/>
+        </a:ln>
+        <a:ln w="12700" cap="flat" cmpd="sng" algn="ctr">
+          <a:solidFill>
+            <a:schemeClr val="phClr"/>
+          </a:solidFill>
+          <a:prstDash val="solid"/>
+          <a:miter lim="800000"/>
+        </a:ln>
+        <a:ln w="19050" cap="flat" cmpd="sng" algn="ctr">
+          <a:solidFill>
+            <a:schemeClr val="phClr"/>
+          </a:solidFill>
+          <a:prstDash val="solid"/>
+          <a:miter lim="800000"/>
+        </a:ln>
+      </a:lnStyleLst>
+      <a:effectStyleLst>
+        <a:effectStyle>
+          <a:effectLst/>
+        </a:effectStyle>
+        <a:effectStyle>
+          <a:effectLst/>
+        </a:effectStyle>
+        <a:effectStyle>
+          <a:effectLst>
+            <a:outerShdw blurRad="57150" dist="19050" dir="5400000" algn="ctr" rotWithShape="0">
+              <a:srgbClr val="000000">
+                <a:alpha val="63000"/>
+              </a:srgbClr>
+            </a:outerShdw>
+          </a:effectLst>
+        </a:effectStyle>
+      </a:effectStyleLst>
+      <a:bgFillStyleLst>
+        <a:solidFill>
+          <a:schemeClr val="phClr"/>
+        </a:solidFill>
+        <a:solidFill>
+          <a:schemeClr val="phClr">
+            <a:tint val="95000"/>
+            <a:satMod val="170000"/>
+          </a:schemeClr>
+        </a:solidFill>
+        <a:gradFill rotWithShape="1">
+          <a:gsLst>
+            <a:gs pos="0">
+              <a:schemeClr val="phClr">
+                <a:tint val="93000"/>
+                <a:satMod val="150000"/>
+                <a:shade val="98000"/>
+                <a:lumMod val="102000"/>
+              </a:schemeClr>
+            </a:gs>
+            <a:gs pos="50000">
+              <a:schemeClr val="phClr">
+                <a:tint val="98000"/>
+                <a:satMod val="130000"/>
+                <a:shade val="90000"/>
+                <a:lumMod val="103000"/>
+              </a:schemeClr>
+            </a:gs>
+            <a:gs pos="100000">
+              <a:schemeClr val="phClr">
+                <a:shade val="63000"/>
+                <a:satMod val="120000"/>
+              </a:schemeClr>
+            </a:gs>
+          </a:gsLst>
+          <a:lin ang="5400000" scaled="0"/>
+        </a:gradFill>
+      </a:bgFillStyleLst>
+    </a:fmtScheme>
+  </a:themeElements>
+  <a:objectDefaults/>
+  <a:extraClrSchemeLst/>
+  <a:extLst>
+    <a:ext uri="{05A4C25C-085E-4340-85A3-A5531E510DB2}">
+      <thm15:themeFamily xmlns:thm15="http://schemas.microsoft.com/office/thememl/2012/main" name="Office Theme" id="{62F939B6-93AF-4DB8-9C6B-D6C7DFDC589F}" vid="{4A3C46E8-61CC-4603-A589-7422A47A8E4A}"/>
+    </a:ext>
+  </a:extLst>
+</a:theme>
 </file>
--- a/Design and Development of a RAM-based PUF.pptx
+++ b/Design and Development of a RAM-based PUF.pptx
@@ -9359,7 +9359,7 @@
         </p:blipFill>
         <p:spPr>
           <a:xfrm>
-            <a:off x="1555307" y="1793762"/>
+            <a:off x="1035000" y="1793762"/>
             <a:ext cx="6005387" cy="3606141"/>
           </a:xfrm>
           <a:prstGeom prst="rect">
@@ -9367,6 +9367,103 @@
           </a:prstGeom>
         </p:spPr>
       </p:pic>
+      <p:sp>
+        <p:nvSpPr>
+          <p:cNvPr id="2" name="CasellaDiTesto 1">
+            <a:extLst>
+              <a:ext uri="{FF2B5EF4-FFF2-40B4-BE49-F238E27FC236}">
+                <a16:creationId xmlns:a16="http://schemas.microsoft.com/office/drawing/2014/main" id="{A88AF19C-3181-E4CC-244A-235E4D8962CA}"/>
+              </a:ext>
+            </a:extLst>
+          </p:cNvPr>
+          <p:cNvSpPr txBox="1"/>
+          <p:nvPr/>
+        </p:nvSpPr>
+        <p:spPr>
+          <a:xfrm>
+            <a:off x="7491126" y="2959597"/>
+            <a:ext cx="4444314" cy="1323439"/>
+          </a:xfrm>
+          <a:prstGeom prst="rect">
+            <a:avLst/>
+          </a:prstGeom>
+          <a:noFill/>
+        </p:spPr>
+        <p:txBody>
+          <a:bodyPr wrap="square" rtlCol="0">
+            <a:spAutoFit/>
+          </a:bodyPr>
+          <a:lstStyle/>
+          <a:p>
+            <a:r>
+              <a:rPr lang="it-IT" sz="2000" dirty="0" err="1"/>
+              <a:t>Thresholds</a:t>
+            </a:r>
+            <a:r>
+              <a:rPr lang="it-IT" sz="2000" dirty="0"/>
+              <a:t>:</a:t>
+            </a:r>
+          </a:p>
+          <a:p>
+            <a:pPr marL="742950" lvl="1" indent="-285750">
+              <a:buFont typeface="Arial" panose="020B0604020202020204" pitchFamily="34" charset="0"/>
+              <a:buChar char="•"/>
+            </a:pPr>
+            <a:r>
+              <a:rPr lang="it-IT" sz="2000" dirty="0"/>
+              <a:t>2 -&gt; 79,00%   of </a:t>
+            </a:r>
+            <a:r>
+              <a:rPr lang="it-IT" sz="2000" dirty="0" err="1"/>
+              <a:t>accurancy</a:t>
+            </a:r>
+            <a:endParaRPr lang="it-IT" sz="2000" dirty="0"/>
+          </a:p>
+          <a:p>
+            <a:pPr marL="742950" lvl="1" indent="-285750">
+              <a:buFont typeface="Arial" panose="020B0604020202020204" pitchFamily="34" charset="0"/>
+              <a:buChar char="•"/>
+            </a:pPr>
+            <a:r>
+              <a:rPr lang="it-IT" sz="2000" dirty="0"/>
+              <a:t>3 -&gt; 90,10%   of </a:t>
+            </a:r>
+            <a:r>
+              <a:rPr lang="it-IT" sz="2000" dirty="0" err="1"/>
+              <a:t>accurancy</a:t>
+            </a:r>
+            <a:endParaRPr lang="it-IT" sz="2000" dirty="0"/>
+          </a:p>
+          <a:p>
+            <a:pPr marL="742950" lvl="1" indent="-285750">
+              <a:buFont typeface="Arial" panose="020B0604020202020204" pitchFamily="34" charset="0"/>
+              <a:buChar char="•"/>
+            </a:pPr>
+            <a:r>
+              <a:rPr lang="it-IT" sz="2000" dirty="0"/>
+              <a:t>4 -&gt; </a:t>
+            </a:r>
+            <a:r>
+              <a:rPr lang="it-IT" sz="2000" b="0" i="0" u="none" strike="noStrike" dirty="0">
+                <a:solidFill>
+                  <a:srgbClr val="000000"/>
+                </a:solidFill>
+                <a:effectLst/>
+              </a:rPr>
+              <a:t>93,67%   </a:t>
+            </a:r>
+            <a:r>
+              <a:rPr lang="it-IT" sz="2000" dirty="0"/>
+              <a:t>of </a:t>
+            </a:r>
+            <a:r>
+              <a:rPr lang="it-IT" sz="2000" dirty="0" err="1"/>
+              <a:t>accurancy</a:t>
+            </a:r>
+            <a:endParaRPr lang="it-IT" sz="2000" dirty="0"/>
+          </a:p>
+        </p:txBody>
+      </p:sp>
     </p:spTree>
     <p:extLst>
       <p:ext uri="{BB962C8B-B14F-4D97-AF65-F5344CB8AC3E}">

--- a/Design and Development of a RAM-based PUF.pptx
+++ b/Design and Development of a RAM-based PUF.pptx
@@ -520,6 +520,90 @@
           <a:bodyPr/>
           <a:lstStyle/>
           <a:p>
+            <a:endParaRPr lang="it-IT" dirty="0"/>
+          </a:p>
+        </p:txBody>
+      </p:sp>
+      <p:sp>
+        <p:nvSpPr>
+          <p:cNvPr id="4" name="Segnaposto numero diapositiva 3"/>
+          <p:cNvSpPr>
+            <a:spLocks noGrp="1"/>
+          </p:cNvSpPr>
+          <p:nvPr>
+            <p:ph type="sldNum" sz="quarter" idx="5"/>
+          </p:nvPr>
+        </p:nvSpPr>
+        <p:spPr/>
+        <p:txBody>
+          <a:bodyPr/>
+          <a:lstStyle/>
+          <a:p>
+            <a:fld id="{8E4AEE2B-87B2-4881-A172-8F95A4E8133A}" type="slidenum">
+              <a:rPr lang="it-IT" smtClean="0"/>
+              <a:t>1</a:t>
+            </a:fld>
+            <a:endParaRPr lang="it-IT"/>
+          </a:p>
+        </p:txBody>
+      </p:sp>
+    </p:spTree>
+    <p:extLst>
+      <p:ext uri="{BB962C8B-B14F-4D97-AF65-F5344CB8AC3E}">
+        <p14:creationId xmlns:p14="http://schemas.microsoft.com/office/powerpoint/2010/main" val="436214250"/>
+      </p:ext>
+    </p:extLst>
+  </p:cSld>
+  <p:clrMapOvr>
+    <a:masterClrMapping/>
+  </p:clrMapOvr>
+</p:notes>
+</file>
+
+<file path=ppt/notesSlides/notesSlide2.xml><?xml version="1.0" encoding="utf-8"?>
+<p:notes xmlns:a="http://schemas.openxmlformats.org/drawingml/2006/main" xmlns:r="http://schemas.openxmlformats.org/officeDocument/2006/relationships" xmlns:p="http://schemas.openxmlformats.org/presentationml/2006/main">
+  <p:cSld>
+    <p:spTree>
+      <p:nvGrpSpPr>
+        <p:cNvPr id="1" name=""/>
+        <p:cNvGrpSpPr/>
+        <p:nvPr/>
+      </p:nvGrpSpPr>
+      <p:grpSpPr>
+        <a:xfrm>
+          <a:off x="0" y="0"/>
+          <a:ext cx="0" cy="0"/>
+          <a:chOff x="0" y="0"/>
+          <a:chExt cx="0" cy="0"/>
+        </a:xfrm>
+      </p:grpSpPr>
+      <p:sp>
+        <p:nvSpPr>
+          <p:cNvPr id="2" name="Segnaposto immagine diapositiva 1"/>
+          <p:cNvSpPr>
+            <a:spLocks noGrp="1" noRot="1" noChangeAspect="1"/>
+          </p:cNvSpPr>
+          <p:nvPr>
+            <p:ph type="sldImg"/>
+          </p:nvPr>
+        </p:nvSpPr>
+        <p:spPr/>
+      </p:sp>
+      <p:sp>
+        <p:nvSpPr>
+          <p:cNvPr id="3" name="Segnaposto note 2"/>
+          <p:cNvSpPr>
+            <a:spLocks noGrp="1"/>
+          </p:cNvSpPr>
+          <p:nvPr>
+            <p:ph type="body" idx="1"/>
+          </p:nvPr>
+        </p:nvSpPr>
+        <p:spPr/>
+        <p:txBody>
+          <a:bodyPr/>
+          <a:lstStyle/>
+          <a:p>
             <a:pPr marL="457200" indent="-380880">
               <a:lnSpc>
                 <a:spcPct val="100000"/>
@@ -638,7 +722,7 @@
 </p:notes>
 </file>
 
-<file path=ppt/notesSlides/notesSlide2.xml><?xml version="1.0" encoding="utf-8"?>
+<file path=ppt/notesSlides/notesSlide3.xml><?xml version="1.0" encoding="utf-8"?>
 <p:notes xmlns:a="http://schemas.openxmlformats.org/drawingml/2006/main" xmlns:r="http://schemas.openxmlformats.org/officeDocument/2006/relationships" xmlns:p="http://schemas.openxmlformats.org/presentationml/2006/main">
   <p:cSld>
     <p:spTree>
@@ -835,7 +919,7 @@
 </p:notes>
 </file>
 
-<file path=ppt/notesSlides/notesSlide3.xml><?xml version="1.0" encoding="utf-8"?>
+<file path=ppt/notesSlides/notesSlide4.xml><?xml version="1.0" encoding="utf-8"?>
 <p:notes xmlns:a="http://schemas.openxmlformats.org/drawingml/2006/main" xmlns:r="http://schemas.openxmlformats.org/officeDocument/2006/relationships" xmlns:p="http://schemas.openxmlformats.org/presentationml/2006/main">
   <p:cSld>
     <p:spTree>
@@ -8559,26 +8643,38 @@
       </p:sp>
       <p:pic>
         <p:nvPicPr>
-          <p:cNvPr id="160" name="Immagine 8" descr="Immagine che contiene testo&#10;&#10;Descrizione generata automaticamente"/>
-          <p:cNvPicPr/>
+          <p:cNvPr id="6" name="Immagine 5" descr="Immagine che contiene testo&#10;&#10;Descrizione generata automaticamente">
+            <a:extLst>
+              <a:ext uri="{FF2B5EF4-FFF2-40B4-BE49-F238E27FC236}">
+                <a16:creationId xmlns:a16="http://schemas.microsoft.com/office/drawing/2014/main" id="{2D08935F-FA98-5676-AA32-ED2E698AF3BD}"/>
+              </a:ext>
+            </a:extLst>
+          </p:cNvPr>
+          <p:cNvPicPr>
+            <a:picLocks noChangeAspect="1"/>
+          </p:cNvPicPr>
           <p:nvPr/>
         </p:nvPicPr>
         <p:blipFill>
-          <a:blip r:embed="rId2"/>
-          <a:srcRect l="9378" r="23630"/>
-          <a:stretch/>
+          <a:blip r:embed="rId3">
+            <a:extLst>
+              <a:ext uri="{28A0092B-C50C-407E-A947-70E740481C1C}">
+                <a14:useLocalDpi xmlns:a14="http://schemas.microsoft.com/office/drawing/2010/main" val="0"/>
+              </a:ext>
+            </a:extLst>
+          </a:blip>
+          <a:stretch>
+            <a:fillRect/>
+          </a:stretch>
         </p:blipFill>
         <p:spPr>
           <a:xfrm>
-            <a:off x="3523320" y="0"/>
-            <a:ext cx="8667360" cy="6856920"/>
-          </a:xfrm>
-          <a:prstGeom prst="rect">
-            <a:avLst/>
-          </a:prstGeom>
-          <a:ln w="0">
-            <a:noFill/>
-          </a:ln>
+            <a:off x="2762250" y="-14006"/>
+            <a:ext cx="9429750" cy="6874029"/>
+          </a:xfrm>
+          <a:prstGeom prst="rect">
+            <a:avLst/>
+          </a:prstGeom>
         </p:spPr>
       </p:pic>
       <p:sp>
@@ -8639,7 +8735,7 @@
         </p:nvSpPr>
         <p:spPr>
           <a:xfrm>
-            <a:off x="478080" y="1122480"/>
+            <a:off x="478080" y="1078561"/>
             <a:ext cx="4022280" cy="3202920"/>
           </a:xfrm>
           <a:prstGeom prst="rect">
@@ -8663,7 +8759,7 @@
               <a:buNone/>
             </a:pPr>
             <a:r>
-              <a:rPr lang="en-US" sz="4800" b="0" strike="noStrike" spc="-1">
+              <a:rPr lang="en-US" sz="4800" b="0" strike="noStrike" spc="-1" dirty="0">
                 <a:solidFill>
                   <a:srgbClr val="FFFFFF"/>
                 </a:solidFill>
@@ -8671,7 +8767,7 @@
               </a:rPr>
               <a:t>Design and Development of a RAM-based PUF</a:t>
             </a:r>
-            <a:endParaRPr lang="en-US" sz="4800" b="0" strike="noStrike" spc="-1">
+            <a:endParaRPr lang="en-US" sz="4800" b="0" strike="noStrike" spc="-1" dirty="0">
               <a:latin typeface="Arial"/>
             </a:endParaRPr>
           </a:p>
@@ -8719,15 +8815,42 @@
               </a:tabLst>
             </a:pPr>
             <a:r>
-              <a:rPr lang="it-IT" sz="2000" b="0" strike="noStrike" spc="-1">
+              <a:rPr lang="it-IT" sz="2000" b="0" strike="noStrike" spc="-1" dirty="0" err="1">
                 <a:solidFill>
                   <a:srgbClr val="FFFFFF"/>
                 </a:solidFill>
                 <a:latin typeface="CMR12"/>
               </a:rPr>
-              <a:t>Zissis Tabouras (s284685)</a:t>
+              <a:t>Zissis</a:t>
             </a:r>
-            <a:endParaRPr lang="en-US" sz="2000" b="0" strike="noStrike" spc="-1">
+            <a:r>
+              <a:rPr lang="it-IT" sz="2000" b="0" strike="noStrike" spc="-1" dirty="0">
+                <a:solidFill>
+                  <a:srgbClr val="FFFFFF"/>
+                </a:solidFill>
+                <a:latin typeface="CMR12"/>
+              </a:rPr>
+              <a:t> </a:t>
+            </a:r>
+            <a:r>
+              <a:rPr lang="it-IT" sz="2000" b="0" strike="noStrike" spc="-1" dirty="0" err="1">
+                <a:solidFill>
+                  <a:srgbClr val="FFFFFF"/>
+                </a:solidFill>
+                <a:latin typeface="CMR12"/>
+              </a:rPr>
+              <a:t>Tabouras</a:t>
+            </a:r>
+            <a:r>
+              <a:rPr lang="it-IT" sz="2000" b="0" strike="noStrike" spc="-1" dirty="0">
+                <a:solidFill>
+                  <a:srgbClr val="FFFFFF"/>
+                </a:solidFill>
+                <a:latin typeface="CMR12"/>
+              </a:rPr>
+              <a:t> (s284685)</a:t>
+            </a:r>
+            <a:endParaRPr lang="en-US" sz="2000" b="0" strike="noStrike" spc="-1" dirty="0">
               <a:latin typeface="Arial"/>
             </a:endParaRPr>
           </a:p>
@@ -8745,7 +8868,7 @@
               </a:tabLst>
             </a:pPr>
             <a:r>
-              <a:rPr lang="it-IT" sz="2000" b="0" strike="noStrike" spc="-1">
+              <a:rPr lang="it-IT" sz="2000" b="0" strike="noStrike" spc="-1" dirty="0">
                 <a:solidFill>
                   <a:srgbClr val="FFFFFF"/>
                 </a:solidFill>
@@ -8753,7 +8876,7 @@
               </a:rPr>
               <a:t>Elena Roncolino (s304719)</a:t>
             </a:r>
-            <a:endParaRPr lang="en-US" sz="2000" b="0" strike="noStrike" spc="-1">
+            <a:endParaRPr lang="en-US" sz="2000" b="0" strike="noStrike" spc="-1" dirty="0">
               <a:latin typeface="Arial"/>
             </a:endParaRPr>
           </a:p>
@@ -8771,7 +8894,7 @@
               </a:tabLst>
             </a:pPr>
             <a:r>
-              <a:rPr lang="it-IT" sz="2000" b="0" strike="noStrike" spc="-1">
+              <a:rPr lang="it-IT" sz="2000" b="0" strike="noStrike" spc="-1" dirty="0">
                 <a:solidFill>
                   <a:srgbClr val="FFFFFF"/>
                 </a:solidFill>
@@ -8779,7 +8902,7 @@
               </a:rPr>
               <a:t>Stefano Palmieri (s281677)</a:t>
             </a:r>
-            <a:endParaRPr lang="en-US" sz="2000" b="0" strike="noStrike" spc="-1">
+            <a:endParaRPr lang="en-US" sz="2000" b="0" strike="noStrike" spc="-1" dirty="0">
               <a:latin typeface="Arial"/>
             </a:endParaRPr>
           </a:p>
@@ -8873,6 +8996,7 @@
           <a:lstStyle/>
           <a:p>
             <a:fld id="{2BBC0D7F-5723-4686-BD46-C1A3577461A0}" type="slidenum">
+              <a:rPr/>
               <a:t>1</a:t>
             </a:fld>
             <a:endParaRPr/>
@@ -8884,266 +9008,6 @@
   <p:clrMapOvr>
     <a:masterClrMapping/>
   </p:clrMapOvr>
-  <p:timing>
-    <p:tnLst>
-      <p:par>
-        <p:cTn id="1" dur="indefinite" restart="never" nodeType="tmRoot">
-          <p:childTnLst>
-            <p:seq>
-              <p:cTn id="2" dur="indefinite" nodeType="mainSeq">
-                <p:childTnLst>
-                  <p:par>
-                    <p:cTn id="3" fill="hold">
-                      <p:stCondLst>
-                        <p:cond delay="0"/>
-                      </p:stCondLst>
-                      <p:childTnLst>
-                        <p:par>
-                          <p:cTn id="4" fill="hold">
-                            <p:stCondLst>
-                              <p:cond delay="0"/>
-                            </p:stCondLst>
-                            <p:childTnLst>
-                              <p:par>
-                                <p:cTn id="5" presetID="10" presetClass="entr" fill="hold" nodeType="withEffect">
-                                  <p:stCondLst>
-                                    <p:cond delay="1500"/>
-                                  </p:stCondLst>
-                                  <p:iterate>
-                                    <p:tmAbs val="100"/>
-                                  </p:iterate>
-                                  <p:childTnLst>
-                                    <p:set>
-                                      <p:cBhvr>
-                                        <p:cTn id="6" dur="1" fill="hold">
-                                          <p:stCondLst>
-                                            <p:cond delay="0"/>
-                                          </p:stCondLst>
-                                        </p:cTn>
-                                        <p:tgtEl>
-                                          <p:spTgt spid="163">
-                                            <p:txEl>
-                                              <p:pRg st="0" end="0"/>
-                                            </p:txEl>
-                                          </p:spTgt>
-                                        </p:tgtEl>
-                                        <p:attrNameLst>
-                                          <p:attrName>style.visibility</p:attrName>
-                                        </p:attrNameLst>
-                                      </p:cBhvr>
-                                      <p:to>
-                                        <p:strVal val="visible"/>
-                                      </p:to>
-                                    </p:set>
-                                    <p:animEffect transition="in" filter="fade">
-                                      <p:cBhvr additive="repl">
-                                        <p:cTn id="7" dur="700"/>
-                                        <p:tgtEl>
-                                          <p:spTgt spid="163">
-                                            <p:txEl>
-                                              <p:pRg st="0" end="0"/>
-                                            </p:txEl>
-                                          </p:spTgt>
-                                        </p:tgtEl>
-                                      </p:cBhvr>
-                                    </p:animEffect>
-                                  </p:childTnLst>
-                                </p:cTn>
-                              </p:par>
-                              <p:par>
-                                <p:cTn id="8" presetID="10" presetClass="entr" fill="hold" nodeType="withEffect">
-                                  <p:stCondLst>
-                                    <p:cond delay="1000"/>
-                                  </p:stCondLst>
-                                  <p:iterate>
-                                    <p:tmAbs val="100"/>
-                                  </p:iterate>
-                                  <p:childTnLst>
-                                    <p:set>
-                                      <p:cBhvr>
-                                        <p:cTn id="9" dur="1" fill="hold">
-                                          <p:stCondLst>
-                                            <p:cond delay="0"/>
-                                          </p:stCondLst>
-                                        </p:cTn>
-                                        <p:tgtEl>
-                                          <p:spTgt spid="162"/>
-                                        </p:tgtEl>
-                                        <p:attrNameLst>
-                                          <p:attrName>style.visibility</p:attrName>
-                                        </p:attrNameLst>
-                                      </p:cBhvr>
-                                      <p:to>
-                                        <p:strVal val="visible"/>
-                                      </p:to>
-                                    </p:set>
-                                    <p:animEffect transition="in" filter="fade">
-                                      <p:cBhvr additive="repl">
-                                        <p:cTn id="10" dur="700"/>
-                                        <p:tgtEl>
-                                          <p:spTgt spid="162"/>
-                                        </p:tgtEl>
-                                      </p:cBhvr>
-                                    </p:animEffect>
-                                  </p:childTnLst>
-                                </p:cTn>
-                              </p:par>
-                            </p:childTnLst>
-                          </p:cTn>
-                        </p:par>
-                      </p:childTnLst>
-                    </p:cTn>
-                  </p:par>
-                  <p:par>
-                    <p:cTn id="11" fill="hold">
-                      <p:stCondLst>
-                        <p:cond delay="indefinite"/>
-                      </p:stCondLst>
-                      <p:childTnLst>
-                        <p:par>
-                          <p:cTn id="12" fill="hold">
-                            <p:stCondLst>
-                              <p:cond delay="0"/>
-                            </p:stCondLst>
-                            <p:childTnLst>
-                              <p:par>
-                                <p:cTn id="13" presetID="10" presetClass="entr" fill="hold" nodeType="clickEffect">
-                                  <p:stCondLst>
-                                    <p:cond delay="1500"/>
-                                  </p:stCondLst>
-                                  <p:iterate>
-                                    <p:tmAbs val="100"/>
-                                  </p:iterate>
-                                  <p:childTnLst>
-                                    <p:set>
-                                      <p:cBhvr>
-                                        <p:cTn id="14" dur="1" fill="hold">
-                                          <p:stCondLst>
-                                            <p:cond delay="0"/>
-                                          </p:stCondLst>
-                                        </p:cTn>
-                                        <p:tgtEl>
-                                          <p:spTgt spid="163">
-                                            <p:txEl>
-                                              <p:pRg st="1" end="1"/>
-                                            </p:txEl>
-                                          </p:spTgt>
-                                        </p:tgtEl>
-                                        <p:attrNameLst>
-                                          <p:attrName>style.visibility</p:attrName>
-                                        </p:attrNameLst>
-                                      </p:cBhvr>
-                                      <p:to>
-                                        <p:strVal val="visible"/>
-                                      </p:to>
-                                    </p:set>
-                                    <p:animEffect transition="in" filter="fade">
-                                      <p:cBhvr additive="repl">
-                                        <p:cTn id="15" dur="700"/>
-                                        <p:tgtEl>
-                                          <p:spTgt spid="163">
-                                            <p:txEl>
-                                              <p:pRg st="1" end="1"/>
-                                            </p:txEl>
-                                          </p:spTgt>
-                                        </p:tgtEl>
-                                      </p:cBhvr>
-                                    </p:animEffect>
-                                  </p:childTnLst>
-                                </p:cTn>
-                              </p:par>
-                            </p:childTnLst>
-                          </p:cTn>
-                        </p:par>
-                      </p:childTnLst>
-                    </p:cTn>
-                  </p:par>
-                  <p:par>
-                    <p:cTn id="16" fill="hold">
-                      <p:stCondLst>
-                        <p:cond delay="indefinite"/>
-                      </p:stCondLst>
-                      <p:childTnLst>
-                        <p:par>
-                          <p:cTn id="17" fill="hold">
-                            <p:stCondLst>
-                              <p:cond delay="0"/>
-                            </p:stCondLst>
-                            <p:childTnLst>
-                              <p:par>
-                                <p:cTn id="18" presetID="10" presetClass="entr" fill="hold" nodeType="clickEffect">
-                                  <p:stCondLst>
-                                    <p:cond delay="1500"/>
-                                  </p:stCondLst>
-                                  <p:iterate>
-                                    <p:tmAbs val="100"/>
-                                  </p:iterate>
-                                  <p:childTnLst>
-                                    <p:set>
-                                      <p:cBhvr>
-                                        <p:cTn id="19" dur="1" fill="hold">
-                                          <p:stCondLst>
-                                            <p:cond delay="0"/>
-                                          </p:stCondLst>
-                                        </p:cTn>
-                                        <p:tgtEl>
-                                          <p:spTgt spid="163">
-                                            <p:txEl>
-                                              <p:pRg st="2" end="2"/>
-                                            </p:txEl>
-                                          </p:spTgt>
-                                        </p:tgtEl>
-                                        <p:attrNameLst>
-                                          <p:attrName>style.visibility</p:attrName>
-                                        </p:attrNameLst>
-                                      </p:cBhvr>
-                                      <p:to>
-                                        <p:strVal val="visible"/>
-                                      </p:to>
-                                    </p:set>
-                                    <p:animEffect transition="in" filter="fade">
-                                      <p:cBhvr additive="repl">
-                                        <p:cTn id="20" dur="700"/>
-                                        <p:tgtEl>
-                                          <p:spTgt spid="163">
-                                            <p:txEl>
-                                              <p:pRg st="2" end="2"/>
-                                            </p:txEl>
-                                          </p:spTgt>
-                                        </p:tgtEl>
-                                      </p:cBhvr>
-                                    </p:animEffect>
-                                  </p:childTnLst>
-                                </p:cTn>
-                              </p:par>
-                            </p:childTnLst>
-                          </p:cTn>
-                        </p:par>
-                      </p:childTnLst>
-                    </p:cTn>
-                  </p:par>
-                </p:childTnLst>
-              </p:cTn>
-              <p:prevCondLst>
-                <p:cond evt="onPrev" delay="0">
-                  <p:tgtEl>
-                    <p:sldTgt/>
-                  </p:tgtEl>
-                </p:cond>
-              </p:prevCondLst>
-              <p:nextCondLst>
-                <p:cond evt="onNext" delay="0">
-                  <p:tgtEl>
-                    <p:sldTgt/>
-                  </p:tgtEl>
-                </p:cond>
-              </p:nextCondLst>
-            </p:seq>
-          </p:childTnLst>
-        </p:cTn>
-      </p:par>
-    </p:tnLst>
-  </p:timing>
 </p:sld>
 </file>
 
